--- a/study-note/자바/2022-10-05 내용정리.pptx
+++ b/study-note/자바/2022-10-05 내용정리.pptx
@@ -5,7 +5,7 @@
     <p:sldMasterId id="2147483648" r:id="rId1"/>
   </p:sldMasterIdLst>
   <p:notesMasterIdLst>
-    <p:notesMasterId r:id="rId18"/>
+    <p:notesMasterId r:id="rId20"/>
   </p:notesMasterIdLst>
   <p:sldIdLst>
     <p:sldId id="256" r:id="rId2"/>
@@ -24,6 +24,8 @@
     <p:sldId id="269" r:id="rId15"/>
     <p:sldId id="270" r:id="rId16"/>
     <p:sldId id="271" r:id="rId17"/>
+    <p:sldId id="272" r:id="rId18"/>
+    <p:sldId id="273" r:id="rId19"/>
   </p:sldIdLst>
   <p:sldSz cx="12192000" cy="6858000"/>
   <p:notesSz cx="6858000" cy="9144000"/>
@@ -13292,6 +13294,3044 @@
     <p:extLst>
       <p:ext uri="{BB962C8B-B14F-4D97-AF65-F5344CB8AC3E}">
         <p14:creationId xmlns:p14="http://schemas.microsoft.com/office/powerpoint/2010/main" val="4087314324"/>
+      </p:ext>
+    </p:extLst>
+  </p:cSld>
+  <p:clrMapOvr>
+    <a:masterClrMapping/>
+  </p:clrMapOvr>
+</p:sld>
+</file>
+
+<file path=ppt/slides/slide17.xml><?xml version="1.0" encoding="utf-8"?>
+<p:sld xmlns:a="http://schemas.openxmlformats.org/drawingml/2006/main" xmlns:r="http://schemas.openxmlformats.org/officeDocument/2006/relationships" xmlns:p="http://schemas.openxmlformats.org/presentationml/2006/main">
+  <p:cSld>
+    <p:spTree>
+      <p:nvGrpSpPr>
+        <p:cNvPr id="1" name=""/>
+        <p:cNvGrpSpPr/>
+        <p:nvPr/>
+      </p:nvGrpSpPr>
+      <p:grpSpPr>
+        <a:xfrm>
+          <a:off x="0" y="0"/>
+          <a:ext cx="0" cy="0"/>
+          <a:chOff x="0" y="0"/>
+          <a:chExt cx="0" cy="0"/>
+        </a:xfrm>
+      </p:grpSpPr>
+      <p:sp>
+        <p:nvSpPr>
+          <p:cNvPr id="4" name="직사각형 3">
+            <a:extLst>
+              <a:ext uri="{FF2B5EF4-FFF2-40B4-BE49-F238E27FC236}">
+                <a16:creationId xmlns:a16="http://schemas.microsoft.com/office/drawing/2014/main" id="{3651199C-60A8-210B-BC4C-6FA2C4B2DD10}"/>
+              </a:ext>
+            </a:extLst>
+          </p:cNvPr>
+          <p:cNvSpPr/>
+          <p:nvPr/>
+        </p:nvSpPr>
+        <p:spPr>
+          <a:xfrm>
+            <a:off x="1920987" y="1085191"/>
+            <a:ext cx="2228193" cy="599089"/>
+          </a:xfrm>
+          <a:prstGeom prst="rect">
+            <a:avLst/>
+          </a:prstGeom>
+        </p:spPr>
+        <p:style>
+          <a:lnRef idx="2">
+            <a:schemeClr val="accent1">
+              <a:shade val="50000"/>
+            </a:schemeClr>
+          </a:lnRef>
+          <a:fillRef idx="1">
+            <a:schemeClr val="accent1"/>
+          </a:fillRef>
+          <a:effectRef idx="0">
+            <a:schemeClr val="accent1"/>
+          </a:effectRef>
+          <a:fontRef idx="minor">
+            <a:schemeClr val="lt1"/>
+          </a:fontRef>
+        </p:style>
+        <p:txBody>
+          <a:bodyPr rtlCol="0" anchor="ctr"/>
+          <a:lstStyle/>
+          <a:p>
+            <a:pPr algn="ctr"/>
+            <a:r>
+              <a:rPr kumimoji="1" lang="en-US" altLang="ko-KR" sz="1100" dirty="0"/>
+              <a:t>&lt;&lt;Controller&gt;&gt;</a:t>
+            </a:r>
+            <a:endParaRPr kumimoji="1" lang="en-US" altLang="ko-Kore-KR" sz="1600" dirty="0"/>
+          </a:p>
+          <a:p>
+            <a:pPr algn="ctr"/>
+            <a:r>
+              <a:rPr kumimoji="1" lang="en-US" altLang="ko-Kore-KR" dirty="0" err="1"/>
+              <a:t>BoardAddController</a:t>
+            </a:r>
+            <a:endParaRPr kumimoji="1" lang="ko-Kore-KR" altLang="en-US" dirty="0"/>
+          </a:p>
+        </p:txBody>
+      </p:sp>
+      <p:cxnSp>
+        <p:nvCxnSpPr>
+          <p:cNvPr id="8" name="직선 화살표 연결선 7">
+            <a:extLst>
+              <a:ext uri="{FF2B5EF4-FFF2-40B4-BE49-F238E27FC236}">
+                <a16:creationId xmlns:a16="http://schemas.microsoft.com/office/drawing/2014/main" id="{929719B7-6BAE-B1A1-DAA5-31D9E1A5C926}"/>
+              </a:ext>
+            </a:extLst>
+          </p:cNvPr>
+          <p:cNvCxnSpPr>
+            <a:cxnSpLocks/>
+            <a:stCxn id="14" idx="3"/>
+            <a:endCxn id="4" idx="1"/>
+          </p:cNvCxnSpPr>
+          <p:nvPr/>
+        </p:nvCxnSpPr>
+        <p:spPr>
+          <a:xfrm flipV="1">
+            <a:off x="1554656" y="1384736"/>
+            <a:ext cx="366331" cy="2"/>
+          </a:xfrm>
+          <a:prstGeom prst="straightConnector1">
+            <a:avLst/>
+          </a:prstGeom>
+          <a:ln>
+            <a:tailEnd type="triangle"/>
+          </a:ln>
+        </p:spPr>
+        <p:style>
+          <a:lnRef idx="3">
+            <a:schemeClr val="accent1"/>
+          </a:lnRef>
+          <a:fillRef idx="0">
+            <a:schemeClr val="accent1"/>
+          </a:fillRef>
+          <a:effectRef idx="2">
+            <a:schemeClr val="accent1"/>
+          </a:effectRef>
+          <a:fontRef idx="minor">
+            <a:schemeClr val="tx1"/>
+          </a:fontRef>
+        </p:style>
+      </p:cxnSp>
+      <p:cxnSp>
+        <p:nvCxnSpPr>
+          <p:cNvPr id="9" name="직선 화살표 연결선 8">
+            <a:extLst>
+              <a:ext uri="{FF2B5EF4-FFF2-40B4-BE49-F238E27FC236}">
+                <a16:creationId xmlns:a16="http://schemas.microsoft.com/office/drawing/2014/main" id="{7C8A08B1-A4D9-01E2-578C-B4E4B0EE0AF4}"/>
+              </a:ext>
+            </a:extLst>
+          </p:cNvPr>
+          <p:cNvCxnSpPr>
+            <a:cxnSpLocks/>
+            <a:stCxn id="4" idx="3"/>
+            <a:endCxn id="3" idx="1"/>
+          </p:cNvCxnSpPr>
+          <p:nvPr/>
+        </p:nvCxnSpPr>
+        <p:spPr>
+          <a:xfrm>
+            <a:off x="4149180" y="1384736"/>
+            <a:ext cx="1841936" cy="105"/>
+          </a:xfrm>
+          <a:prstGeom prst="straightConnector1">
+            <a:avLst/>
+          </a:prstGeom>
+          <a:ln>
+            <a:tailEnd type="triangle"/>
+          </a:ln>
+        </p:spPr>
+        <p:style>
+          <a:lnRef idx="3">
+            <a:schemeClr val="accent1"/>
+          </a:lnRef>
+          <a:fillRef idx="0">
+            <a:schemeClr val="accent1"/>
+          </a:fillRef>
+          <a:effectRef idx="2">
+            <a:schemeClr val="accent1"/>
+          </a:effectRef>
+          <a:fontRef idx="minor">
+            <a:schemeClr val="tx1"/>
+          </a:fontRef>
+        </p:style>
+      </p:cxnSp>
+      <p:sp>
+        <p:nvSpPr>
+          <p:cNvPr id="14" name="직사각형 13">
+            <a:extLst>
+              <a:ext uri="{FF2B5EF4-FFF2-40B4-BE49-F238E27FC236}">
+                <a16:creationId xmlns:a16="http://schemas.microsoft.com/office/drawing/2014/main" id="{0D9C9071-1C82-6DF5-5CEE-C44C6AA20DD7}"/>
+              </a:ext>
+            </a:extLst>
+          </p:cNvPr>
+          <p:cNvSpPr/>
+          <p:nvPr/>
+        </p:nvSpPr>
+        <p:spPr>
+          <a:xfrm>
+            <a:off x="52551" y="1241973"/>
+            <a:ext cx="1502105" cy="285529"/>
+          </a:xfrm>
+          <a:prstGeom prst="rect">
+            <a:avLst/>
+          </a:prstGeom>
+        </p:spPr>
+        <p:style>
+          <a:lnRef idx="2">
+            <a:schemeClr val="accent1"/>
+          </a:lnRef>
+          <a:fillRef idx="1">
+            <a:schemeClr val="lt1"/>
+          </a:fillRef>
+          <a:effectRef idx="0">
+            <a:schemeClr val="accent1"/>
+          </a:effectRef>
+          <a:fontRef idx="minor">
+            <a:schemeClr val="dk1"/>
+          </a:fontRef>
+        </p:style>
+        <p:txBody>
+          <a:bodyPr rtlCol="0" anchor="ctr"/>
+          <a:lstStyle/>
+          <a:p>
+            <a:pPr algn="ctr"/>
+            <a:r>
+              <a:rPr kumimoji="1" lang="en-US" altLang="ko-Kore-KR" sz="1200" dirty="0"/>
+              <a:t>1. </a:t>
+            </a:r>
+            <a:r>
+              <a:rPr kumimoji="1" lang="ko-KR" altLang="en-US" sz="1200" dirty="0"/>
+              <a:t>게시글 등록 </a:t>
+            </a:r>
+            <a:r>
+              <a:rPr kumimoji="1" lang="ko-Kore-KR" altLang="en-US" sz="1200" dirty="0"/>
+              <a:t>요청</a:t>
+            </a:r>
+          </a:p>
+        </p:txBody>
+      </p:sp>
+      <p:sp>
+        <p:nvSpPr>
+          <p:cNvPr id="16" name="직사각형 15">
+            <a:extLst>
+              <a:ext uri="{FF2B5EF4-FFF2-40B4-BE49-F238E27FC236}">
+                <a16:creationId xmlns:a16="http://schemas.microsoft.com/office/drawing/2014/main" id="{3B1D78B4-3495-0F28-BF66-830DF5C3D227}"/>
+              </a:ext>
+            </a:extLst>
+          </p:cNvPr>
+          <p:cNvSpPr/>
+          <p:nvPr/>
+        </p:nvSpPr>
+        <p:spPr>
+          <a:xfrm>
+            <a:off x="4414784" y="1220293"/>
+            <a:ext cx="1004178" cy="285529"/>
+          </a:xfrm>
+          <a:prstGeom prst="rect">
+            <a:avLst/>
+          </a:prstGeom>
+        </p:spPr>
+        <p:style>
+          <a:lnRef idx="2">
+            <a:schemeClr val="accent1"/>
+          </a:lnRef>
+          <a:fillRef idx="1">
+            <a:schemeClr val="lt1"/>
+          </a:fillRef>
+          <a:effectRef idx="0">
+            <a:schemeClr val="accent1"/>
+          </a:effectRef>
+          <a:fontRef idx="minor">
+            <a:schemeClr val="dk1"/>
+          </a:fontRef>
+        </p:style>
+        <p:txBody>
+          <a:bodyPr rtlCol="0" anchor="ctr"/>
+          <a:lstStyle/>
+          <a:p>
+            <a:pPr algn="ctr"/>
+            <a:r>
+              <a:rPr kumimoji="1" lang="en-US" altLang="ko-Kore-KR" sz="1200" dirty="0"/>
+              <a:t>2. </a:t>
+            </a:r>
+            <a:r>
+              <a:rPr kumimoji="1" lang="ko-KR" altLang="en-US" sz="1200" dirty="0"/>
+              <a:t>생성</a:t>
+            </a:r>
+            <a:endParaRPr kumimoji="1" lang="ko-Kore-KR" altLang="en-US" sz="1200" dirty="0"/>
+          </a:p>
+        </p:txBody>
+      </p:sp>
+      <p:cxnSp>
+        <p:nvCxnSpPr>
+          <p:cNvPr id="21" name="꺾인 연결선[E] 20">
+            <a:extLst>
+              <a:ext uri="{FF2B5EF4-FFF2-40B4-BE49-F238E27FC236}">
+                <a16:creationId xmlns:a16="http://schemas.microsoft.com/office/drawing/2014/main" id="{D196417B-71DF-02A2-A961-7597DDB98DE1}"/>
+              </a:ext>
+            </a:extLst>
+          </p:cNvPr>
+          <p:cNvCxnSpPr>
+            <a:cxnSpLocks/>
+            <a:stCxn id="36" idx="2"/>
+            <a:endCxn id="51" idx="1"/>
+          </p:cNvCxnSpPr>
+          <p:nvPr/>
+        </p:nvCxnSpPr>
+        <p:spPr>
+          <a:xfrm rot="16200000" flipH="1">
+            <a:off x="11030301" y="3154735"/>
+            <a:ext cx="665021" cy="370768"/>
+          </a:xfrm>
+          <a:prstGeom prst="bentConnector2">
+            <a:avLst/>
+          </a:prstGeom>
+          <a:ln>
+            <a:tailEnd type="triangle"/>
+          </a:ln>
+        </p:spPr>
+        <p:style>
+          <a:lnRef idx="3">
+            <a:schemeClr val="accent1"/>
+          </a:lnRef>
+          <a:fillRef idx="0">
+            <a:schemeClr val="accent1"/>
+          </a:fillRef>
+          <a:effectRef idx="2">
+            <a:schemeClr val="accent1"/>
+          </a:effectRef>
+          <a:fontRef idx="minor">
+            <a:schemeClr val="tx1"/>
+          </a:fontRef>
+        </p:style>
+      </p:cxnSp>
+      <p:sp>
+        <p:nvSpPr>
+          <p:cNvPr id="3" name="직사각형 2">
+            <a:extLst>
+              <a:ext uri="{FF2B5EF4-FFF2-40B4-BE49-F238E27FC236}">
+                <a16:creationId xmlns:a16="http://schemas.microsoft.com/office/drawing/2014/main" id="{D10838CD-29BE-3D1B-F684-8C0A4D783F98}"/>
+              </a:ext>
+            </a:extLst>
+          </p:cNvPr>
+          <p:cNvSpPr/>
+          <p:nvPr/>
+        </p:nvSpPr>
+        <p:spPr>
+          <a:xfrm>
+            <a:off x="5991116" y="1001213"/>
+            <a:ext cx="1230148" cy="767255"/>
+          </a:xfrm>
+          <a:prstGeom prst="rect">
+            <a:avLst/>
+          </a:prstGeom>
+        </p:spPr>
+        <p:style>
+          <a:lnRef idx="2">
+            <a:schemeClr val="accent1">
+              <a:shade val="50000"/>
+            </a:schemeClr>
+          </a:lnRef>
+          <a:fillRef idx="1">
+            <a:schemeClr val="accent1"/>
+          </a:fillRef>
+          <a:effectRef idx="0">
+            <a:schemeClr val="accent1"/>
+          </a:effectRef>
+          <a:fontRef idx="minor">
+            <a:schemeClr val="lt1"/>
+          </a:fontRef>
+        </p:style>
+        <p:txBody>
+          <a:bodyPr rtlCol="0" anchor="ctr"/>
+          <a:lstStyle/>
+          <a:p>
+            <a:pPr algn="ctr"/>
+            <a:r>
+              <a:rPr kumimoji="1" lang="en-US" altLang="ko-Kore-KR" dirty="0"/>
+              <a:t>Board</a:t>
+            </a:r>
+            <a:endParaRPr kumimoji="1" lang="ko-Kore-KR" altLang="en-US" dirty="0"/>
+          </a:p>
+        </p:txBody>
+      </p:sp>
+      <p:sp>
+        <p:nvSpPr>
+          <p:cNvPr id="7" name="직사각형 6">
+            <a:extLst>
+              <a:ext uri="{FF2B5EF4-FFF2-40B4-BE49-F238E27FC236}">
+                <a16:creationId xmlns:a16="http://schemas.microsoft.com/office/drawing/2014/main" id="{50C45B1C-6C7E-E237-683D-D7D39309CCF6}"/>
+              </a:ext>
+            </a:extLst>
+          </p:cNvPr>
+          <p:cNvSpPr/>
+          <p:nvPr/>
+        </p:nvSpPr>
+        <p:spPr>
+          <a:xfrm>
+            <a:off x="9489091" y="1001107"/>
+            <a:ext cx="1661510" cy="767255"/>
+          </a:xfrm>
+          <a:prstGeom prst="rect">
+            <a:avLst/>
+          </a:prstGeom>
+        </p:spPr>
+        <p:style>
+          <a:lnRef idx="2">
+            <a:schemeClr val="accent1">
+              <a:shade val="50000"/>
+            </a:schemeClr>
+          </a:lnRef>
+          <a:fillRef idx="1">
+            <a:schemeClr val="accent1"/>
+          </a:fillRef>
+          <a:effectRef idx="0">
+            <a:schemeClr val="accent1"/>
+          </a:effectRef>
+          <a:fontRef idx="minor">
+            <a:schemeClr val="lt1"/>
+          </a:fontRef>
+        </p:style>
+        <p:txBody>
+          <a:bodyPr rtlCol="0" anchor="ctr"/>
+          <a:lstStyle/>
+          <a:p>
+            <a:pPr algn="ctr"/>
+            <a:r>
+              <a:rPr kumimoji="1" lang="en-US" altLang="ko-Kore-KR" dirty="0" err="1"/>
+              <a:t>AttachedFile</a:t>
+            </a:r>
+            <a:endParaRPr kumimoji="1" lang="ko-Kore-KR" altLang="en-US" dirty="0"/>
+          </a:p>
+        </p:txBody>
+      </p:sp>
+      <p:sp>
+        <p:nvSpPr>
+          <p:cNvPr id="10" name="직사각형 9">
+            <a:extLst>
+              <a:ext uri="{FF2B5EF4-FFF2-40B4-BE49-F238E27FC236}">
+                <a16:creationId xmlns:a16="http://schemas.microsoft.com/office/drawing/2014/main" id="{7C5874EE-A204-AAE4-E45D-04ED166BD2E5}"/>
+              </a:ext>
+            </a:extLst>
+          </p:cNvPr>
+          <p:cNvSpPr/>
+          <p:nvPr/>
+        </p:nvSpPr>
+        <p:spPr>
+          <a:xfrm>
+            <a:off x="9089698" y="0"/>
+            <a:ext cx="1230148" cy="767255"/>
+          </a:xfrm>
+          <a:prstGeom prst="rect">
+            <a:avLst/>
+          </a:prstGeom>
+        </p:spPr>
+        <p:style>
+          <a:lnRef idx="2">
+            <a:schemeClr val="accent1">
+              <a:shade val="50000"/>
+            </a:schemeClr>
+          </a:lnRef>
+          <a:fillRef idx="1">
+            <a:schemeClr val="accent1"/>
+          </a:fillRef>
+          <a:effectRef idx="0">
+            <a:schemeClr val="accent1"/>
+          </a:effectRef>
+          <a:fontRef idx="minor">
+            <a:schemeClr val="lt1"/>
+          </a:fontRef>
+        </p:style>
+        <p:txBody>
+          <a:bodyPr rtlCol="0" anchor="ctr"/>
+          <a:lstStyle/>
+          <a:p>
+            <a:pPr algn="ctr"/>
+            <a:r>
+              <a:rPr kumimoji="1" lang="en-US" altLang="ko-Kore-KR" dirty="0"/>
+              <a:t>Member</a:t>
+            </a:r>
+            <a:endParaRPr kumimoji="1" lang="ko-Kore-KR" altLang="en-US" dirty="0"/>
+          </a:p>
+        </p:txBody>
+      </p:sp>
+      <p:cxnSp>
+        <p:nvCxnSpPr>
+          <p:cNvPr id="15" name="꺾인 연결선[E] 14">
+            <a:extLst>
+              <a:ext uri="{FF2B5EF4-FFF2-40B4-BE49-F238E27FC236}">
+                <a16:creationId xmlns:a16="http://schemas.microsoft.com/office/drawing/2014/main" id="{19D6C304-84F5-5628-AB64-EA36CE40014F}"/>
+              </a:ext>
+            </a:extLst>
+          </p:cNvPr>
+          <p:cNvCxnSpPr>
+            <a:stCxn id="3" idx="0"/>
+            <a:endCxn id="10" idx="1"/>
+          </p:cNvCxnSpPr>
+          <p:nvPr/>
+        </p:nvCxnSpPr>
+        <p:spPr>
+          <a:xfrm rot="5400000" flipH="1" flipV="1">
+            <a:off x="7539152" y="-549333"/>
+            <a:ext cx="617585" cy="2483508"/>
+          </a:xfrm>
+          <a:prstGeom prst="bentConnector2">
+            <a:avLst/>
+          </a:prstGeom>
+          <a:ln>
+            <a:tailEnd type="triangle"/>
+          </a:ln>
+        </p:spPr>
+        <p:style>
+          <a:lnRef idx="3">
+            <a:schemeClr val="accent1"/>
+          </a:lnRef>
+          <a:fillRef idx="0">
+            <a:schemeClr val="accent1"/>
+          </a:fillRef>
+          <a:effectRef idx="2">
+            <a:schemeClr val="accent1"/>
+          </a:effectRef>
+          <a:fontRef idx="minor">
+            <a:schemeClr val="tx1"/>
+          </a:fontRef>
+        </p:style>
+      </p:cxnSp>
+      <p:cxnSp>
+        <p:nvCxnSpPr>
+          <p:cNvPr id="17" name="직선 화살표 연결선 16">
+            <a:extLst>
+              <a:ext uri="{FF2B5EF4-FFF2-40B4-BE49-F238E27FC236}">
+                <a16:creationId xmlns:a16="http://schemas.microsoft.com/office/drawing/2014/main" id="{F95AB75F-60B8-3A83-7AEE-25E774CDBEEA}"/>
+              </a:ext>
+            </a:extLst>
+          </p:cNvPr>
+          <p:cNvCxnSpPr>
+            <a:cxnSpLocks/>
+            <a:stCxn id="3" idx="3"/>
+            <a:endCxn id="7" idx="1"/>
+          </p:cNvCxnSpPr>
+          <p:nvPr/>
+        </p:nvCxnSpPr>
+        <p:spPr>
+          <a:xfrm flipV="1">
+            <a:off x="7221264" y="1384735"/>
+            <a:ext cx="2267827" cy="106"/>
+          </a:xfrm>
+          <a:prstGeom prst="straightConnector1">
+            <a:avLst/>
+          </a:prstGeom>
+          <a:ln>
+            <a:tailEnd type="triangle"/>
+          </a:ln>
+        </p:spPr>
+        <p:style>
+          <a:lnRef idx="3">
+            <a:schemeClr val="accent1"/>
+          </a:lnRef>
+          <a:fillRef idx="0">
+            <a:schemeClr val="accent1"/>
+          </a:fillRef>
+          <a:effectRef idx="2">
+            <a:schemeClr val="accent1"/>
+          </a:effectRef>
+          <a:fontRef idx="minor">
+            <a:schemeClr val="tx1"/>
+          </a:fontRef>
+        </p:style>
+      </p:cxnSp>
+      <p:sp>
+        <p:nvSpPr>
+          <p:cNvPr id="75" name="직사각형 74">
+            <a:extLst>
+              <a:ext uri="{FF2B5EF4-FFF2-40B4-BE49-F238E27FC236}">
+                <a16:creationId xmlns:a16="http://schemas.microsoft.com/office/drawing/2014/main" id="{5B6CE20E-2715-DF69-F21F-9CE403A8199D}"/>
+              </a:ext>
+            </a:extLst>
+          </p:cNvPr>
+          <p:cNvSpPr/>
+          <p:nvPr/>
+        </p:nvSpPr>
+        <p:spPr>
+          <a:xfrm>
+            <a:off x="59999" y="1625597"/>
+            <a:ext cx="1502105" cy="285529"/>
+          </a:xfrm>
+          <a:prstGeom prst="rect">
+            <a:avLst/>
+          </a:prstGeom>
+        </p:spPr>
+        <p:style>
+          <a:lnRef idx="2">
+            <a:schemeClr val="accent1"/>
+          </a:lnRef>
+          <a:fillRef idx="1">
+            <a:schemeClr val="lt1"/>
+          </a:fillRef>
+          <a:effectRef idx="0">
+            <a:schemeClr val="accent1"/>
+          </a:effectRef>
+          <a:fontRef idx="minor">
+            <a:schemeClr val="dk1"/>
+          </a:fontRef>
+        </p:style>
+        <p:txBody>
+          <a:bodyPr rtlCol="0" anchor="ctr"/>
+          <a:lstStyle/>
+          <a:p>
+            <a:pPr algn="ctr"/>
+            <a:r>
+              <a:rPr kumimoji="1" lang="en-US" altLang="ko-KR" sz="1200" dirty="0"/>
+              <a:t>7.</a:t>
+            </a:r>
+            <a:r>
+              <a:rPr kumimoji="1" lang="ko-KR" altLang="en-US" sz="1200" dirty="0"/>
+              <a:t> 응답</a:t>
+            </a:r>
+            <a:r>
+              <a:rPr kumimoji="1" lang="en-US" altLang="ko-KR" sz="1200" dirty="0"/>
+              <a:t>(redirect)</a:t>
+            </a:r>
+            <a:endParaRPr kumimoji="1" lang="ko-Kore-KR" altLang="en-US" sz="1200" dirty="0"/>
+          </a:p>
+        </p:txBody>
+      </p:sp>
+      <p:cxnSp>
+        <p:nvCxnSpPr>
+          <p:cNvPr id="76" name="직선 화살표 연결선 75">
+            <a:extLst>
+              <a:ext uri="{FF2B5EF4-FFF2-40B4-BE49-F238E27FC236}">
+                <a16:creationId xmlns:a16="http://schemas.microsoft.com/office/drawing/2014/main" id="{C5CFB753-3199-0926-E136-B3AFB796F368}"/>
+              </a:ext>
+            </a:extLst>
+          </p:cNvPr>
+          <p:cNvCxnSpPr>
+            <a:cxnSpLocks/>
+            <a:stCxn id="4" idx="1"/>
+            <a:endCxn id="75" idx="3"/>
+          </p:cNvCxnSpPr>
+          <p:nvPr/>
+        </p:nvCxnSpPr>
+        <p:spPr>
+          <a:xfrm flipH="1">
+            <a:off x="1562104" y="1384736"/>
+            <a:ext cx="358883" cy="383626"/>
+          </a:xfrm>
+          <a:prstGeom prst="straightConnector1">
+            <a:avLst/>
+          </a:prstGeom>
+          <a:ln>
+            <a:tailEnd type="triangle"/>
+          </a:ln>
+        </p:spPr>
+        <p:style>
+          <a:lnRef idx="3">
+            <a:schemeClr val="accent1"/>
+          </a:lnRef>
+          <a:fillRef idx="0">
+            <a:schemeClr val="accent1"/>
+          </a:fillRef>
+          <a:effectRef idx="2">
+            <a:schemeClr val="accent1"/>
+          </a:effectRef>
+          <a:fontRef idx="minor">
+            <a:schemeClr val="tx1"/>
+          </a:fontRef>
+        </p:style>
+      </p:cxnSp>
+      <p:sp>
+        <p:nvSpPr>
+          <p:cNvPr id="5" name="직사각형 4">
+            <a:extLst>
+              <a:ext uri="{FF2B5EF4-FFF2-40B4-BE49-F238E27FC236}">
+                <a16:creationId xmlns:a16="http://schemas.microsoft.com/office/drawing/2014/main" id="{B2CBDC0E-00BD-88F7-3810-A94048A45513}"/>
+              </a:ext>
+            </a:extLst>
+          </p:cNvPr>
+          <p:cNvSpPr/>
+          <p:nvPr/>
+        </p:nvSpPr>
+        <p:spPr>
+          <a:xfrm>
+            <a:off x="2149092" y="1752211"/>
+            <a:ext cx="2193120" cy="809678"/>
+          </a:xfrm>
+          <a:prstGeom prst="rect">
+            <a:avLst/>
+          </a:prstGeom>
+        </p:spPr>
+        <p:style>
+          <a:lnRef idx="2">
+            <a:schemeClr val="accent1"/>
+          </a:lnRef>
+          <a:fillRef idx="1">
+            <a:schemeClr val="lt1"/>
+          </a:fillRef>
+          <a:effectRef idx="0">
+            <a:schemeClr val="accent1"/>
+          </a:effectRef>
+          <a:fontRef idx="minor">
+            <a:schemeClr val="dk1"/>
+          </a:fontRef>
+        </p:style>
+        <p:txBody>
+          <a:bodyPr rtlCol="0" anchor="ctr"/>
+          <a:lstStyle/>
+          <a:p>
+            <a:pPr marL="171450" indent="-171450">
+              <a:buFont typeface="Arial" panose="020B0604020202020204" pitchFamily="34" charset="0"/>
+              <a:buChar char="•"/>
+            </a:pPr>
+            <a:r>
+              <a:rPr kumimoji="1" lang="ko-KR" altLang="en-US" sz="1000" dirty="0"/>
+              <a:t>요청 파라미터 값 가공</a:t>
+            </a:r>
+            <a:endParaRPr kumimoji="1" lang="en-US" altLang="ko-KR" sz="1000" dirty="0"/>
+          </a:p>
+          <a:p>
+            <a:pPr marL="171450" indent="-171450">
+              <a:buFont typeface="Arial" panose="020B0604020202020204" pitchFamily="34" charset="0"/>
+              <a:buChar char="•"/>
+            </a:pPr>
+            <a:r>
+              <a:rPr kumimoji="1" lang="ko-KR" altLang="en-US" sz="1000" dirty="0"/>
+              <a:t>응답 처리</a:t>
+            </a:r>
+            <a:endParaRPr kumimoji="1" lang="en-US" altLang="ko-KR" sz="1000" dirty="0"/>
+          </a:p>
+          <a:p>
+            <a:pPr marL="171450" indent="-171450">
+              <a:buFont typeface="Arial" panose="020B0604020202020204" pitchFamily="34" charset="0"/>
+              <a:buChar char="•"/>
+            </a:pPr>
+            <a:r>
+              <a:rPr kumimoji="1" lang="ko-Kore-KR" altLang="en-US" sz="1000" dirty="0"/>
+              <a:t>비즈니스</a:t>
+            </a:r>
+            <a:r>
+              <a:rPr kumimoji="1" lang="ko-KR" altLang="en-US" sz="1000" dirty="0"/>
+              <a:t> 로직 수행</a:t>
+            </a:r>
+            <a:endParaRPr kumimoji="1" lang="en-US" altLang="ko-KR" sz="1000" dirty="0"/>
+          </a:p>
+          <a:p>
+            <a:r>
+              <a:rPr kumimoji="1" lang="ko-KR" altLang="en-US" sz="1000" dirty="0"/>
+              <a:t> </a:t>
+            </a:r>
+            <a:r>
+              <a:rPr kumimoji="1" lang="en-US" altLang="ko-KR" sz="1000" dirty="0"/>
+              <a:t>(</a:t>
+            </a:r>
+            <a:r>
+              <a:rPr kumimoji="1" lang="ko-KR" altLang="en-US" sz="1000" dirty="0"/>
+              <a:t>프로젝트에 맞춰 업무 흐름을 제어</a:t>
+            </a:r>
+            <a:r>
+              <a:rPr kumimoji="1" lang="en-US" altLang="ko-KR" sz="1000" dirty="0"/>
+              <a:t>)</a:t>
+            </a:r>
+          </a:p>
+        </p:txBody>
+      </p:sp>
+      <p:sp>
+        <p:nvSpPr>
+          <p:cNvPr id="26" name="직사각형 25">
+            <a:extLst>
+              <a:ext uri="{FF2B5EF4-FFF2-40B4-BE49-F238E27FC236}">
+                <a16:creationId xmlns:a16="http://schemas.microsoft.com/office/drawing/2014/main" id="{7595F027-D2F2-AC71-D048-BFD9C8FF0CEA}"/>
+              </a:ext>
+            </a:extLst>
+          </p:cNvPr>
+          <p:cNvSpPr/>
+          <p:nvPr/>
+        </p:nvSpPr>
+        <p:spPr>
+          <a:xfrm>
+            <a:off x="6861505" y="2408521"/>
+            <a:ext cx="2228193" cy="599089"/>
+          </a:xfrm>
+          <a:prstGeom prst="rect">
+            <a:avLst/>
+          </a:prstGeom>
+        </p:spPr>
+        <p:style>
+          <a:lnRef idx="2">
+            <a:schemeClr val="accent1">
+              <a:shade val="50000"/>
+            </a:schemeClr>
+          </a:lnRef>
+          <a:fillRef idx="1">
+            <a:schemeClr val="accent1"/>
+          </a:fillRef>
+          <a:effectRef idx="0">
+            <a:schemeClr val="accent1"/>
+          </a:effectRef>
+          <a:fontRef idx="minor">
+            <a:schemeClr val="lt1"/>
+          </a:fontRef>
+        </p:style>
+        <p:txBody>
+          <a:bodyPr rtlCol="0" anchor="ctr"/>
+          <a:lstStyle/>
+          <a:p>
+            <a:pPr algn="ctr"/>
+            <a:r>
+              <a:rPr kumimoji="1" lang="en-US" altLang="ko-Kore-KR" sz="1100" dirty="0"/>
+              <a:t>&lt;&lt;Model&gt;&gt;</a:t>
+            </a:r>
+            <a:endParaRPr kumimoji="1" lang="en-US" altLang="ko-Kore-KR" dirty="0"/>
+          </a:p>
+          <a:p>
+            <a:pPr algn="ctr"/>
+            <a:r>
+              <a:rPr kumimoji="1" lang="en-US" altLang="ko-Kore-KR" dirty="0" err="1"/>
+              <a:t>BoardService</a:t>
+            </a:r>
+            <a:endParaRPr kumimoji="1" lang="ko-Kore-KR" altLang="en-US" dirty="0"/>
+          </a:p>
+        </p:txBody>
+      </p:sp>
+      <p:cxnSp>
+        <p:nvCxnSpPr>
+          <p:cNvPr id="28" name="직선 화살표 연결선 27">
+            <a:extLst>
+              <a:ext uri="{FF2B5EF4-FFF2-40B4-BE49-F238E27FC236}">
+                <a16:creationId xmlns:a16="http://schemas.microsoft.com/office/drawing/2014/main" id="{456D074D-CDA7-2F00-25AF-4ACC8C96A1F6}"/>
+              </a:ext>
+            </a:extLst>
+          </p:cNvPr>
+          <p:cNvCxnSpPr>
+            <a:cxnSpLocks/>
+            <a:stCxn id="4" idx="3"/>
+            <a:endCxn id="26" idx="1"/>
+          </p:cNvCxnSpPr>
+          <p:nvPr/>
+        </p:nvCxnSpPr>
+        <p:spPr>
+          <a:xfrm>
+            <a:off x="4149180" y="1384736"/>
+            <a:ext cx="2712325" cy="1323330"/>
+          </a:xfrm>
+          <a:prstGeom prst="straightConnector1">
+            <a:avLst/>
+          </a:prstGeom>
+          <a:ln>
+            <a:tailEnd type="triangle"/>
+          </a:ln>
+        </p:spPr>
+        <p:style>
+          <a:lnRef idx="3">
+            <a:schemeClr val="accent1"/>
+          </a:lnRef>
+          <a:fillRef idx="0">
+            <a:schemeClr val="accent1"/>
+          </a:fillRef>
+          <a:effectRef idx="2">
+            <a:schemeClr val="accent1"/>
+          </a:effectRef>
+          <a:fontRef idx="minor">
+            <a:schemeClr val="tx1"/>
+          </a:fontRef>
+        </p:style>
+      </p:cxnSp>
+      <p:sp>
+        <p:nvSpPr>
+          <p:cNvPr id="34" name="직사각형 33">
+            <a:extLst>
+              <a:ext uri="{FF2B5EF4-FFF2-40B4-BE49-F238E27FC236}">
+                <a16:creationId xmlns:a16="http://schemas.microsoft.com/office/drawing/2014/main" id="{07EBDF3E-D4BD-D41A-3B76-A71E5A18224C}"/>
+              </a:ext>
+            </a:extLst>
+          </p:cNvPr>
+          <p:cNvSpPr/>
+          <p:nvPr/>
+        </p:nvSpPr>
+        <p:spPr>
+          <a:xfrm>
+            <a:off x="5045677" y="1999934"/>
+            <a:ext cx="1055742" cy="408586"/>
+          </a:xfrm>
+          <a:prstGeom prst="rect">
+            <a:avLst/>
+          </a:prstGeom>
+        </p:spPr>
+        <p:style>
+          <a:lnRef idx="2">
+            <a:schemeClr val="accent1"/>
+          </a:lnRef>
+          <a:fillRef idx="1">
+            <a:schemeClr val="lt1"/>
+          </a:fillRef>
+          <a:effectRef idx="0">
+            <a:schemeClr val="accent1"/>
+          </a:effectRef>
+          <a:fontRef idx="minor">
+            <a:schemeClr val="dk1"/>
+          </a:fontRef>
+        </p:style>
+        <p:txBody>
+          <a:bodyPr rtlCol="0" anchor="ctr"/>
+          <a:lstStyle/>
+          <a:p>
+            <a:pPr algn="ctr"/>
+            <a:r>
+              <a:rPr kumimoji="1" lang="en-US" altLang="ko-Kore-KR" sz="1200" dirty="0"/>
+              <a:t>2. </a:t>
+            </a:r>
+            <a:r>
+              <a:rPr kumimoji="1" lang="en-US" altLang="ko-KR" sz="1200" dirty="0"/>
+              <a:t>insert( )</a:t>
+            </a:r>
+          </a:p>
+        </p:txBody>
+      </p:sp>
+      <p:sp>
+        <p:nvSpPr>
+          <p:cNvPr id="36" name="직사각형 35">
+            <a:extLst>
+              <a:ext uri="{FF2B5EF4-FFF2-40B4-BE49-F238E27FC236}">
+                <a16:creationId xmlns:a16="http://schemas.microsoft.com/office/drawing/2014/main" id="{AB064EA3-7B6F-A8D0-6B1D-7B01FB77926D}"/>
+              </a:ext>
+            </a:extLst>
+          </p:cNvPr>
+          <p:cNvSpPr/>
+          <p:nvPr/>
+        </p:nvSpPr>
+        <p:spPr>
+          <a:xfrm>
+            <a:off x="10394296" y="2408520"/>
+            <a:ext cx="1566262" cy="599089"/>
+          </a:xfrm>
+          <a:prstGeom prst="rect">
+            <a:avLst/>
+          </a:prstGeom>
+        </p:spPr>
+        <p:style>
+          <a:lnRef idx="2">
+            <a:schemeClr val="accent1">
+              <a:shade val="50000"/>
+            </a:schemeClr>
+          </a:lnRef>
+          <a:fillRef idx="1">
+            <a:schemeClr val="accent1"/>
+          </a:fillRef>
+          <a:effectRef idx="0">
+            <a:schemeClr val="accent1"/>
+          </a:effectRef>
+          <a:fontRef idx="minor">
+            <a:schemeClr val="lt1"/>
+          </a:fontRef>
+        </p:style>
+        <p:txBody>
+          <a:bodyPr rtlCol="0" anchor="ctr"/>
+          <a:lstStyle/>
+          <a:p>
+            <a:pPr algn="ctr"/>
+            <a:r>
+              <a:rPr kumimoji="1" lang="en-US" altLang="ko-Kore-KR" sz="1100" dirty="0"/>
+              <a:t>&lt;&lt;Model&gt;&gt;</a:t>
+            </a:r>
+            <a:endParaRPr kumimoji="1" lang="en-US" altLang="ko-Kore-KR" dirty="0"/>
+          </a:p>
+          <a:p>
+            <a:pPr algn="ctr"/>
+            <a:r>
+              <a:rPr kumimoji="1" lang="en-US" altLang="ko-Kore-KR" dirty="0" err="1"/>
+              <a:t>BoardDao</a:t>
+            </a:r>
+            <a:endParaRPr kumimoji="1" lang="ko-Kore-KR" altLang="en-US" dirty="0"/>
+          </a:p>
+        </p:txBody>
+      </p:sp>
+      <p:cxnSp>
+        <p:nvCxnSpPr>
+          <p:cNvPr id="37" name="직선 화살표 연결선 36">
+            <a:extLst>
+              <a:ext uri="{FF2B5EF4-FFF2-40B4-BE49-F238E27FC236}">
+                <a16:creationId xmlns:a16="http://schemas.microsoft.com/office/drawing/2014/main" id="{5794BC19-A4AC-FB04-2138-322EC22C1563}"/>
+              </a:ext>
+            </a:extLst>
+          </p:cNvPr>
+          <p:cNvCxnSpPr>
+            <a:cxnSpLocks/>
+            <a:stCxn id="26" idx="3"/>
+            <a:endCxn id="36" idx="1"/>
+          </p:cNvCxnSpPr>
+          <p:nvPr/>
+        </p:nvCxnSpPr>
+        <p:spPr>
+          <a:xfrm flipV="1">
+            <a:off x="9089698" y="2708065"/>
+            <a:ext cx="1304598" cy="1"/>
+          </a:xfrm>
+          <a:prstGeom prst="straightConnector1">
+            <a:avLst/>
+          </a:prstGeom>
+          <a:ln>
+            <a:tailEnd type="triangle"/>
+          </a:ln>
+        </p:spPr>
+        <p:style>
+          <a:lnRef idx="3">
+            <a:schemeClr val="accent1"/>
+          </a:lnRef>
+          <a:fillRef idx="0">
+            <a:schemeClr val="accent1"/>
+          </a:fillRef>
+          <a:effectRef idx="2">
+            <a:schemeClr val="accent1"/>
+          </a:effectRef>
+          <a:fontRef idx="minor">
+            <a:schemeClr val="tx1"/>
+          </a:fontRef>
+        </p:style>
+      </p:cxnSp>
+      <p:sp>
+        <p:nvSpPr>
+          <p:cNvPr id="40" name="직사각형 39">
+            <a:extLst>
+              <a:ext uri="{FF2B5EF4-FFF2-40B4-BE49-F238E27FC236}">
+                <a16:creationId xmlns:a16="http://schemas.microsoft.com/office/drawing/2014/main" id="{A93F19C0-9859-8DF2-7AD1-BBC96A6D7617}"/>
+              </a:ext>
+            </a:extLst>
+          </p:cNvPr>
+          <p:cNvSpPr/>
+          <p:nvPr/>
+        </p:nvSpPr>
+        <p:spPr>
+          <a:xfrm>
+            <a:off x="9202683" y="2579399"/>
+            <a:ext cx="1004178" cy="285529"/>
+          </a:xfrm>
+          <a:prstGeom prst="rect">
+            <a:avLst/>
+          </a:prstGeom>
+        </p:spPr>
+        <p:style>
+          <a:lnRef idx="2">
+            <a:schemeClr val="accent1"/>
+          </a:lnRef>
+          <a:fillRef idx="1">
+            <a:schemeClr val="lt1"/>
+          </a:fillRef>
+          <a:effectRef idx="0">
+            <a:schemeClr val="accent1"/>
+          </a:effectRef>
+          <a:fontRef idx="minor">
+            <a:schemeClr val="dk1"/>
+          </a:fontRef>
+        </p:style>
+        <p:txBody>
+          <a:bodyPr rtlCol="0" anchor="ctr"/>
+          <a:lstStyle/>
+          <a:p>
+            <a:pPr algn="ctr"/>
+            <a:r>
+              <a:rPr kumimoji="1" lang="en-US" altLang="ko-Kore-KR" sz="1200" dirty="0"/>
+              <a:t>3. insert(</a:t>
+            </a:r>
+            <a:r>
+              <a:rPr kumimoji="1" lang="ko-KR" altLang="en-US" sz="1200" dirty="0"/>
+              <a:t> </a:t>
+            </a:r>
+            <a:r>
+              <a:rPr kumimoji="1" lang="en-US" altLang="ko-Kore-KR" sz="1200" dirty="0"/>
+              <a:t>)</a:t>
+            </a:r>
+            <a:endParaRPr kumimoji="1" lang="ko-Kore-KR" altLang="en-US" sz="1200" dirty="0"/>
+          </a:p>
+        </p:txBody>
+      </p:sp>
+      <p:sp>
+        <p:nvSpPr>
+          <p:cNvPr id="51" name="직사각형 50">
+            <a:extLst>
+              <a:ext uri="{FF2B5EF4-FFF2-40B4-BE49-F238E27FC236}">
+                <a16:creationId xmlns:a16="http://schemas.microsoft.com/office/drawing/2014/main" id="{B5071ED8-C0A5-F561-71C1-6AF4D7365BAF}"/>
+              </a:ext>
+            </a:extLst>
+          </p:cNvPr>
+          <p:cNvSpPr/>
+          <p:nvPr/>
+        </p:nvSpPr>
+        <p:spPr>
+          <a:xfrm>
+            <a:off x="11548195" y="3373085"/>
+            <a:ext cx="1412015" cy="599089"/>
+          </a:xfrm>
+          <a:prstGeom prst="rect">
+            <a:avLst/>
+          </a:prstGeom>
+        </p:spPr>
+        <p:style>
+          <a:lnRef idx="2">
+            <a:schemeClr val="accent1">
+              <a:shade val="50000"/>
+            </a:schemeClr>
+          </a:lnRef>
+          <a:fillRef idx="1">
+            <a:schemeClr val="accent1"/>
+          </a:fillRef>
+          <a:effectRef idx="0">
+            <a:schemeClr val="accent1"/>
+          </a:effectRef>
+          <a:fontRef idx="minor">
+            <a:schemeClr val="lt1"/>
+          </a:fontRef>
+        </p:style>
+        <p:txBody>
+          <a:bodyPr rtlCol="0" anchor="ctr"/>
+          <a:lstStyle/>
+          <a:p>
+            <a:pPr marL="0" marR="0" lvl="0" indent="0" algn="ctr" defTabSz="914400" rtl="0" eaLnBrk="1" fontAlgn="auto" latinLnBrk="0" hangingPunct="1">
+              <a:lnSpc>
+                <a:spcPct val="100000"/>
+              </a:lnSpc>
+              <a:spcBef>
+                <a:spcPts val="0"/>
+              </a:spcBef>
+              <a:spcAft>
+                <a:spcPts val="0"/>
+              </a:spcAft>
+              <a:buClrTx/>
+              <a:buSzTx/>
+              <a:buFontTx/>
+              <a:buNone/>
+              <a:tabLst/>
+              <a:defRPr/>
+            </a:pPr>
+            <a:r>
+              <a:rPr kumimoji="1" lang="en-US" altLang="ko-Kore-KR" sz="1100" b="0" i="0" u="none" strike="noStrike" kern="1200" cap="none" spc="0" normalizeH="0" baseline="0" noProof="0" dirty="0">
+                <a:ln>
+                  <a:noFill/>
+                </a:ln>
+                <a:solidFill>
+                  <a:prstClr val="white"/>
+                </a:solidFill>
+                <a:effectLst/>
+                <a:uLnTx/>
+                <a:uFillTx/>
+                <a:latin typeface="Calibri" panose="020F0502020204030204"/>
+                <a:ea typeface="+mn-ea"/>
+                <a:cs typeface="+mn-cs"/>
+              </a:rPr>
+              <a:t>&lt;&lt;table&gt;&gt;</a:t>
+            </a:r>
+            <a:endParaRPr kumimoji="1" lang="en-US" altLang="ko-Kore-KR" sz="1800" b="0" i="0" u="none" strike="noStrike" kern="1200" cap="none" spc="0" normalizeH="0" baseline="0" noProof="0" dirty="0">
+              <a:ln>
+                <a:noFill/>
+              </a:ln>
+              <a:solidFill>
+                <a:prstClr val="white"/>
+              </a:solidFill>
+              <a:effectLst/>
+              <a:uLnTx/>
+              <a:uFillTx/>
+              <a:latin typeface="Calibri" panose="020F0502020204030204"/>
+              <a:ea typeface="+mn-ea"/>
+              <a:cs typeface="+mn-cs"/>
+            </a:endParaRPr>
+          </a:p>
+          <a:p>
+            <a:pPr algn="ctr"/>
+            <a:r>
+              <a:rPr kumimoji="1" lang="en-US" altLang="ko-Kore-KR" dirty="0"/>
+              <a:t>app-board</a:t>
+            </a:r>
+            <a:endParaRPr kumimoji="1" lang="ko-Kore-KR" altLang="en-US" dirty="0"/>
+          </a:p>
+        </p:txBody>
+      </p:sp>
+      <p:sp>
+        <p:nvSpPr>
+          <p:cNvPr id="57" name="직사각형 56">
+            <a:extLst>
+              <a:ext uri="{FF2B5EF4-FFF2-40B4-BE49-F238E27FC236}">
+                <a16:creationId xmlns:a16="http://schemas.microsoft.com/office/drawing/2014/main" id="{41BBEFB0-7833-9939-E69D-DE3FEA205AA0}"/>
+              </a:ext>
+            </a:extLst>
+          </p:cNvPr>
+          <p:cNvSpPr/>
+          <p:nvPr/>
+        </p:nvSpPr>
+        <p:spPr>
+          <a:xfrm>
+            <a:off x="11548195" y="4151799"/>
+            <a:ext cx="1792017" cy="599089"/>
+          </a:xfrm>
+          <a:prstGeom prst="rect">
+            <a:avLst/>
+          </a:prstGeom>
+        </p:spPr>
+        <p:style>
+          <a:lnRef idx="2">
+            <a:schemeClr val="accent1">
+              <a:shade val="50000"/>
+            </a:schemeClr>
+          </a:lnRef>
+          <a:fillRef idx="1">
+            <a:schemeClr val="accent1"/>
+          </a:fillRef>
+          <a:effectRef idx="0">
+            <a:schemeClr val="accent1"/>
+          </a:effectRef>
+          <a:fontRef idx="minor">
+            <a:schemeClr val="lt1"/>
+          </a:fontRef>
+        </p:style>
+        <p:txBody>
+          <a:bodyPr rtlCol="0" anchor="ctr"/>
+          <a:lstStyle/>
+          <a:p>
+            <a:pPr marL="0" marR="0" lvl="0" indent="0" algn="ctr" defTabSz="914400" rtl="0" eaLnBrk="1" fontAlgn="auto" latinLnBrk="0" hangingPunct="1">
+              <a:lnSpc>
+                <a:spcPct val="100000"/>
+              </a:lnSpc>
+              <a:spcBef>
+                <a:spcPts val="0"/>
+              </a:spcBef>
+              <a:spcAft>
+                <a:spcPts val="0"/>
+              </a:spcAft>
+              <a:buClrTx/>
+              <a:buSzTx/>
+              <a:buFontTx/>
+              <a:buNone/>
+              <a:tabLst/>
+              <a:defRPr/>
+            </a:pPr>
+            <a:r>
+              <a:rPr kumimoji="1" lang="en-US" altLang="ko-Kore-KR" sz="1100" b="0" i="0" u="none" strike="noStrike" kern="1200" cap="none" spc="0" normalizeH="0" baseline="0" noProof="0" dirty="0">
+                <a:ln>
+                  <a:noFill/>
+                </a:ln>
+                <a:solidFill>
+                  <a:prstClr val="white"/>
+                </a:solidFill>
+                <a:effectLst/>
+                <a:uLnTx/>
+                <a:uFillTx/>
+                <a:latin typeface="Calibri" panose="020F0502020204030204"/>
+                <a:ea typeface="+mn-ea"/>
+                <a:cs typeface="+mn-cs"/>
+              </a:rPr>
+              <a:t>&lt;&lt;table&gt;&gt;</a:t>
+            </a:r>
+            <a:endParaRPr kumimoji="1" lang="en-US" altLang="ko-Kore-KR" dirty="0"/>
+          </a:p>
+          <a:p>
+            <a:pPr algn="ctr"/>
+            <a:r>
+              <a:rPr kumimoji="1" lang="en-US" altLang="ko-Kore-KR" dirty="0"/>
+              <a:t>app-board-file</a:t>
+            </a:r>
+            <a:endParaRPr kumimoji="1" lang="ko-Kore-KR" altLang="en-US" dirty="0"/>
+          </a:p>
+        </p:txBody>
+      </p:sp>
+      <p:cxnSp>
+        <p:nvCxnSpPr>
+          <p:cNvPr id="58" name="꺾인 연결선[E] 57">
+            <a:extLst>
+              <a:ext uri="{FF2B5EF4-FFF2-40B4-BE49-F238E27FC236}">
+                <a16:creationId xmlns:a16="http://schemas.microsoft.com/office/drawing/2014/main" id="{E21C3EE6-3559-9092-0CA6-FC94393FC61F}"/>
+              </a:ext>
+            </a:extLst>
+          </p:cNvPr>
+          <p:cNvCxnSpPr>
+            <a:cxnSpLocks/>
+            <a:stCxn id="36" idx="2"/>
+            <a:endCxn id="57" idx="1"/>
+          </p:cNvCxnSpPr>
+          <p:nvPr/>
+        </p:nvCxnSpPr>
+        <p:spPr>
+          <a:xfrm rot="16200000" flipH="1">
+            <a:off x="10640944" y="3544092"/>
+            <a:ext cx="1443735" cy="370768"/>
+          </a:xfrm>
+          <a:prstGeom prst="bentConnector2">
+            <a:avLst/>
+          </a:prstGeom>
+          <a:ln>
+            <a:tailEnd type="triangle"/>
+          </a:ln>
+        </p:spPr>
+        <p:style>
+          <a:lnRef idx="3">
+            <a:schemeClr val="accent1"/>
+          </a:lnRef>
+          <a:fillRef idx="0">
+            <a:schemeClr val="accent1"/>
+          </a:fillRef>
+          <a:effectRef idx="2">
+            <a:schemeClr val="accent1"/>
+          </a:effectRef>
+          <a:fontRef idx="minor">
+            <a:schemeClr val="tx1"/>
+          </a:fontRef>
+        </p:style>
+      </p:cxnSp>
+      <p:sp>
+        <p:nvSpPr>
+          <p:cNvPr id="61" name="직사각형 60">
+            <a:extLst>
+              <a:ext uri="{FF2B5EF4-FFF2-40B4-BE49-F238E27FC236}">
+                <a16:creationId xmlns:a16="http://schemas.microsoft.com/office/drawing/2014/main" id="{AE10260C-D7C9-F659-F694-5E0077C458D8}"/>
+              </a:ext>
+            </a:extLst>
+          </p:cNvPr>
+          <p:cNvSpPr/>
+          <p:nvPr/>
+        </p:nvSpPr>
+        <p:spPr>
+          <a:xfrm>
+            <a:off x="10417955" y="3153573"/>
+            <a:ext cx="1004178" cy="285529"/>
+          </a:xfrm>
+          <a:prstGeom prst="rect">
+            <a:avLst/>
+          </a:prstGeom>
+        </p:spPr>
+        <p:style>
+          <a:lnRef idx="2">
+            <a:schemeClr val="accent1"/>
+          </a:lnRef>
+          <a:fillRef idx="1">
+            <a:schemeClr val="lt1"/>
+          </a:fillRef>
+          <a:effectRef idx="0">
+            <a:schemeClr val="accent1"/>
+          </a:effectRef>
+          <a:fontRef idx="minor">
+            <a:schemeClr val="dk1"/>
+          </a:fontRef>
+        </p:style>
+        <p:txBody>
+          <a:bodyPr rtlCol="0" anchor="ctr"/>
+          <a:lstStyle/>
+          <a:p>
+            <a:pPr algn="ctr"/>
+            <a:r>
+              <a:rPr kumimoji="1" lang="en-US" altLang="ko-Kore-KR" sz="1200" dirty="0"/>
+              <a:t>4. insert(</a:t>
+            </a:r>
+            <a:r>
+              <a:rPr kumimoji="1" lang="ko-KR" altLang="en-US" sz="1200" dirty="0"/>
+              <a:t> </a:t>
+            </a:r>
+            <a:r>
+              <a:rPr kumimoji="1" lang="en-US" altLang="ko-Kore-KR" sz="1200" dirty="0"/>
+              <a:t>)</a:t>
+            </a:r>
+            <a:endParaRPr kumimoji="1" lang="ko-Kore-KR" altLang="en-US" sz="1200" dirty="0"/>
+          </a:p>
+        </p:txBody>
+      </p:sp>
+      <p:sp>
+        <p:nvSpPr>
+          <p:cNvPr id="62" name="직사각형 61">
+            <a:extLst>
+              <a:ext uri="{FF2B5EF4-FFF2-40B4-BE49-F238E27FC236}">
+                <a16:creationId xmlns:a16="http://schemas.microsoft.com/office/drawing/2014/main" id="{8B40EC47-8DEC-3256-D0B6-A994B7ED07E8}"/>
+              </a:ext>
+            </a:extLst>
+          </p:cNvPr>
+          <p:cNvSpPr/>
+          <p:nvPr/>
+        </p:nvSpPr>
+        <p:spPr>
+          <a:xfrm>
+            <a:off x="10417955" y="3940496"/>
+            <a:ext cx="1004178" cy="285529"/>
+          </a:xfrm>
+          <a:prstGeom prst="rect">
+            <a:avLst/>
+          </a:prstGeom>
+        </p:spPr>
+        <p:style>
+          <a:lnRef idx="2">
+            <a:schemeClr val="accent1"/>
+          </a:lnRef>
+          <a:fillRef idx="1">
+            <a:schemeClr val="lt1"/>
+          </a:fillRef>
+          <a:effectRef idx="0">
+            <a:schemeClr val="accent1"/>
+          </a:effectRef>
+          <a:fontRef idx="minor">
+            <a:schemeClr val="dk1"/>
+          </a:fontRef>
+        </p:style>
+        <p:txBody>
+          <a:bodyPr rtlCol="0" anchor="ctr"/>
+          <a:lstStyle/>
+          <a:p>
+            <a:pPr algn="ctr"/>
+            <a:r>
+              <a:rPr kumimoji="1" lang="en-US" altLang="ko-Kore-KR" sz="1200" dirty="0"/>
+              <a:t>6. insert(</a:t>
+            </a:r>
+            <a:r>
+              <a:rPr kumimoji="1" lang="ko-KR" altLang="en-US" sz="1200" dirty="0"/>
+              <a:t> </a:t>
+            </a:r>
+            <a:r>
+              <a:rPr kumimoji="1" lang="en-US" altLang="ko-Kore-KR" sz="1200" dirty="0"/>
+              <a:t>)</a:t>
+            </a:r>
+            <a:endParaRPr kumimoji="1" lang="ko-Kore-KR" altLang="en-US" sz="1200" dirty="0"/>
+          </a:p>
+        </p:txBody>
+      </p:sp>
+      <p:sp>
+        <p:nvSpPr>
+          <p:cNvPr id="18" name="직사각형 17">
+            <a:extLst>
+              <a:ext uri="{FF2B5EF4-FFF2-40B4-BE49-F238E27FC236}">
+                <a16:creationId xmlns:a16="http://schemas.microsoft.com/office/drawing/2014/main" id="{467F3B1F-DAB1-5E45-031C-15690C05FEE7}"/>
+              </a:ext>
+            </a:extLst>
+          </p:cNvPr>
+          <p:cNvSpPr/>
+          <p:nvPr/>
+        </p:nvSpPr>
+        <p:spPr>
+          <a:xfrm>
+            <a:off x="11672500" y="2360246"/>
+            <a:ext cx="2356723" cy="285529"/>
+          </a:xfrm>
+          <a:prstGeom prst="rect">
+            <a:avLst/>
+          </a:prstGeom>
+          <a:ln>
+            <a:solidFill>
+              <a:srgbClr val="C43EA7"/>
+            </a:solidFill>
+          </a:ln>
+        </p:spPr>
+        <p:style>
+          <a:lnRef idx="2">
+            <a:schemeClr val="accent1"/>
+          </a:lnRef>
+          <a:fillRef idx="1">
+            <a:schemeClr val="lt1"/>
+          </a:fillRef>
+          <a:effectRef idx="0">
+            <a:schemeClr val="accent1"/>
+          </a:effectRef>
+          <a:fontRef idx="minor">
+            <a:schemeClr val="dk1"/>
+          </a:fontRef>
+        </p:style>
+        <p:txBody>
+          <a:bodyPr rtlCol="0" anchor="ctr"/>
+          <a:lstStyle/>
+          <a:p>
+            <a:pPr algn="ctr"/>
+            <a:r>
+              <a:rPr kumimoji="1" lang="ko-Kore-KR" altLang="en-US" sz="1200" dirty="0"/>
+              <a:t>게시글의</a:t>
+            </a:r>
+            <a:r>
+              <a:rPr kumimoji="1" lang="ko-KR" altLang="en-US" sz="1200" dirty="0"/>
+              <a:t> 제목</a:t>
+            </a:r>
+            <a:r>
+              <a:rPr kumimoji="1" lang="en-US" altLang="ko-KR" sz="1200" dirty="0"/>
+              <a:t>,</a:t>
+            </a:r>
+            <a:r>
+              <a:rPr kumimoji="1" lang="ko-KR" altLang="en-US" sz="1200" dirty="0"/>
+              <a:t> 내용</a:t>
+            </a:r>
+            <a:endParaRPr kumimoji="1" lang="ko-Kore-KR" altLang="en-US" sz="1200" dirty="0"/>
+          </a:p>
+        </p:txBody>
+      </p:sp>
+      <p:cxnSp>
+        <p:nvCxnSpPr>
+          <p:cNvPr id="65" name="직선 화살표 연결선 64">
+            <a:extLst>
+              <a:ext uri="{FF2B5EF4-FFF2-40B4-BE49-F238E27FC236}">
+                <a16:creationId xmlns:a16="http://schemas.microsoft.com/office/drawing/2014/main" id="{0A95198E-56CB-668C-33E1-D7FCB5D22D11}"/>
+              </a:ext>
+            </a:extLst>
+          </p:cNvPr>
+          <p:cNvCxnSpPr>
+            <a:cxnSpLocks/>
+            <a:stCxn id="18" idx="2"/>
+          </p:cNvCxnSpPr>
+          <p:nvPr/>
+        </p:nvCxnSpPr>
+        <p:spPr>
+          <a:xfrm flipH="1">
+            <a:off x="11150601" y="2645775"/>
+            <a:ext cx="1700261" cy="615542"/>
+          </a:xfrm>
+          <a:prstGeom prst="straightConnector1">
+            <a:avLst/>
+          </a:prstGeom>
+          <a:ln>
+            <a:solidFill>
+              <a:srgbClr val="C43EA7"/>
+            </a:solidFill>
+            <a:tailEnd type="triangle"/>
+          </a:ln>
+        </p:spPr>
+        <p:style>
+          <a:lnRef idx="3">
+            <a:schemeClr val="accent1"/>
+          </a:lnRef>
+          <a:fillRef idx="0">
+            <a:schemeClr val="accent1"/>
+          </a:fillRef>
+          <a:effectRef idx="2">
+            <a:schemeClr val="accent1"/>
+          </a:effectRef>
+          <a:fontRef idx="minor">
+            <a:schemeClr val="tx1"/>
+          </a:fontRef>
+        </p:style>
+      </p:cxnSp>
+      <p:sp>
+        <p:nvSpPr>
+          <p:cNvPr id="66" name="직사각형 65">
+            <a:extLst>
+              <a:ext uri="{FF2B5EF4-FFF2-40B4-BE49-F238E27FC236}">
+                <a16:creationId xmlns:a16="http://schemas.microsoft.com/office/drawing/2014/main" id="{2D764170-B6DE-B8FF-BE6D-C6D3C3DC91EF}"/>
+              </a:ext>
+            </a:extLst>
+          </p:cNvPr>
+          <p:cNvSpPr/>
+          <p:nvPr/>
+        </p:nvSpPr>
+        <p:spPr>
+          <a:xfrm>
+            <a:off x="10494138" y="4752079"/>
+            <a:ext cx="2356723" cy="285529"/>
+          </a:xfrm>
+          <a:prstGeom prst="rect">
+            <a:avLst/>
+          </a:prstGeom>
+          <a:ln>
+            <a:solidFill>
+              <a:srgbClr val="C43EA7"/>
+            </a:solidFill>
+          </a:ln>
+        </p:spPr>
+        <p:style>
+          <a:lnRef idx="2">
+            <a:schemeClr val="accent1"/>
+          </a:lnRef>
+          <a:fillRef idx="1">
+            <a:schemeClr val="lt1"/>
+          </a:fillRef>
+          <a:effectRef idx="0">
+            <a:schemeClr val="accent1"/>
+          </a:effectRef>
+          <a:fontRef idx="minor">
+            <a:schemeClr val="dk1"/>
+          </a:fontRef>
+        </p:style>
+        <p:txBody>
+          <a:bodyPr rtlCol="0" anchor="ctr"/>
+          <a:lstStyle/>
+          <a:p>
+            <a:pPr algn="ctr"/>
+            <a:r>
+              <a:rPr kumimoji="1" lang="ko-Kore-KR" altLang="en-US" sz="1200" dirty="0"/>
+              <a:t>게시글의</a:t>
+            </a:r>
+            <a:r>
+              <a:rPr kumimoji="1" lang="ko-KR" altLang="en-US" sz="1200" dirty="0"/>
+              <a:t> 첨부파일</a:t>
+            </a:r>
+            <a:endParaRPr kumimoji="1" lang="ko-Kore-KR" altLang="en-US" sz="1200" dirty="0"/>
+          </a:p>
+        </p:txBody>
+      </p:sp>
+      <p:cxnSp>
+        <p:nvCxnSpPr>
+          <p:cNvPr id="67" name="직선 화살표 연결선 66">
+            <a:extLst>
+              <a:ext uri="{FF2B5EF4-FFF2-40B4-BE49-F238E27FC236}">
+                <a16:creationId xmlns:a16="http://schemas.microsoft.com/office/drawing/2014/main" id="{BFB899DD-987B-9A2E-8310-4BA83575BAA2}"/>
+              </a:ext>
+            </a:extLst>
+          </p:cNvPr>
+          <p:cNvCxnSpPr>
+            <a:cxnSpLocks/>
+            <a:stCxn id="66" idx="0"/>
+          </p:cNvCxnSpPr>
+          <p:nvPr/>
+        </p:nvCxnSpPr>
+        <p:spPr>
+          <a:xfrm flipH="1" flipV="1">
+            <a:off x="11134287" y="4105114"/>
+            <a:ext cx="538213" cy="646965"/>
+          </a:xfrm>
+          <a:prstGeom prst="straightConnector1">
+            <a:avLst/>
+          </a:prstGeom>
+          <a:ln>
+            <a:solidFill>
+              <a:srgbClr val="C43EA7"/>
+            </a:solidFill>
+            <a:tailEnd type="triangle"/>
+          </a:ln>
+        </p:spPr>
+        <p:style>
+          <a:lnRef idx="3">
+            <a:schemeClr val="accent1"/>
+          </a:lnRef>
+          <a:fillRef idx="0">
+            <a:schemeClr val="accent1"/>
+          </a:fillRef>
+          <a:effectRef idx="2">
+            <a:schemeClr val="accent1"/>
+          </a:effectRef>
+          <a:fontRef idx="minor">
+            <a:schemeClr val="tx1"/>
+          </a:fontRef>
+        </p:style>
+      </p:cxnSp>
+      <p:sp>
+        <p:nvSpPr>
+          <p:cNvPr id="69" name="직사각형 68">
+            <a:extLst>
+              <a:ext uri="{FF2B5EF4-FFF2-40B4-BE49-F238E27FC236}">
+                <a16:creationId xmlns:a16="http://schemas.microsoft.com/office/drawing/2014/main" id="{B9D1271D-AF74-D851-7258-B24F9761EF3F}"/>
+              </a:ext>
+            </a:extLst>
+          </p:cNvPr>
+          <p:cNvSpPr/>
+          <p:nvPr/>
+        </p:nvSpPr>
+        <p:spPr>
+          <a:xfrm>
+            <a:off x="7054941" y="3174864"/>
+            <a:ext cx="1586005" cy="330509"/>
+          </a:xfrm>
+          <a:prstGeom prst="rect">
+            <a:avLst/>
+          </a:prstGeom>
+        </p:spPr>
+        <p:style>
+          <a:lnRef idx="2">
+            <a:schemeClr val="accent1"/>
+          </a:lnRef>
+          <a:fillRef idx="1">
+            <a:schemeClr val="lt1"/>
+          </a:fillRef>
+          <a:effectRef idx="0">
+            <a:schemeClr val="accent1"/>
+          </a:effectRef>
+          <a:fontRef idx="minor">
+            <a:schemeClr val="dk1"/>
+          </a:fontRef>
+        </p:style>
+        <p:txBody>
+          <a:bodyPr rtlCol="0" anchor="ctr"/>
+          <a:lstStyle/>
+          <a:p>
+            <a:pPr marL="171450" indent="-171450">
+              <a:buFont typeface="Arial" panose="020B0604020202020204" pitchFamily="34" charset="0"/>
+              <a:buChar char="•"/>
+            </a:pPr>
+            <a:r>
+              <a:rPr kumimoji="1" lang="ko-Kore-KR" altLang="en-US" sz="1000" dirty="0"/>
+              <a:t>비즈니스</a:t>
+            </a:r>
+            <a:r>
+              <a:rPr kumimoji="1" lang="ko-KR" altLang="en-US" sz="1000" dirty="0"/>
+              <a:t> 로직 수행</a:t>
+            </a:r>
+            <a:endParaRPr kumimoji="1" lang="en-US" altLang="ko-KR" sz="1000" dirty="0"/>
+          </a:p>
+        </p:txBody>
+      </p:sp>
+      <p:sp>
+        <p:nvSpPr>
+          <p:cNvPr id="70" name="직사각형 69">
+            <a:extLst>
+              <a:ext uri="{FF2B5EF4-FFF2-40B4-BE49-F238E27FC236}">
+                <a16:creationId xmlns:a16="http://schemas.microsoft.com/office/drawing/2014/main" id="{375B8E2D-422E-1ECC-0BCD-61CC07951C71}"/>
+              </a:ext>
+            </a:extLst>
+          </p:cNvPr>
+          <p:cNvSpPr/>
+          <p:nvPr/>
+        </p:nvSpPr>
+        <p:spPr>
+          <a:xfrm>
+            <a:off x="7054941" y="3850308"/>
+            <a:ext cx="2356723" cy="285529"/>
+          </a:xfrm>
+          <a:prstGeom prst="rect">
+            <a:avLst/>
+          </a:prstGeom>
+          <a:ln>
+            <a:solidFill>
+              <a:srgbClr val="C43EA7"/>
+            </a:solidFill>
+          </a:ln>
+        </p:spPr>
+        <p:style>
+          <a:lnRef idx="2">
+            <a:schemeClr val="accent1"/>
+          </a:lnRef>
+          <a:fillRef idx="1">
+            <a:schemeClr val="lt1"/>
+          </a:fillRef>
+          <a:effectRef idx="0">
+            <a:schemeClr val="accent1"/>
+          </a:effectRef>
+          <a:fontRef idx="minor">
+            <a:schemeClr val="dk1"/>
+          </a:fontRef>
+        </p:style>
+        <p:txBody>
+          <a:bodyPr rtlCol="0" anchor="ctr"/>
+          <a:lstStyle/>
+          <a:p>
+            <a:pPr algn="ctr"/>
+            <a:r>
+              <a:rPr kumimoji="1" lang="ko-KR" altLang="en-US" sz="1200" dirty="0"/>
+              <a:t>서비스 컴포넌트</a:t>
+            </a:r>
+            <a:endParaRPr kumimoji="1" lang="ko-Kore-KR" altLang="en-US" sz="1200" dirty="0"/>
+          </a:p>
+        </p:txBody>
+      </p:sp>
+      <p:sp>
+        <p:nvSpPr>
+          <p:cNvPr id="71" name="직사각형 70">
+            <a:extLst>
+              <a:ext uri="{FF2B5EF4-FFF2-40B4-BE49-F238E27FC236}">
+                <a16:creationId xmlns:a16="http://schemas.microsoft.com/office/drawing/2014/main" id="{B4480A70-50A7-2F22-F3C7-83554B941317}"/>
+              </a:ext>
+            </a:extLst>
+          </p:cNvPr>
+          <p:cNvSpPr/>
+          <p:nvPr/>
+        </p:nvSpPr>
+        <p:spPr>
+          <a:xfrm>
+            <a:off x="1759793" y="2791035"/>
+            <a:ext cx="2975323" cy="696842"/>
+          </a:xfrm>
+          <a:prstGeom prst="rect">
+            <a:avLst/>
+          </a:prstGeom>
+          <a:ln>
+            <a:solidFill>
+              <a:srgbClr val="C43EA7"/>
+            </a:solidFill>
+          </a:ln>
+        </p:spPr>
+        <p:style>
+          <a:lnRef idx="2">
+            <a:schemeClr val="accent1"/>
+          </a:lnRef>
+          <a:fillRef idx="1">
+            <a:schemeClr val="lt1"/>
+          </a:fillRef>
+          <a:effectRef idx="0">
+            <a:schemeClr val="accent1"/>
+          </a:effectRef>
+          <a:fontRef idx="minor">
+            <a:schemeClr val="dk1"/>
+          </a:fontRef>
+        </p:style>
+        <p:txBody>
+          <a:bodyPr rtlCol="0" anchor="ctr"/>
+          <a:lstStyle/>
+          <a:p>
+            <a:pPr algn="ctr"/>
+            <a:r>
+              <a:rPr kumimoji="1" lang="en-US" altLang="ko-KR" sz="1100" dirty="0"/>
+              <a:t>Controller</a:t>
+            </a:r>
+            <a:r>
+              <a:rPr kumimoji="1" lang="ko-KR" altLang="en-US" sz="1100" dirty="0"/>
+              <a:t>의 역할을 줄였다</a:t>
+            </a:r>
+            <a:r>
+              <a:rPr kumimoji="1" lang="en-US" altLang="ko-KR" sz="1100" dirty="0"/>
+              <a:t>.</a:t>
+            </a:r>
+          </a:p>
+          <a:p>
+            <a:pPr algn="ctr"/>
+            <a:r>
+              <a:rPr kumimoji="1" lang="en-US" altLang="ko-KR" sz="1100" dirty="0">
+                <a:sym typeface="Wingdings" pitchFamily="2" charset="2"/>
+              </a:rPr>
+              <a:t></a:t>
+            </a:r>
+            <a:r>
+              <a:rPr kumimoji="1" lang="ko-KR" altLang="en-US" sz="1100" dirty="0">
+                <a:sym typeface="Wingdings" pitchFamily="2" charset="2"/>
+              </a:rPr>
+              <a:t> 요청 파라미터 값 가공이나 응답 처리 작업에 좀 더 집중한다</a:t>
+            </a:r>
+            <a:r>
+              <a:rPr kumimoji="1" lang="en-US" altLang="ko-KR" sz="1100" dirty="0">
+                <a:sym typeface="Wingdings" pitchFamily="2" charset="2"/>
+              </a:rPr>
+              <a:t>.</a:t>
+            </a:r>
+            <a:endParaRPr kumimoji="1" lang="ko-Kore-KR" altLang="en-US" sz="1100" dirty="0"/>
+          </a:p>
+        </p:txBody>
+      </p:sp>
+      <p:sp>
+        <p:nvSpPr>
+          <p:cNvPr id="72" name="곱하기 71">
+            <a:extLst>
+              <a:ext uri="{FF2B5EF4-FFF2-40B4-BE49-F238E27FC236}">
+                <a16:creationId xmlns:a16="http://schemas.microsoft.com/office/drawing/2014/main" id="{74EF7A02-7D10-7110-9CE9-D5C763BAF8F6}"/>
+              </a:ext>
+            </a:extLst>
+          </p:cNvPr>
+          <p:cNvSpPr/>
+          <p:nvPr/>
+        </p:nvSpPr>
+        <p:spPr>
+          <a:xfrm>
+            <a:off x="2073894" y="2095685"/>
+            <a:ext cx="2712325" cy="448769"/>
+          </a:xfrm>
+          <a:prstGeom prst="mathMultiply">
+            <a:avLst/>
+          </a:prstGeom>
+          <a:solidFill>
+            <a:srgbClr val="C43EA7">
+              <a:alpha val="82000"/>
+            </a:srgbClr>
+          </a:solidFill>
+          <a:ln>
+            <a:solidFill>
+              <a:srgbClr val="C43EA7"/>
+            </a:solidFill>
+          </a:ln>
+        </p:spPr>
+        <p:style>
+          <a:lnRef idx="2">
+            <a:schemeClr val="accent1">
+              <a:shade val="50000"/>
+            </a:schemeClr>
+          </a:lnRef>
+          <a:fillRef idx="1">
+            <a:schemeClr val="accent1"/>
+          </a:fillRef>
+          <a:effectRef idx="0">
+            <a:schemeClr val="accent1"/>
+          </a:effectRef>
+          <a:fontRef idx="minor">
+            <a:schemeClr val="lt1"/>
+          </a:fontRef>
+        </p:style>
+        <p:txBody>
+          <a:bodyPr rtlCol="0" anchor="ctr"/>
+          <a:lstStyle/>
+          <a:p>
+            <a:pPr algn="ctr"/>
+            <a:endParaRPr kumimoji="1" lang="ko-Kore-KR" altLang="en-US" dirty="0"/>
+          </a:p>
+        </p:txBody>
+      </p:sp>
+      <p:cxnSp>
+        <p:nvCxnSpPr>
+          <p:cNvPr id="73" name="구부러진 연결선[U] 72">
+            <a:extLst>
+              <a:ext uri="{FF2B5EF4-FFF2-40B4-BE49-F238E27FC236}">
+                <a16:creationId xmlns:a16="http://schemas.microsoft.com/office/drawing/2014/main" id="{85C8B3D0-9008-38BA-56F6-A06564828D3E}"/>
+              </a:ext>
+            </a:extLst>
+          </p:cNvPr>
+          <p:cNvCxnSpPr>
+            <a:cxnSpLocks/>
+            <a:endCxn id="69" idx="1"/>
+          </p:cNvCxnSpPr>
+          <p:nvPr/>
+        </p:nvCxnSpPr>
+        <p:spPr>
+          <a:xfrm>
+            <a:off x="4149180" y="2408520"/>
+            <a:ext cx="2905761" cy="931599"/>
+          </a:xfrm>
+          <a:prstGeom prst="curvedConnector3">
+            <a:avLst>
+              <a:gd name="adj1" fmla="val 50000"/>
+            </a:avLst>
+          </a:prstGeom>
+          <a:ln>
+            <a:solidFill>
+              <a:srgbClr val="C43EA7"/>
+            </a:solidFill>
+            <a:tailEnd type="triangle"/>
+          </a:ln>
+        </p:spPr>
+        <p:style>
+          <a:lnRef idx="3">
+            <a:schemeClr val="accent1"/>
+          </a:lnRef>
+          <a:fillRef idx="0">
+            <a:schemeClr val="accent1"/>
+          </a:fillRef>
+          <a:effectRef idx="2">
+            <a:schemeClr val="accent1"/>
+          </a:effectRef>
+          <a:fontRef idx="minor">
+            <a:schemeClr val="tx1"/>
+          </a:fontRef>
+        </p:style>
+      </p:cxnSp>
+      <p:cxnSp>
+        <p:nvCxnSpPr>
+          <p:cNvPr id="78" name="직선 화살표 연결선 77">
+            <a:extLst>
+              <a:ext uri="{FF2B5EF4-FFF2-40B4-BE49-F238E27FC236}">
+                <a16:creationId xmlns:a16="http://schemas.microsoft.com/office/drawing/2014/main" id="{8A965F84-01CB-D65E-5E6B-9889AF36DF65}"/>
+              </a:ext>
+            </a:extLst>
+          </p:cNvPr>
+          <p:cNvCxnSpPr>
+            <a:cxnSpLocks/>
+            <a:stCxn id="5" idx="2"/>
+            <a:endCxn id="71" idx="0"/>
+          </p:cNvCxnSpPr>
+          <p:nvPr/>
+        </p:nvCxnSpPr>
+        <p:spPr>
+          <a:xfrm>
+            <a:off x="3245652" y="2561889"/>
+            <a:ext cx="1803" cy="229146"/>
+          </a:xfrm>
+          <a:prstGeom prst="straightConnector1">
+            <a:avLst/>
+          </a:prstGeom>
+          <a:ln>
+            <a:solidFill>
+              <a:srgbClr val="C43EA7"/>
+            </a:solidFill>
+            <a:tailEnd type="triangle"/>
+          </a:ln>
+        </p:spPr>
+        <p:style>
+          <a:lnRef idx="3">
+            <a:schemeClr val="accent1"/>
+          </a:lnRef>
+          <a:fillRef idx="0">
+            <a:schemeClr val="accent1"/>
+          </a:fillRef>
+          <a:effectRef idx="2">
+            <a:schemeClr val="accent1"/>
+          </a:effectRef>
+          <a:fontRef idx="minor">
+            <a:schemeClr val="tx1"/>
+          </a:fontRef>
+        </p:style>
+      </p:cxnSp>
+    </p:spTree>
+    <p:extLst>
+      <p:ext uri="{BB962C8B-B14F-4D97-AF65-F5344CB8AC3E}">
+        <p14:creationId xmlns:p14="http://schemas.microsoft.com/office/powerpoint/2010/main" val="3309820581"/>
+      </p:ext>
+    </p:extLst>
+  </p:cSld>
+  <p:clrMapOvr>
+    <a:masterClrMapping/>
+  </p:clrMapOvr>
+</p:sld>
+</file>
+
+<file path=ppt/slides/slide18.xml><?xml version="1.0" encoding="utf-8"?>
+<p:sld xmlns:a="http://schemas.openxmlformats.org/drawingml/2006/main" xmlns:r="http://schemas.openxmlformats.org/officeDocument/2006/relationships" xmlns:p="http://schemas.openxmlformats.org/presentationml/2006/main">
+  <p:cSld>
+    <p:spTree>
+      <p:nvGrpSpPr>
+        <p:cNvPr id="1" name=""/>
+        <p:cNvGrpSpPr/>
+        <p:nvPr/>
+      </p:nvGrpSpPr>
+      <p:grpSpPr>
+        <a:xfrm>
+          <a:off x="0" y="0"/>
+          <a:ext cx="0" cy="0"/>
+          <a:chOff x="0" y="0"/>
+          <a:chExt cx="0" cy="0"/>
+        </a:xfrm>
+      </p:grpSpPr>
+      <p:sp>
+        <p:nvSpPr>
+          <p:cNvPr id="4" name="직사각형 3">
+            <a:extLst>
+              <a:ext uri="{FF2B5EF4-FFF2-40B4-BE49-F238E27FC236}">
+                <a16:creationId xmlns:a16="http://schemas.microsoft.com/office/drawing/2014/main" id="{4DBD7B9B-5639-8609-C8E9-D0A2B9D397D9}"/>
+              </a:ext>
+            </a:extLst>
+          </p:cNvPr>
+          <p:cNvSpPr/>
+          <p:nvPr/>
+        </p:nvSpPr>
+        <p:spPr>
+          <a:xfrm>
+            <a:off x="924909" y="746235"/>
+            <a:ext cx="2154622" cy="788275"/>
+          </a:xfrm>
+          <a:prstGeom prst="rect">
+            <a:avLst/>
+          </a:prstGeom>
+        </p:spPr>
+        <p:style>
+          <a:lnRef idx="2">
+            <a:schemeClr val="accent1">
+              <a:shade val="50000"/>
+            </a:schemeClr>
+          </a:lnRef>
+          <a:fillRef idx="1">
+            <a:schemeClr val="accent1"/>
+          </a:fillRef>
+          <a:effectRef idx="0">
+            <a:schemeClr val="accent1"/>
+          </a:effectRef>
+          <a:fontRef idx="minor">
+            <a:schemeClr val="lt1"/>
+          </a:fontRef>
+        </p:style>
+        <p:txBody>
+          <a:bodyPr rtlCol="0" anchor="ctr"/>
+          <a:lstStyle/>
+          <a:p>
+            <a:pPr algn="ctr"/>
+            <a:r>
+              <a:rPr kumimoji="1" lang="en-US" altLang="ko-Kore-KR" sz="1600" dirty="0" err="1"/>
+              <a:t>BoardUpdateController</a:t>
+            </a:r>
+            <a:endParaRPr kumimoji="1" lang="ko-Kore-KR" altLang="en-US" sz="1600" dirty="0"/>
+          </a:p>
+        </p:txBody>
+      </p:sp>
+      <p:sp>
+        <p:nvSpPr>
+          <p:cNvPr id="5" name="직사각형 4">
+            <a:extLst>
+              <a:ext uri="{FF2B5EF4-FFF2-40B4-BE49-F238E27FC236}">
+                <a16:creationId xmlns:a16="http://schemas.microsoft.com/office/drawing/2014/main" id="{F0B721D2-90B2-BDD6-5F9A-7A8F44D9A935}"/>
+              </a:ext>
+            </a:extLst>
+          </p:cNvPr>
+          <p:cNvSpPr/>
+          <p:nvPr/>
+        </p:nvSpPr>
+        <p:spPr>
+          <a:xfrm>
+            <a:off x="4913585" y="746234"/>
+            <a:ext cx="2154622" cy="788275"/>
+          </a:xfrm>
+          <a:prstGeom prst="rect">
+            <a:avLst/>
+          </a:prstGeom>
+        </p:spPr>
+        <p:style>
+          <a:lnRef idx="2">
+            <a:schemeClr val="accent1">
+              <a:shade val="50000"/>
+            </a:schemeClr>
+          </a:lnRef>
+          <a:fillRef idx="1">
+            <a:schemeClr val="accent1"/>
+          </a:fillRef>
+          <a:effectRef idx="0">
+            <a:schemeClr val="accent1"/>
+          </a:effectRef>
+          <a:fontRef idx="minor">
+            <a:schemeClr val="lt1"/>
+          </a:fontRef>
+        </p:style>
+        <p:txBody>
+          <a:bodyPr rtlCol="0" anchor="ctr"/>
+          <a:lstStyle/>
+          <a:p>
+            <a:pPr algn="ctr"/>
+            <a:r>
+              <a:rPr kumimoji="1" lang="en-US" altLang="ko-Kore-KR" sz="1600" dirty="0" err="1"/>
+              <a:t>BoardService</a:t>
+            </a:r>
+            <a:endParaRPr kumimoji="1" lang="ko-Kore-KR" altLang="en-US" sz="1600" dirty="0"/>
+          </a:p>
+        </p:txBody>
+      </p:sp>
+      <p:cxnSp>
+        <p:nvCxnSpPr>
+          <p:cNvPr id="6" name="직선 화살표 연결선 5">
+            <a:extLst>
+              <a:ext uri="{FF2B5EF4-FFF2-40B4-BE49-F238E27FC236}">
+                <a16:creationId xmlns:a16="http://schemas.microsoft.com/office/drawing/2014/main" id="{A59808E1-05F5-3BC2-E02C-A1D9C9D74A1E}"/>
+              </a:ext>
+            </a:extLst>
+          </p:cNvPr>
+          <p:cNvCxnSpPr>
+            <a:cxnSpLocks/>
+            <a:stCxn id="4" idx="3"/>
+            <a:endCxn id="5" idx="1"/>
+          </p:cNvCxnSpPr>
+          <p:nvPr/>
+        </p:nvCxnSpPr>
+        <p:spPr>
+          <a:xfrm flipV="1">
+            <a:off x="3079531" y="1140372"/>
+            <a:ext cx="1834054" cy="1"/>
+          </a:xfrm>
+          <a:prstGeom prst="straightConnector1">
+            <a:avLst/>
+          </a:prstGeom>
+          <a:ln>
+            <a:tailEnd type="triangle"/>
+          </a:ln>
+        </p:spPr>
+        <p:style>
+          <a:lnRef idx="3">
+            <a:schemeClr val="accent1"/>
+          </a:lnRef>
+          <a:fillRef idx="0">
+            <a:schemeClr val="accent1"/>
+          </a:fillRef>
+          <a:effectRef idx="2">
+            <a:schemeClr val="accent1"/>
+          </a:effectRef>
+          <a:fontRef idx="minor">
+            <a:schemeClr val="tx1"/>
+          </a:fontRef>
+        </p:style>
+      </p:cxnSp>
+      <p:sp>
+        <p:nvSpPr>
+          <p:cNvPr id="7" name="직사각형 6">
+            <a:extLst>
+              <a:ext uri="{FF2B5EF4-FFF2-40B4-BE49-F238E27FC236}">
+                <a16:creationId xmlns:a16="http://schemas.microsoft.com/office/drawing/2014/main" id="{20786D6C-94ED-7ACD-FECD-EAA9BE2CC39F}"/>
+              </a:ext>
+            </a:extLst>
+          </p:cNvPr>
+          <p:cNvSpPr/>
+          <p:nvPr/>
+        </p:nvSpPr>
+        <p:spPr>
+          <a:xfrm>
+            <a:off x="3494469" y="746234"/>
+            <a:ext cx="1004178" cy="610473"/>
+          </a:xfrm>
+          <a:prstGeom prst="rect">
+            <a:avLst/>
+          </a:prstGeom>
+        </p:spPr>
+        <p:style>
+          <a:lnRef idx="2">
+            <a:schemeClr val="accent1"/>
+          </a:lnRef>
+          <a:fillRef idx="1">
+            <a:schemeClr val="lt1"/>
+          </a:fillRef>
+          <a:effectRef idx="0">
+            <a:schemeClr val="accent1"/>
+          </a:effectRef>
+          <a:fontRef idx="minor">
+            <a:schemeClr val="dk1"/>
+          </a:fontRef>
+        </p:style>
+        <p:txBody>
+          <a:bodyPr rtlCol="0" anchor="ctr"/>
+          <a:lstStyle/>
+          <a:p>
+            <a:pPr marL="228600" indent="-228600" algn="ctr">
+              <a:buAutoNum type="arabicPeriod"/>
+            </a:pPr>
+            <a:r>
+              <a:rPr kumimoji="1" lang="en-US" altLang="ko-KR" sz="1200" dirty="0"/>
+              <a:t>add()</a:t>
+            </a:r>
+          </a:p>
+          <a:p>
+            <a:pPr marL="228600" indent="-228600" algn="ctr">
+              <a:buAutoNum type="arabicPeriod"/>
+            </a:pPr>
+            <a:r>
+              <a:rPr kumimoji="1" lang="en-US" altLang="ko-Kore-KR" sz="1200" dirty="0"/>
+              <a:t>update()</a:t>
+            </a:r>
+          </a:p>
+          <a:p>
+            <a:pPr marL="228600" indent="-228600" algn="ctr">
+              <a:buAutoNum type="arabicPeriod"/>
+            </a:pPr>
+            <a:r>
+              <a:rPr kumimoji="1" lang="en-US" altLang="ko-Kore-KR" sz="1200" dirty="0"/>
+              <a:t>delete()</a:t>
+            </a:r>
+            <a:endParaRPr kumimoji="1" lang="ko-Kore-KR" altLang="en-US" sz="1200" dirty="0"/>
+          </a:p>
+        </p:txBody>
+      </p:sp>
+      <p:sp>
+        <p:nvSpPr>
+          <p:cNvPr id="11" name="직사각형 10">
+            <a:extLst>
+              <a:ext uri="{FF2B5EF4-FFF2-40B4-BE49-F238E27FC236}">
+                <a16:creationId xmlns:a16="http://schemas.microsoft.com/office/drawing/2014/main" id="{3E307143-C3F1-C406-6229-1B237F9572B0}"/>
+              </a:ext>
+            </a:extLst>
+          </p:cNvPr>
+          <p:cNvSpPr/>
+          <p:nvPr/>
+        </p:nvSpPr>
+        <p:spPr>
+          <a:xfrm>
+            <a:off x="4913585" y="2222937"/>
+            <a:ext cx="2154622" cy="788275"/>
+          </a:xfrm>
+          <a:prstGeom prst="rect">
+            <a:avLst/>
+          </a:prstGeom>
+        </p:spPr>
+        <p:style>
+          <a:lnRef idx="2">
+            <a:schemeClr val="accent1">
+              <a:shade val="50000"/>
+            </a:schemeClr>
+          </a:lnRef>
+          <a:fillRef idx="1">
+            <a:schemeClr val="accent1"/>
+          </a:fillRef>
+          <a:effectRef idx="0">
+            <a:schemeClr val="accent1"/>
+          </a:effectRef>
+          <a:fontRef idx="minor">
+            <a:schemeClr val="lt1"/>
+          </a:fontRef>
+        </p:style>
+        <p:txBody>
+          <a:bodyPr rtlCol="0" anchor="ctr"/>
+          <a:lstStyle/>
+          <a:p>
+            <a:pPr algn="ctr"/>
+            <a:r>
+              <a:rPr kumimoji="1" lang="en-US" altLang="ko-Kore-KR" sz="1600" dirty="0" err="1"/>
+              <a:t>BoardDao</a:t>
+            </a:r>
+            <a:endParaRPr kumimoji="1" lang="ko-Kore-KR" altLang="en-US" sz="1600" dirty="0"/>
+          </a:p>
+        </p:txBody>
+      </p:sp>
+      <p:cxnSp>
+        <p:nvCxnSpPr>
+          <p:cNvPr id="12" name="직선 화살표 연결선 11">
+            <a:extLst>
+              <a:ext uri="{FF2B5EF4-FFF2-40B4-BE49-F238E27FC236}">
+                <a16:creationId xmlns:a16="http://schemas.microsoft.com/office/drawing/2014/main" id="{2EC19D08-4E58-4BE3-C1AD-7032A9C279B3}"/>
+              </a:ext>
+            </a:extLst>
+          </p:cNvPr>
+          <p:cNvCxnSpPr>
+            <a:cxnSpLocks/>
+            <a:stCxn id="4" idx="2"/>
+            <a:endCxn id="11" idx="1"/>
+          </p:cNvCxnSpPr>
+          <p:nvPr/>
+        </p:nvCxnSpPr>
+        <p:spPr>
+          <a:xfrm>
+            <a:off x="2002220" y="1534510"/>
+            <a:ext cx="2911365" cy="1082565"/>
+          </a:xfrm>
+          <a:prstGeom prst="straightConnector1">
+            <a:avLst/>
+          </a:prstGeom>
+          <a:ln>
+            <a:tailEnd type="triangle"/>
+          </a:ln>
+        </p:spPr>
+        <p:style>
+          <a:lnRef idx="3">
+            <a:schemeClr val="accent1"/>
+          </a:lnRef>
+          <a:fillRef idx="0">
+            <a:schemeClr val="accent1"/>
+          </a:fillRef>
+          <a:effectRef idx="2">
+            <a:schemeClr val="accent1"/>
+          </a:effectRef>
+          <a:fontRef idx="minor">
+            <a:schemeClr val="tx1"/>
+          </a:fontRef>
+        </p:style>
+      </p:cxnSp>
+      <p:cxnSp>
+        <p:nvCxnSpPr>
+          <p:cNvPr id="15" name="직선 화살표 연결선 14">
+            <a:extLst>
+              <a:ext uri="{FF2B5EF4-FFF2-40B4-BE49-F238E27FC236}">
+                <a16:creationId xmlns:a16="http://schemas.microsoft.com/office/drawing/2014/main" id="{3A961EEA-E6B1-BFC9-1785-50A14BAE5A9F}"/>
+              </a:ext>
+            </a:extLst>
+          </p:cNvPr>
+          <p:cNvCxnSpPr>
+            <a:cxnSpLocks/>
+            <a:stCxn id="5" idx="2"/>
+            <a:endCxn id="11" idx="0"/>
+          </p:cNvCxnSpPr>
+          <p:nvPr/>
+        </p:nvCxnSpPr>
+        <p:spPr>
+          <a:xfrm>
+            <a:off x="5990896" y="1534509"/>
+            <a:ext cx="0" cy="688428"/>
+          </a:xfrm>
+          <a:prstGeom prst="straightConnector1">
+            <a:avLst/>
+          </a:prstGeom>
+          <a:ln>
+            <a:tailEnd type="triangle"/>
+          </a:ln>
+        </p:spPr>
+        <p:style>
+          <a:lnRef idx="3">
+            <a:schemeClr val="accent1"/>
+          </a:lnRef>
+          <a:fillRef idx="0">
+            <a:schemeClr val="accent1"/>
+          </a:fillRef>
+          <a:effectRef idx="2">
+            <a:schemeClr val="accent1"/>
+          </a:effectRef>
+          <a:fontRef idx="minor">
+            <a:schemeClr val="tx1"/>
+          </a:fontRef>
+        </p:style>
+      </p:cxnSp>
+      <p:sp>
+        <p:nvSpPr>
+          <p:cNvPr id="18" name="직사각형 17">
+            <a:extLst>
+              <a:ext uri="{FF2B5EF4-FFF2-40B4-BE49-F238E27FC236}">
+                <a16:creationId xmlns:a16="http://schemas.microsoft.com/office/drawing/2014/main" id="{A424B4E9-538F-686E-6C51-9C3B54DB2614}"/>
+              </a:ext>
+            </a:extLst>
+          </p:cNvPr>
+          <p:cNvSpPr/>
+          <p:nvPr/>
+        </p:nvSpPr>
+        <p:spPr>
+          <a:xfrm>
+            <a:off x="2930031" y="1878723"/>
+            <a:ext cx="1055742" cy="408586"/>
+          </a:xfrm>
+          <a:prstGeom prst="rect">
+            <a:avLst/>
+          </a:prstGeom>
+        </p:spPr>
+        <p:style>
+          <a:lnRef idx="2">
+            <a:schemeClr val="accent1"/>
+          </a:lnRef>
+          <a:fillRef idx="1">
+            <a:schemeClr val="lt1"/>
+          </a:fillRef>
+          <a:effectRef idx="0">
+            <a:schemeClr val="accent1"/>
+          </a:effectRef>
+          <a:fontRef idx="minor">
+            <a:schemeClr val="dk1"/>
+          </a:fontRef>
+        </p:style>
+        <p:txBody>
+          <a:bodyPr rtlCol="0" anchor="ctr"/>
+          <a:lstStyle/>
+          <a:p>
+            <a:pPr algn="ctr"/>
+            <a:r>
+              <a:rPr kumimoji="1" lang="en-US" altLang="ko-KR" sz="1200" dirty="0" err="1"/>
+              <a:t>findByNo</a:t>
+            </a:r>
+            <a:r>
+              <a:rPr kumimoji="1" lang="en-US" altLang="ko-KR" sz="1200" dirty="0"/>
+              <a:t>()</a:t>
+            </a:r>
+          </a:p>
+          <a:p>
+            <a:pPr algn="ctr"/>
+            <a:r>
+              <a:rPr kumimoji="1" lang="en-US" altLang="ko-KR" sz="1200" dirty="0" err="1"/>
+              <a:t>findAll</a:t>
+            </a:r>
+            <a:r>
+              <a:rPr kumimoji="1" lang="en-US" altLang="ko-KR" sz="1200" dirty="0"/>
+              <a:t>()</a:t>
+            </a:r>
+          </a:p>
+        </p:txBody>
+      </p:sp>
+      <p:sp>
+        <p:nvSpPr>
+          <p:cNvPr id="19" name="직사각형 18">
+            <a:extLst>
+              <a:ext uri="{FF2B5EF4-FFF2-40B4-BE49-F238E27FC236}">
+                <a16:creationId xmlns:a16="http://schemas.microsoft.com/office/drawing/2014/main" id="{EC27D637-934A-7E29-500B-629708E6BA77}"/>
+              </a:ext>
+            </a:extLst>
+          </p:cNvPr>
+          <p:cNvSpPr/>
+          <p:nvPr/>
+        </p:nvSpPr>
+        <p:spPr>
+          <a:xfrm>
+            <a:off x="5630835" y="1717299"/>
+            <a:ext cx="720121" cy="223002"/>
+          </a:xfrm>
+          <a:prstGeom prst="rect">
+            <a:avLst/>
+          </a:prstGeom>
+        </p:spPr>
+        <p:style>
+          <a:lnRef idx="2">
+            <a:schemeClr val="accent1"/>
+          </a:lnRef>
+          <a:fillRef idx="1">
+            <a:schemeClr val="lt1"/>
+          </a:fillRef>
+          <a:effectRef idx="0">
+            <a:schemeClr val="accent1"/>
+          </a:effectRef>
+          <a:fontRef idx="minor">
+            <a:schemeClr val="dk1"/>
+          </a:fontRef>
+        </p:style>
+        <p:txBody>
+          <a:bodyPr rtlCol="0" anchor="ctr"/>
+          <a:lstStyle/>
+          <a:p>
+            <a:pPr algn="ctr"/>
+            <a:r>
+              <a:rPr kumimoji="1" lang="en-US" altLang="ko-KR" sz="1200" dirty="0"/>
+              <a:t>call</a:t>
+            </a:r>
+          </a:p>
+        </p:txBody>
+      </p:sp>
+      <p:sp>
+        <p:nvSpPr>
+          <p:cNvPr id="20" name="곱하기 19">
+            <a:extLst>
+              <a:ext uri="{FF2B5EF4-FFF2-40B4-BE49-F238E27FC236}">
+                <a16:creationId xmlns:a16="http://schemas.microsoft.com/office/drawing/2014/main" id="{2C3C4823-BFFF-2BF0-8483-6B8C03CE58E1}"/>
+              </a:ext>
+            </a:extLst>
+          </p:cNvPr>
+          <p:cNvSpPr/>
+          <p:nvPr/>
+        </p:nvSpPr>
+        <p:spPr>
+          <a:xfrm>
+            <a:off x="2553247" y="1858631"/>
+            <a:ext cx="1762380" cy="448769"/>
+          </a:xfrm>
+          <a:prstGeom prst="mathMultiply">
+            <a:avLst/>
+          </a:prstGeom>
+          <a:solidFill>
+            <a:srgbClr val="C43EA7">
+              <a:alpha val="82000"/>
+            </a:srgbClr>
+          </a:solidFill>
+          <a:ln>
+            <a:solidFill>
+              <a:srgbClr val="C43EA7"/>
+            </a:solidFill>
+          </a:ln>
+        </p:spPr>
+        <p:style>
+          <a:lnRef idx="2">
+            <a:schemeClr val="accent1">
+              <a:shade val="50000"/>
+            </a:schemeClr>
+          </a:lnRef>
+          <a:fillRef idx="1">
+            <a:schemeClr val="accent1"/>
+          </a:fillRef>
+          <a:effectRef idx="0">
+            <a:schemeClr val="accent1"/>
+          </a:effectRef>
+          <a:fontRef idx="minor">
+            <a:schemeClr val="lt1"/>
+          </a:fontRef>
+        </p:style>
+        <p:txBody>
+          <a:bodyPr rtlCol="0" anchor="ctr"/>
+          <a:lstStyle/>
+          <a:p>
+            <a:pPr algn="ctr"/>
+            <a:endParaRPr kumimoji="1" lang="ko-Kore-KR" altLang="en-US" dirty="0"/>
+          </a:p>
+        </p:txBody>
+      </p:sp>
+      <p:sp>
+        <p:nvSpPr>
+          <p:cNvPr id="21" name="타원 20">
+            <a:extLst>
+              <a:ext uri="{FF2B5EF4-FFF2-40B4-BE49-F238E27FC236}">
+                <a16:creationId xmlns:a16="http://schemas.microsoft.com/office/drawing/2014/main" id="{69C68403-1AD1-3B3E-239C-A0D5C6795D0D}"/>
+              </a:ext>
+            </a:extLst>
+          </p:cNvPr>
+          <p:cNvSpPr/>
+          <p:nvPr/>
+        </p:nvSpPr>
+        <p:spPr>
+          <a:xfrm>
+            <a:off x="3463094" y="455085"/>
+            <a:ext cx="1003851" cy="1192770"/>
+          </a:xfrm>
+          <a:prstGeom prst="ellipse">
+            <a:avLst/>
+          </a:prstGeom>
+          <a:noFill/>
+          <a:ln w="53975">
+            <a:solidFill>
+              <a:srgbClr val="C43EA7"/>
+            </a:solidFill>
+          </a:ln>
+        </p:spPr>
+        <p:style>
+          <a:lnRef idx="2">
+            <a:schemeClr val="accent1">
+              <a:shade val="50000"/>
+            </a:schemeClr>
+          </a:lnRef>
+          <a:fillRef idx="1">
+            <a:schemeClr val="accent1"/>
+          </a:fillRef>
+          <a:effectRef idx="0">
+            <a:schemeClr val="accent1"/>
+          </a:effectRef>
+          <a:fontRef idx="minor">
+            <a:schemeClr val="lt1"/>
+          </a:fontRef>
+        </p:style>
+        <p:txBody>
+          <a:bodyPr rtlCol="0" anchor="ctr"/>
+          <a:lstStyle/>
+          <a:p>
+            <a:pPr algn="ctr"/>
+            <a:endParaRPr kumimoji="1" lang="ko-Kore-KR" altLang="en-US"/>
+          </a:p>
+        </p:txBody>
+      </p:sp>
+      <p:sp>
+        <p:nvSpPr>
+          <p:cNvPr id="22" name="직사각형 21">
+            <a:extLst>
+              <a:ext uri="{FF2B5EF4-FFF2-40B4-BE49-F238E27FC236}">
+                <a16:creationId xmlns:a16="http://schemas.microsoft.com/office/drawing/2014/main" id="{B1FB8467-A1C6-D34A-0C4B-5D8D7FD0F525}"/>
+              </a:ext>
+            </a:extLst>
+          </p:cNvPr>
+          <p:cNvSpPr/>
+          <p:nvPr/>
+        </p:nvSpPr>
+        <p:spPr>
+          <a:xfrm>
+            <a:off x="7625173" y="1368878"/>
+            <a:ext cx="2975323" cy="696842"/>
+          </a:xfrm>
+          <a:prstGeom prst="rect">
+            <a:avLst/>
+          </a:prstGeom>
+          <a:ln>
+            <a:solidFill>
+              <a:srgbClr val="C43EA7"/>
+            </a:solidFill>
+          </a:ln>
+        </p:spPr>
+        <p:style>
+          <a:lnRef idx="2">
+            <a:schemeClr val="accent1"/>
+          </a:lnRef>
+          <a:fillRef idx="1">
+            <a:schemeClr val="lt1"/>
+          </a:fillRef>
+          <a:effectRef idx="0">
+            <a:schemeClr val="accent1"/>
+          </a:effectRef>
+          <a:fontRef idx="minor">
+            <a:schemeClr val="dk1"/>
+          </a:fontRef>
+        </p:style>
+        <p:txBody>
+          <a:bodyPr rtlCol="0" anchor="ctr"/>
+          <a:lstStyle/>
+          <a:p>
+            <a:pPr algn="ctr"/>
+            <a:r>
+              <a:rPr kumimoji="1" lang="en-US" altLang="ko-KR" sz="1100" dirty="0"/>
+              <a:t>Controller</a:t>
+            </a:r>
+            <a:r>
+              <a:rPr kumimoji="1" lang="ko-KR" altLang="en-US" sz="1100" dirty="0"/>
+              <a:t>가 </a:t>
+            </a:r>
+            <a:r>
+              <a:rPr kumimoji="1" lang="en-US" altLang="ko-KR" sz="1100" dirty="0"/>
+              <a:t>Service</a:t>
+            </a:r>
+            <a:r>
+              <a:rPr kumimoji="1" lang="ko-KR" altLang="en-US" sz="1100" dirty="0"/>
+              <a:t>와 </a:t>
+            </a:r>
+            <a:r>
+              <a:rPr kumimoji="1" lang="en-US" altLang="ko-KR" sz="1100" dirty="0"/>
+              <a:t>DAO</a:t>
+            </a:r>
+            <a:r>
+              <a:rPr kumimoji="1" lang="ko-KR" altLang="en-US" sz="1100" dirty="0" err="1"/>
+              <a:t>를</a:t>
+            </a:r>
+            <a:r>
+              <a:rPr kumimoji="1" lang="ko-KR" altLang="en-US" sz="1100" dirty="0"/>
+              <a:t> 모두 사용한다면</a:t>
+            </a:r>
+            <a:r>
+              <a:rPr kumimoji="1" lang="en-US" altLang="ko-KR" sz="1100" dirty="0"/>
+              <a:t>,</a:t>
+            </a:r>
+          </a:p>
+          <a:p>
+            <a:pPr algn="ctr"/>
+            <a:r>
+              <a:rPr kumimoji="1" lang="ko-KR" altLang="en-US" sz="1100" dirty="0"/>
+              <a:t>연결점이 많아져서 유지보수가 어렵다</a:t>
+            </a:r>
+            <a:r>
+              <a:rPr kumimoji="1" lang="en-US" altLang="ko-KR" sz="1100" dirty="0"/>
+              <a:t>.</a:t>
+            </a:r>
+          </a:p>
+          <a:p>
+            <a:pPr algn="ctr"/>
+            <a:r>
+              <a:rPr kumimoji="1" lang="en-US" altLang="ko-KR" sz="1100" dirty="0">
+                <a:sym typeface="Wingdings" pitchFamily="2" charset="2"/>
+              </a:rPr>
+              <a:t></a:t>
+            </a:r>
+            <a:r>
+              <a:rPr kumimoji="1" lang="ko-KR" altLang="en-US" sz="1100" dirty="0">
+                <a:sym typeface="Wingdings" pitchFamily="2" charset="2"/>
+              </a:rPr>
+              <a:t> </a:t>
+            </a:r>
+            <a:r>
+              <a:rPr kumimoji="1" lang="en-US" altLang="ko-KR" sz="1100" b="1" dirty="0">
+                <a:sym typeface="Wingdings" pitchFamily="2" charset="2"/>
+              </a:rPr>
+              <a:t>Low Coupling</a:t>
+            </a:r>
+            <a:endParaRPr kumimoji="1" lang="ko-Kore-KR" altLang="en-US" sz="1100" b="1" dirty="0"/>
+          </a:p>
+        </p:txBody>
+      </p:sp>
+      <p:sp>
+        <p:nvSpPr>
+          <p:cNvPr id="23" name="아래쪽 화살표[D] 22">
+            <a:extLst>
+              <a:ext uri="{FF2B5EF4-FFF2-40B4-BE49-F238E27FC236}">
+                <a16:creationId xmlns:a16="http://schemas.microsoft.com/office/drawing/2014/main" id="{B63A5E42-A4C6-9227-B227-C4FFE432A1C4}"/>
+              </a:ext>
+            </a:extLst>
+          </p:cNvPr>
+          <p:cNvSpPr/>
+          <p:nvPr/>
+        </p:nvSpPr>
+        <p:spPr>
+          <a:xfrm>
+            <a:off x="5691916" y="3467100"/>
+            <a:ext cx="597958" cy="533400"/>
+          </a:xfrm>
+          <a:prstGeom prst="downArrow">
+            <a:avLst/>
+          </a:prstGeom>
+        </p:spPr>
+        <p:style>
+          <a:lnRef idx="2">
+            <a:schemeClr val="accent1">
+              <a:shade val="50000"/>
+            </a:schemeClr>
+          </a:lnRef>
+          <a:fillRef idx="1">
+            <a:schemeClr val="accent1"/>
+          </a:fillRef>
+          <a:effectRef idx="0">
+            <a:schemeClr val="accent1"/>
+          </a:effectRef>
+          <a:fontRef idx="minor">
+            <a:schemeClr val="lt1"/>
+          </a:fontRef>
+        </p:style>
+        <p:txBody>
+          <a:bodyPr rtlCol="0" anchor="ctr"/>
+          <a:lstStyle/>
+          <a:p>
+            <a:pPr algn="ctr"/>
+            <a:endParaRPr kumimoji="1" lang="ko-Kore-KR" altLang="en-US"/>
+          </a:p>
+        </p:txBody>
+      </p:sp>
+      <p:sp>
+        <p:nvSpPr>
+          <p:cNvPr id="24" name="직사각형 23">
+            <a:extLst>
+              <a:ext uri="{FF2B5EF4-FFF2-40B4-BE49-F238E27FC236}">
+                <a16:creationId xmlns:a16="http://schemas.microsoft.com/office/drawing/2014/main" id="{68DAA811-1E18-9743-6D95-71EF69652DB5}"/>
+              </a:ext>
+            </a:extLst>
+          </p:cNvPr>
+          <p:cNvSpPr/>
+          <p:nvPr/>
+        </p:nvSpPr>
+        <p:spPr>
+          <a:xfrm>
+            <a:off x="924909" y="4325008"/>
+            <a:ext cx="2154622" cy="788275"/>
+          </a:xfrm>
+          <a:prstGeom prst="rect">
+            <a:avLst/>
+          </a:prstGeom>
+        </p:spPr>
+        <p:style>
+          <a:lnRef idx="2">
+            <a:schemeClr val="accent1">
+              <a:shade val="50000"/>
+            </a:schemeClr>
+          </a:lnRef>
+          <a:fillRef idx="1">
+            <a:schemeClr val="accent1"/>
+          </a:fillRef>
+          <a:effectRef idx="0">
+            <a:schemeClr val="accent1"/>
+          </a:effectRef>
+          <a:fontRef idx="minor">
+            <a:schemeClr val="lt1"/>
+          </a:fontRef>
+        </p:style>
+        <p:txBody>
+          <a:bodyPr rtlCol="0" anchor="ctr"/>
+          <a:lstStyle/>
+          <a:p>
+            <a:pPr algn="ctr"/>
+            <a:r>
+              <a:rPr kumimoji="1" lang="en-US" altLang="ko-Kore-KR" sz="1600" dirty="0" err="1"/>
+              <a:t>BoardUpdateController</a:t>
+            </a:r>
+            <a:endParaRPr kumimoji="1" lang="ko-Kore-KR" altLang="en-US" sz="1600" dirty="0"/>
+          </a:p>
+        </p:txBody>
+      </p:sp>
+      <p:sp>
+        <p:nvSpPr>
+          <p:cNvPr id="25" name="직사각형 24">
+            <a:extLst>
+              <a:ext uri="{FF2B5EF4-FFF2-40B4-BE49-F238E27FC236}">
+                <a16:creationId xmlns:a16="http://schemas.microsoft.com/office/drawing/2014/main" id="{B46DAE2F-6FDC-B9E4-51EA-AB0D15C22E81}"/>
+              </a:ext>
+            </a:extLst>
+          </p:cNvPr>
+          <p:cNvSpPr/>
+          <p:nvPr/>
+        </p:nvSpPr>
+        <p:spPr>
+          <a:xfrm>
+            <a:off x="4913585" y="4325007"/>
+            <a:ext cx="2154622" cy="788275"/>
+          </a:xfrm>
+          <a:prstGeom prst="rect">
+            <a:avLst/>
+          </a:prstGeom>
+        </p:spPr>
+        <p:style>
+          <a:lnRef idx="2">
+            <a:schemeClr val="accent1">
+              <a:shade val="50000"/>
+            </a:schemeClr>
+          </a:lnRef>
+          <a:fillRef idx="1">
+            <a:schemeClr val="accent1"/>
+          </a:fillRef>
+          <a:effectRef idx="0">
+            <a:schemeClr val="accent1"/>
+          </a:effectRef>
+          <a:fontRef idx="minor">
+            <a:schemeClr val="lt1"/>
+          </a:fontRef>
+        </p:style>
+        <p:txBody>
+          <a:bodyPr rtlCol="0" anchor="ctr"/>
+          <a:lstStyle/>
+          <a:p>
+            <a:pPr algn="ctr"/>
+            <a:r>
+              <a:rPr kumimoji="1" lang="en-US" altLang="ko-Kore-KR" sz="1600" dirty="0" err="1"/>
+              <a:t>BoardService</a:t>
+            </a:r>
+            <a:endParaRPr kumimoji="1" lang="ko-Kore-KR" altLang="en-US" sz="1600" dirty="0"/>
+          </a:p>
+        </p:txBody>
+      </p:sp>
+      <p:cxnSp>
+        <p:nvCxnSpPr>
+          <p:cNvPr id="26" name="직선 화살표 연결선 25">
+            <a:extLst>
+              <a:ext uri="{FF2B5EF4-FFF2-40B4-BE49-F238E27FC236}">
+                <a16:creationId xmlns:a16="http://schemas.microsoft.com/office/drawing/2014/main" id="{D05E6442-0DDE-092D-72B8-07BA80D76799}"/>
+              </a:ext>
+            </a:extLst>
+          </p:cNvPr>
+          <p:cNvCxnSpPr>
+            <a:cxnSpLocks/>
+            <a:stCxn id="24" idx="3"/>
+            <a:endCxn id="25" idx="1"/>
+          </p:cNvCxnSpPr>
+          <p:nvPr/>
+        </p:nvCxnSpPr>
+        <p:spPr>
+          <a:xfrm flipV="1">
+            <a:off x="3079531" y="4719145"/>
+            <a:ext cx="1834054" cy="1"/>
+          </a:xfrm>
+          <a:prstGeom prst="straightConnector1">
+            <a:avLst/>
+          </a:prstGeom>
+          <a:ln>
+            <a:tailEnd type="triangle"/>
+          </a:ln>
+        </p:spPr>
+        <p:style>
+          <a:lnRef idx="3">
+            <a:schemeClr val="accent1"/>
+          </a:lnRef>
+          <a:fillRef idx="0">
+            <a:schemeClr val="accent1"/>
+          </a:fillRef>
+          <a:effectRef idx="2">
+            <a:schemeClr val="accent1"/>
+          </a:effectRef>
+          <a:fontRef idx="minor">
+            <a:schemeClr val="tx1"/>
+          </a:fontRef>
+        </p:style>
+      </p:cxnSp>
+      <p:sp>
+        <p:nvSpPr>
+          <p:cNvPr id="28" name="직사각형 27">
+            <a:extLst>
+              <a:ext uri="{FF2B5EF4-FFF2-40B4-BE49-F238E27FC236}">
+                <a16:creationId xmlns:a16="http://schemas.microsoft.com/office/drawing/2014/main" id="{0D801404-F971-479E-6186-11AFE1F034FA}"/>
+              </a:ext>
+            </a:extLst>
+          </p:cNvPr>
+          <p:cNvSpPr/>
+          <p:nvPr/>
+        </p:nvSpPr>
+        <p:spPr>
+          <a:xfrm>
+            <a:off x="8902261" y="4325007"/>
+            <a:ext cx="2154622" cy="788275"/>
+          </a:xfrm>
+          <a:prstGeom prst="rect">
+            <a:avLst/>
+          </a:prstGeom>
+        </p:spPr>
+        <p:style>
+          <a:lnRef idx="2">
+            <a:schemeClr val="accent1">
+              <a:shade val="50000"/>
+            </a:schemeClr>
+          </a:lnRef>
+          <a:fillRef idx="1">
+            <a:schemeClr val="accent1"/>
+          </a:fillRef>
+          <a:effectRef idx="0">
+            <a:schemeClr val="accent1"/>
+          </a:effectRef>
+          <a:fontRef idx="minor">
+            <a:schemeClr val="lt1"/>
+          </a:fontRef>
+        </p:style>
+        <p:txBody>
+          <a:bodyPr rtlCol="0" anchor="ctr"/>
+          <a:lstStyle/>
+          <a:p>
+            <a:pPr algn="ctr"/>
+            <a:r>
+              <a:rPr kumimoji="1" lang="en-US" altLang="ko-Kore-KR" sz="1600" dirty="0" err="1"/>
+              <a:t>BoardDao</a:t>
+            </a:r>
+            <a:endParaRPr kumimoji="1" lang="ko-Kore-KR" altLang="en-US" sz="1600" dirty="0"/>
+          </a:p>
+        </p:txBody>
+      </p:sp>
+      <p:cxnSp>
+        <p:nvCxnSpPr>
+          <p:cNvPr id="29" name="직선 화살표 연결선 28">
+            <a:extLst>
+              <a:ext uri="{FF2B5EF4-FFF2-40B4-BE49-F238E27FC236}">
+                <a16:creationId xmlns:a16="http://schemas.microsoft.com/office/drawing/2014/main" id="{EF3752B0-2C48-63CE-0AE0-BEDC40D66940}"/>
+              </a:ext>
+            </a:extLst>
+          </p:cNvPr>
+          <p:cNvCxnSpPr>
+            <a:cxnSpLocks/>
+            <a:stCxn id="25" idx="3"/>
+            <a:endCxn id="28" idx="1"/>
+          </p:cNvCxnSpPr>
+          <p:nvPr/>
+        </p:nvCxnSpPr>
+        <p:spPr>
+          <a:xfrm>
+            <a:off x="7068207" y="4719145"/>
+            <a:ext cx="1834054" cy="0"/>
+          </a:xfrm>
+          <a:prstGeom prst="straightConnector1">
+            <a:avLst/>
+          </a:prstGeom>
+          <a:ln>
+            <a:tailEnd type="triangle"/>
+          </a:ln>
+        </p:spPr>
+        <p:style>
+          <a:lnRef idx="3">
+            <a:schemeClr val="accent1"/>
+          </a:lnRef>
+          <a:fillRef idx="0">
+            <a:schemeClr val="accent1"/>
+          </a:fillRef>
+          <a:effectRef idx="2">
+            <a:schemeClr val="accent1"/>
+          </a:effectRef>
+          <a:fontRef idx="minor">
+            <a:schemeClr val="tx1"/>
+          </a:fontRef>
+        </p:style>
+      </p:cxnSp>
+      <p:sp>
+        <p:nvSpPr>
+          <p:cNvPr id="32" name="직사각형 31">
+            <a:extLst>
+              <a:ext uri="{FF2B5EF4-FFF2-40B4-BE49-F238E27FC236}">
+                <a16:creationId xmlns:a16="http://schemas.microsoft.com/office/drawing/2014/main" id="{5919452C-2696-32C3-28E4-5718ABE4CCB9}"/>
+              </a:ext>
+            </a:extLst>
+          </p:cNvPr>
+          <p:cNvSpPr/>
+          <p:nvPr/>
+        </p:nvSpPr>
+        <p:spPr>
+          <a:xfrm>
+            <a:off x="3573435" y="4607645"/>
+            <a:ext cx="720121" cy="223002"/>
+          </a:xfrm>
+          <a:prstGeom prst="rect">
+            <a:avLst/>
+          </a:prstGeom>
+        </p:spPr>
+        <p:style>
+          <a:lnRef idx="2">
+            <a:schemeClr val="accent1"/>
+          </a:lnRef>
+          <a:fillRef idx="1">
+            <a:schemeClr val="lt1"/>
+          </a:fillRef>
+          <a:effectRef idx="0">
+            <a:schemeClr val="accent1"/>
+          </a:effectRef>
+          <a:fontRef idx="minor">
+            <a:schemeClr val="dk1"/>
+          </a:fontRef>
+        </p:style>
+        <p:txBody>
+          <a:bodyPr rtlCol="0" anchor="ctr"/>
+          <a:lstStyle/>
+          <a:p>
+            <a:pPr algn="ctr"/>
+            <a:r>
+              <a:rPr kumimoji="1" lang="en-US" altLang="ko-KR" sz="1200" dirty="0"/>
+              <a:t>call</a:t>
+            </a:r>
+          </a:p>
+        </p:txBody>
+      </p:sp>
+      <p:sp>
+        <p:nvSpPr>
+          <p:cNvPr id="39" name="직사각형 38">
+            <a:extLst>
+              <a:ext uri="{FF2B5EF4-FFF2-40B4-BE49-F238E27FC236}">
+                <a16:creationId xmlns:a16="http://schemas.microsoft.com/office/drawing/2014/main" id="{929FA0F7-AB6F-87E7-7B43-22B787D1D993}"/>
+              </a:ext>
+            </a:extLst>
+          </p:cNvPr>
+          <p:cNvSpPr/>
+          <p:nvPr/>
+        </p:nvSpPr>
+        <p:spPr>
+          <a:xfrm>
+            <a:off x="7625173" y="4607645"/>
+            <a:ext cx="720121" cy="223002"/>
+          </a:xfrm>
+          <a:prstGeom prst="rect">
+            <a:avLst/>
+          </a:prstGeom>
+        </p:spPr>
+        <p:style>
+          <a:lnRef idx="2">
+            <a:schemeClr val="accent1"/>
+          </a:lnRef>
+          <a:fillRef idx="1">
+            <a:schemeClr val="lt1"/>
+          </a:fillRef>
+          <a:effectRef idx="0">
+            <a:schemeClr val="accent1"/>
+          </a:effectRef>
+          <a:fontRef idx="minor">
+            <a:schemeClr val="dk1"/>
+          </a:fontRef>
+        </p:style>
+        <p:txBody>
+          <a:bodyPr rtlCol="0" anchor="ctr"/>
+          <a:lstStyle/>
+          <a:p>
+            <a:pPr algn="ctr"/>
+            <a:r>
+              <a:rPr kumimoji="1" lang="en-US" altLang="ko-KR" sz="1200" dirty="0"/>
+              <a:t>call</a:t>
+            </a:r>
+          </a:p>
+        </p:txBody>
+      </p:sp>
+    </p:spTree>
+    <p:extLst>
+      <p:ext uri="{BB962C8B-B14F-4D97-AF65-F5344CB8AC3E}">
+        <p14:creationId xmlns:p14="http://schemas.microsoft.com/office/powerpoint/2010/main" val="1490605114"/>
       </p:ext>
     </p:extLst>
   </p:cSld>

--- a/study-note/자바/2022-10-05 내용정리.pptx
+++ b/study-note/자바/2022-10-05 내용정리.pptx
@@ -5,7 +5,7 @@
     <p:sldMasterId id="2147483648" r:id="rId1"/>
   </p:sldMasterIdLst>
   <p:notesMasterIdLst>
-    <p:notesMasterId r:id="rId20"/>
+    <p:notesMasterId r:id="rId22"/>
   </p:notesMasterIdLst>
   <p:sldIdLst>
     <p:sldId id="256" r:id="rId2"/>
@@ -26,6 +26,8 @@
     <p:sldId id="271" r:id="rId17"/>
     <p:sldId id="272" r:id="rId18"/>
     <p:sldId id="273" r:id="rId19"/>
+    <p:sldId id="274" r:id="rId20"/>
+    <p:sldId id="275" r:id="rId21"/>
   </p:sldIdLst>
   <p:sldSz cx="12192000" cy="6858000"/>
   <p:notesSz cx="6858000" cy="9144000"/>
@@ -16341,6 +16343,1395 @@
 </p:sld>
 </file>
 
+<file path=ppt/slides/slide19.xml><?xml version="1.0" encoding="utf-8"?>
+<p:sld xmlns:a="http://schemas.openxmlformats.org/drawingml/2006/main" xmlns:r="http://schemas.openxmlformats.org/officeDocument/2006/relationships" xmlns:p="http://schemas.openxmlformats.org/presentationml/2006/main">
+  <p:cSld>
+    <p:spTree>
+      <p:nvGrpSpPr>
+        <p:cNvPr id="1" name=""/>
+        <p:cNvGrpSpPr/>
+        <p:nvPr/>
+      </p:nvGrpSpPr>
+      <p:grpSpPr>
+        <a:xfrm>
+          <a:off x="0" y="0"/>
+          <a:ext cx="0" cy="0"/>
+          <a:chOff x="0" y="0"/>
+          <a:chExt cx="0" cy="0"/>
+        </a:xfrm>
+      </p:grpSpPr>
+      <p:sp>
+        <p:nvSpPr>
+          <p:cNvPr id="4" name="직사각형 3">
+            <a:extLst>
+              <a:ext uri="{FF2B5EF4-FFF2-40B4-BE49-F238E27FC236}">
+                <a16:creationId xmlns:a16="http://schemas.microsoft.com/office/drawing/2014/main" id="{CF924609-65A2-E677-BCE6-BA861ACFF65C}"/>
+              </a:ext>
+            </a:extLst>
+          </p:cNvPr>
+          <p:cNvSpPr/>
+          <p:nvPr/>
+        </p:nvSpPr>
+        <p:spPr>
+          <a:xfrm>
+            <a:off x="525516" y="746233"/>
+            <a:ext cx="2154622" cy="788275"/>
+          </a:xfrm>
+          <a:prstGeom prst="rect">
+            <a:avLst/>
+          </a:prstGeom>
+        </p:spPr>
+        <p:style>
+          <a:lnRef idx="2">
+            <a:schemeClr val="accent1">
+              <a:shade val="50000"/>
+            </a:schemeClr>
+          </a:lnRef>
+          <a:fillRef idx="1">
+            <a:schemeClr val="accent1"/>
+          </a:fillRef>
+          <a:effectRef idx="0">
+            <a:schemeClr val="accent1"/>
+          </a:effectRef>
+          <a:fontRef idx="minor">
+            <a:schemeClr val="lt1"/>
+          </a:fontRef>
+        </p:style>
+        <p:txBody>
+          <a:bodyPr rtlCol="0" anchor="ctr"/>
+          <a:lstStyle/>
+          <a:p>
+            <a:pPr algn="ctr"/>
+            <a:r>
+              <a:rPr kumimoji="1" lang="en-US" altLang="ko-Kore-KR" sz="1600" dirty="0" err="1"/>
+              <a:t>BoardAddController</a:t>
+            </a:r>
+            <a:endParaRPr kumimoji="1" lang="ko-Kore-KR" altLang="en-US" sz="1600" dirty="0"/>
+          </a:p>
+        </p:txBody>
+      </p:sp>
+      <p:sp>
+        <p:nvSpPr>
+          <p:cNvPr id="5" name="직사각형 4">
+            <a:extLst>
+              <a:ext uri="{FF2B5EF4-FFF2-40B4-BE49-F238E27FC236}">
+                <a16:creationId xmlns:a16="http://schemas.microsoft.com/office/drawing/2014/main" id="{80C351AC-461B-5F32-49D9-D297400D1033}"/>
+              </a:ext>
+            </a:extLst>
+          </p:cNvPr>
+          <p:cNvSpPr/>
+          <p:nvPr/>
+        </p:nvSpPr>
+        <p:spPr>
+          <a:xfrm>
+            <a:off x="4913585" y="746234"/>
+            <a:ext cx="2154622" cy="788275"/>
+          </a:xfrm>
+          <a:prstGeom prst="rect">
+            <a:avLst/>
+          </a:prstGeom>
+        </p:spPr>
+        <p:style>
+          <a:lnRef idx="2">
+            <a:schemeClr val="accent1">
+              <a:shade val="50000"/>
+            </a:schemeClr>
+          </a:lnRef>
+          <a:fillRef idx="1">
+            <a:schemeClr val="accent1"/>
+          </a:fillRef>
+          <a:effectRef idx="0">
+            <a:schemeClr val="accent1"/>
+          </a:effectRef>
+          <a:fontRef idx="minor">
+            <a:schemeClr val="lt1"/>
+          </a:fontRef>
+        </p:style>
+        <p:txBody>
+          <a:bodyPr rtlCol="0" anchor="ctr"/>
+          <a:lstStyle/>
+          <a:p>
+            <a:pPr marL="0" marR="0" lvl="0" indent="0" algn="ctr" defTabSz="914400" rtl="0" eaLnBrk="1" fontAlgn="auto" latinLnBrk="0" hangingPunct="1">
+              <a:lnSpc>
+                <a:spcPct val="100000"/>
+              </a:lnSpc>
+              <a:spcBef>
+                <a:spcPts val="0"/>
+              </a:spcBef>
+              <a:spcAft>
+                <a:spcPts val="0"/>
+              </a:spcAft>
+              <a:buClrTx/>
+              <a:buSzTx/>
+              <a:buFontTx/>
+              <a:buNone/>
+              <a:tabLst/>
+              <a:defRPr/>
+            </a:pPr>
+            <a:r>
+              <a:rPr kumimoji="1" lang="en-US" altLang="ko-KR" sz="1100" b="0" i="0" u="none" strike="noStrike" kern="1200" cap="none" spc="0" normalizeH="0" baseline="0" noProof="0" dirty="0">
+                <a:ln>
+                  <a:noFill/>
+                </a:ln>
+                <a:solidFill>
+                  <a:prstClr val="white"/>
+                </a:solidFill>
+                <a:effectLst/>
+                <a:uLnTx/>
+                <a:uFillTx/>
+                <a:latin typeface="Calibri" panose="020F0502020204030204"/>
+                <a:ea typeface="맑은 고딕" panose="020B0503020000020004" pitchFamily="34" charset="-127"/>
+                <a:cs typeface="+mn-cs"/>
+              </a:rPr>
+              <a:t>&lt;&lt;Controller&gt;&gt;</a:t>
+            </a:r>
+            <a:endParaRPr kumimoji="1" lang="en-US" altLang="ko-Kore-KR" sz="1600" b="0" i="0" u="none" strike="noStrike" kern="1200" cap="none" spc="0" normalizeH="0" baseline="0" noProof="0" dirty="0">
+              <a:ln>
+                <a:noFill/>
+              </a:ln>
+              <a:solidFill>
+                <a:prstClr val="white"/>
+              </a:solidFill>
+              <a:effectLst/>
+              <a:uLnTx/>
+              <a:uFillTx/>
+              <a:latin typeface="Calibri" panose="020F0502020204030204"/>
+              <a:ea typeface="+mn-ea"/>
+              <a:cs typeface="+mn-cs"/>
+            </a:endParaRPr>
+          </a:p>
+          <a:p>
+            <a:pPr algn="ctr"/>
+            <a:r>
+              <a:rPr kumimoji="1" lang="en-US" altLang="ko-Kore-KR" sz="1600" dirty="0" err="1"/>
+              <a:t>BoardService</a:t>
+            </a:r>
+            <a:endParaRPr kumimoji="1" lang="ko-Kore-KR" altLang="en-US" sz="1600" dirty="0"/>
+          </a:p>
+        </p:txBody>
+      </p:sp>
+      <p:cxnSp>
+        <p:nvCxnSpPr>
+          <p:cNvPr id="6" name="직선 화살표 연결선 5">
+            <a:extLst>
+              <a:ext uri="{FF2B5EF4-FFF2-40B4-BE49-F238E27FC236}">
+                <a16:creationId xmlns:a16="http://schemas.microsoft.com/office/drawing/2014/main" id="{20434F2F-3C99-BBAE-610E-2F7847A09C8E}"/>
+              </a:ext>
+            </a:extLst>
+          </p:cNvPr>
+          <p:cNvCxnSpPr>
+            <a:cxnSpLocks/>
+            <a:stCxn id="4" idx="3"/>
+            <a:endCxn id="5" idx="1"/>
+          </p:cNvCxnSpPr>
+          <p:nvPr/>
+        </p:nvCxnSpPr>
+        <p:spPr>
+          <a:xfrm>
+            <a:off x="2680138" y="1140371"/>
+            <a:ext cx="2233447" cy="1"/>
+          </a:xfrm>
+          <a:prstGeom prst="straightConnector1">
+            <a:avLst/>
+          </a:prstGeom>
+          <a:ln>
+            <a:tailEnd type="triangle"/>
+          </a:ln>
+        </p:spPr>
+        <p:style>
+          <a:lnRef idx="3">
+            <a:schemeClr val="accent1"/>
+          </a:lnRef>
+          <a:fillRef idx="0">
+            <a:schemeClr val="accent1"/>
+          </a:fillRef>
+          <a:effectRef idx="2">
+            <a:schemeClr val="accent1"/>
+          </a:effectRef>
+          <a:fontRef idx="minor">
+            <a:schemeClr val="tx1"/>
+          </a:fontRef>
+        </p:style>
+      </p:cxnSp>
+      <p:sp>
+        <p:nvSpPr>
+          <p:cNvPr id="9" name="직사각형 8">
+            <a:extLst>
+              <a:ext uri="{FF2B5EF4-FFF2-40B4-BE49-F238E27FC236}">
+                <a16:creationId xmlns:a16="http://schemas.microsoft.com/office/drawing/2014/main" id="{63CA8959-5CFB-6365-D663-13F1DF845110}"/>
+              </a:ext>
+            </a:extLst>
+          </p:cNvPr>
+          <p:cNvSpPr/>
+          <p:nvPr/>
+        </p:nvSpPr>
+        <p:spPr>
+          <a:xfrm>
+            <a:off x="4812534" y="132786"/>
+            <a:ext cx="2356723" cy="285529"/>
+          </a:xfrm>
+          <a:prstGeom prst="rect">
+            <a:avLst/>
+          </a:prstGeom>
+          <a:ln>
+            <a:solidFill>
+              <a:srgbClr val="C43EA7"/>
+            </a:solidFill>
+          </a:ln>
+        </p:spPr>
+        <p:style>
+          <a:lnRef idx="2">
+            <a:schemeClr val="accent1"/>
+          </a:lnRef>
+          <a:fillRef idx="1">
+            <a:schemeClr val="lt1"/>
+          </a:fillRef>
+          <a:effectRef idx="0">
+            <a:schemeClr val="accent1"/>
+          </a:effectRef>
+          <a:fontRef idx="minor">
+            <a:schemeClr val="dk1"/>
+          </a:fontRef>
+        </p:style>
+        <p:txBody>
+          <a:bodyPr rtlCol="0" anchor="ctr"/>
+          <a:lstStyle/>
+          <a:p>
+            <a:pPr algn="ctr"/>
+            <a:r>
+              <a:rPr kumimoji="1" lang="ko-Kore-KR" altLang="en-US" sz="1200" dirty="0"/>
+              <a:t>첨부파일</a:t>
+            </a:r>
+            <a:r>
+              <a:rPr kumimoji="1" lang="ko-KR" altLang="en-US" sz="1200" dirty="0"/>
+              <a:t> 저장 기능</a:t>
+            </a:r>
+            <a:r>
+              <a:rPr kumimoji="1" lang="en-US" altLang="ko-KR" sz="1200" dirty="0"/>
+              <a:t> O</a:t>
+            </a:r>
+            <a:endParaRPr kumimoji="1" lang="ko-Kore-KR" altLang="en-US" sz="1200" dirty="0"/>
+          </a:p>
+        </p:txBody>
+      </p:sp>
+      <p:cxnSp>
+        <p:nvCxnSpPr>
+          <p:cNvPr id="10" name="직선 화살표 연결선 9">
+            <a:extLst>
+              <a:ext uri="{FF2B5EF4-FFF2-40B4-BE49-F238E27FC236}">
+                <a16:creationId xmlns:a16="http://schemas.microsoft.com/office/drawing/2014/main" id="{ADD59779-EFDB-8945-BEAE-5D48A5BEF8F5}"/>
+              </a:ext>
+            </a:extLst>
+          </p:cNvPr>
+          <p:cNvCxnSpPr>
+            <a:cxnSpLocks/>
+            <a:stCxn id="9" idx="2"/>
+            <a:endCxn id="5" idx="0"/>
+          </p:cNvCxnSpPr>
+          <p:nvPr/>
+        </p:nvCxnSpPr>
+        <p:spPr>
+          <a:xfrm>
+            <a:off x="5990896" y="418315"/>
+            <a:ext cx="0" cy="327919"/>
+          </a:xfrm>
+          <a:prstGeom prst="straightConnector1">
+            <a:avLst/>
+          </a:prstGeom>
+          <a:ln>
+            <a:solidFill>
+              <a:srgbClr val="C43EA7"/>
+            </a:solidFill>
+            <a:tailEnd type="triangle"/>
+          </a:ln>
+        </p:spPr>
+        <p:style>
+          <a:lnRef idx="3">
+            <a:schemeClr val="accent1"/>
+          </a:lnRef>
+          <a:fillRef idx="0">
+            <a:schemeClr val="accent1"/>
+          </a:fillRef>
+          <a:effectRef idx="2">
+            <a:schemeClr val="accent1"/>
+          </a:effectRef>
+          <a:fontRef idx="minor">
+            <a:schemeClr val="tx1"/>
+          </a:fontRef>
+        </p:style>
+      </p:cxnSp>
+      <p:sp>
+        <p:nvSpPr>
+          <p:cNvPr id="15" name="직사각형 14">
+            <a:extLst>
+              <a:ext uri="{FF2B5EF4-FFF2-40B4-BE49-F238E27FC236}">
+                <a16:creationId xmlns:a16="http://schemas.microsoft.com/office/drawing/2014/main" id="{2DAD788A-5D97-56FB-45B1-EB8B9CD374E3}"/>
+              </a:ext>
+            </a:extLst>
+          </p:cNvPr>
+          <p:cNvSpPr/>
+          <p:nvPr/>
+        </p:nvSpPr>
+        <p:spPr>
+          <a:xfrm>
+            <a:off x="4913585" y="2401613"/>
+            <a:ext cx="2154622" cy="788275"/>
+          </a:xfrm>
+          <a:prstGeom prst="rect">
+            <a:avLst/>
+          </a:prstGeom>
+        </p:spPr>
+        <p:style>
+          <a:lnRef idx="2">
+            <a:schemeClr val="accent1">
+              <a:shade val="50000"/>
+            </a:schemeClr>
+          </a:lnRef>
+          <a:fillRef idx="1">
+            <a:schemeClr val="accent1"/>
+          </a:fillRef>
+          <a:effectRef idx="0">
+            <a:schemeClr val="accent1"/>
+          </a:effectRef>
+          <a:fontRef idx="minor">
+            <a:schemeClr val="lt1"/>
+          </a:fontRef>
+        </p:style>
+        <p:txBody>
+          <a:bodyPr rtlCol="0" anchor="ctr"/>
+          <a:lstStyle/>
+          <a:p>
+            <a:pPr marL="0" marR="0" lvl="0" indent="0" algn="ctr" defTabSz="914400" rtl="0" eaLnBrk="1" fontAlgn="auto" latinLnBrk="0" hangingPunct="1">
+              <a:lnSpc>
+                <a:spcPct val="100000"/>
+              </a:lnSpc>
+              <a:spcBef>
+                <a:spcPts val="0"/>
+              </a:spcBef>
+              <a:spcAft>
+                <a:spcPts val="0"/>
+              </a:spcAft>
+              <a:buClrTx/>
+              <a:buSzTx/>
+              <a:buFontTx/>
+              <a:buNone/>
+              <a:tabLst/>
+              <a:defRPr/>
+            </a:pPr>
+            <a:r>
+              <a:rPr kumimoji="1" lang="en-US" altLang="ko-KR" sz="1100" b="0" i="0" u="none" strike="noStrike" kern="1200" cap="none" spc="0" normalizeH="0" baseline="0" noProof="0" dirty="0">
+                <a:ln>
+                  <a:noFill/>
+                </a:ln>
+                <a:solidFill>
+                  <a:prstClr val="white"/>
+                </a:solidFill>
+                <a:effectLst/>
+                <a:uLnTx/>
+                <a:uFillTx/>
+                <a:latin typeface="Calibri" panose="020F0502020204030204"/>
+                <a:ea typeface="맑은 고딕" panose="020B0503020000020004" pitchFamily="34" charset="-127"/>
+                <a:cs typeface="+mn-cs"/>
+              </a:rPr>
+              <a:t>&lt;&lt;Controller&gt;&gt;</a:t>
+            </a:r>
+            <a:endParaRPr kumimoji="1" lang="en-US" altLang="ko-Kore-KR" sz="1600" b="0" i="0" u="none" strike="noStrike" kern="1200" cap="none" spc="0" normalizeH="0" baseline="0" noProof="0" dirty="0">
+              <a:ln>
+                <a:noFill/>
+              </a:ln>
+              <a:solidFill>
+                <a:prstClr val="white"/>
+              </a:solidFill>
+              <a:effectLst/>
+              <a:uLnTx/>
+              <a:uFillTx/>
+              <a:latin typeface="Calibri" panose="020F0502020204030204"/>
+              <a:ea typeface="+mn-ea"/>
+              <a:cs typeface="+mn-cs"/>
+            </a:endParaRPr>
+          </a:p>
+          <a:p>
+            <a:pPr algn="ctr"/>
+            <a:r>
+              <a:rPr kumimoji="1" lang="en-US" altLang="ko-Kore-KR" sz="1600" dirty="0"/>
+              <a:t>BoardService</a:t>
+            </a:r>
+            <a:r>
+              <a:rPr kumimoji="1" lang="en-US" altLang="ko-KR" sz="1600" dirty="0"/>
+              <a:t>2</a:t>
+            </a:r>
+            <a:endParaRPr kumimoji="1" lang="ko-Kore-KR" altLang="en-US" sz="1600" dirty="0"/>
+          </a:p>
+        </p:txBody>
+      </p:sp>
+      <p:sp>
+        <p:nvSpPr>
+          <p:cNvPr id="16" name="직사각형 15">
+            <a:extLst>
+              <a:ext uri="{FF2B5EF4-FFF2-40B4-BE49-F238E27FC236}">
+                <a16:creationId xmlns:a16="http://schemas.microsoft.com/office/drawing/2014/main" id="{6EFDC6FB-C8EE-820B-C510-99C5178B8FC6}"/>
+              </a:ext>
+            </a:extLst>
+          </p:cNvPr>
+          <p:cNvSpPr/>
+          <p:nvPr/>
+        </p:nvSpPr>
+        <p:spPr>
+          <a:xfrm>
+            <a:off x="8145518" y="746234"/>
+            <a:ext cx="1371597" cy="788275"/>
+          </a:xfrm>
+          <a:prstGeom prst="rect">
+            <a:avLst/>
+          </a:prstGeom>
+        </p:spPr>
+        <p:style>
+          <a:lnRef idx="3">
+            <a:schemeClr val="lt1"/>
+          </a:lnRef>
+          <a:fillRef idx="1">
+            <a:schemeClr val="accent5"/>
+          </a:fillRef>
+          <a:effectRef idx="1">
+            <a:schemeClr val="accent5"/>
+          </a:effectRef>
+          <a:fontRef idx="minor">
+            <a:schemeClr val="lt1"/>
+          </a:fontRef>
+        </p:style>
+        <p:txBody>
+          <a:bodyPr rtlCol="0" anchor="ctr"/>
+          <a:lstStyle/>
+          <a:p>
+            <a:pPr algn="ctr"/>
+            <a:r>
+              <a:rPr kumimoji="1" lang="en-US" altLang="ko-Kore-KR" sz="1600" dirty="0"/>
+              <a:t>A</a:t>
+            </a:r>
+            <a:r>
+              <a:rPr kumimoji="1" lang="ko-KR" altLang="en-US" sz="1600" dirty="0"/>
+              <a:t> 고객사</a:t>
+            </a:r>
+            <a:endParaRPr kumimoji="1" lang="ko-Kore-KR" altLang="en-US" sz="1600" dirty="0"/>
+          </a:p>
+        </p:txBody>
+      </p:sp>
+      <p:cxnSp>
+        <p:nvCxnSpPr>
+          <p:cNvPr id="17" name="직선 화살표 연결선 16">
+            <a:extLst>
+              <a:ext uri="{FF2B5EF4-FFF2-40B4-BE49-F238E27FC236}">
+                <a16:creationId xmlns:a16="http://schemas.microsoft.com/office/drawing/2014/main" id="{F81077D3-0465-448C-4742-9A51DEE56202}"/>
+              </a:ext>
+            </a:extLst>
+          </p:cNvPr>
+          <p:cNvCxnSpPr>
+            <a:cxnSpLocks/>
+            <a:stCxn id="16" idx="1"/>
+            <a:endCxn id="5" idx="3"/>
+          </p:cNvCxnSpPr>
+          <p:nvPr/>
+        </p:nvCxnSpPr>
+        <p:spPr>
+          <a:xfrm flipH="1">
+            <a:off x="7068207" y="1140372"/>
+            <a:ext cx="1077311" cy="0"/>
+          </a:xfrm>
+          <a:prstGeom prst="straightConnector1">
+            <a:avLst/>
+          </a:prstGeom>
+          <a:ln>
+            <a:solidFill>
+              <a:schemeClr val="accent5"/>
+            </a:solidFill>
+            <a:tailEnd type="triangle"/>
+          </a:ln>
+        </p:spPr>
+        <p:style>
+          <a:lnRef idx="3">
+            <a:schemeClr val="accent1"/>
+          </a:lnRef>
+          <a:fillRef idx="0">
+            <a:schemeClr val="accent1"/>
+          </a:fillRef>
+          <a:effectRef idx="2">
+            <a:schemeClr val="accent1"/>
+          </a:effectRef>
+          <a:fontRef idx="minor">
+            <a:schemeClr val="tx1"/>
+          </a:fontRef>
+        </p:style>
+      </p:cxnSp>
+      <p:sp>
+        <p:nvSpPr>
+          <p:cNvPr id="21" name="직사각형 20">
+            <a:extLst>
+              <a:ext uri="{FF2B5EF4-FFF2-40B4-BE49-F238E27FC236}">
+                <a16:creationId xmlns:a16="http://schemas.microsoft.com/office/drawing/2014/main" id="{A91B29BF-898D-0F4F-8681-0108E73918CB}"/>
+              </a:ext>
+            </a:extLst>
+          </p:cNvPr>
+          <p:cNvSpPr/>
+          <p:nvPr/>
+        </p:nvSpPr>
+        <p:spPr>
+          <a:xfrm>
+            <a:off x="8145518" y="2401612"/>
+            <a:ext cx="1371597" cy="788275"/>
+          </a:xfrm>
+          <a:prstGeom prst="rect">
+            <a:avLst/>
+          </a:prstGeom>
+        </p:spPr>
+        <p:style>
+          <a:lnRef idx="3">
+            <a:schemeClr val="lt1"/>
+          </a:lnRef>
+          <a:fillRef idx="1">
+            <a:schemeClr val="accent5"/>
+          </a:fillRef>
+          <a:effectRef idx="1">
+            <a:schemeClr val="accent5"/>
+          </a:effectRef>
+          <a:fontRef idx="minor">
+            <a:schemeClr val="lt1"/>
+          </a:fontRef>
+        </p:style>
+        <p:txBody>
+          <a:bodyPr rtlCol="0" anchor="ctr"/>
+          <a:lstStyle/>
+          <a:p>
+            <a:pPr algn="ctr"/>
+            <a:r>
+              <a:rPr kumimoji="1" lang="en-US" altLang="ko-KR" sz="1600" dirty="0"/>
+              <a:t>B</a:t>
+            </a:r>
+            <a:r>
+              <a:rPr kumimoji="1" lang="ko-KR" altLang="en-US" sz="1600" dirty="0"/>
+              <a:t> 고객사</a:t>
+            </a:r>
+            <a:endParaRPr kumimoji="1" lang="ko-Kore-KR" altLang="en-US" sz="1600" dirty="0"/>
+          </a:p>
+        </p:txBody>
+      </p:sp>
+      <p:cxnSp>
+        <p:nvCxnSpPr>
+          <p:cNvPr id="22" name="직선 화살표 연결선 21">
+            <a:extLst>
+              <a:ext uri="{FF2B5EF4-FFF2-40B4-BE49-F238E27FC236}">
+                <a16:creationId xmlns:a16="http://schemas.microsoft.com/office/drawing/2014/main" id="{2318D1CE-C25D-985C-A83F-1EF5E7DF8786}"/>
+              </a:ext>
+            </a:extLst>
+          </p:cNvPr>
+          <p:cNvCxnSpPr>
+            <a:cxnSpLocks/>
+            <a:stCxn id="21" idx="1"/>
+            <a:endCxn id="15" idx="3"/>
+          </p:cNvCxnSpPr>
+          <p:nvPr/>
+        </p:nvCxnSpPr>
+        <p:spPr>
+          <a:xfrm flipH="1">
+            <a:off x="7068207" y="2795750"/>
+            <a:ext cx="1077311" cy="1"/>
+          </a:xfrm>
+          <a:prstGeom prst="straightConnector1">
+            <a:avLst/>
+          </a:prstGeom>
+          <a:ln>
+            <a:solidFill>
+              <a:schemeClr val="accent5"/>
+            </a:solidFill>
+            <a:tailEnd type="triangle"/>
+          </a:ln>
+        </p:spPr>
+        <p:style>
+          <a:lnRef idx="3">
+            <a:schemeClr val="accent1"/>
+          </a:lnRef>
+          <a:fillRef idx="0">
+            <a:schemeClr val="accent1"/>
+          </a:fillRef>
+          <a:effectRef idx="2">
+            <a:schemeClr val="accent1"/>
+          </a:effectRef>
+          <a:fontRef idx="minor">
+            <a:schemeClr val="tx1"/>
+          </a:fontRef>
+        </p:style>
+      </p:cxnSp>
+      <p:cxnSp>
+        <p:nvCxnSpPr>
+          <p:cNvPr id="25" name="직선 화살표 연결선 24">
+            <a:extLst>
+              <a:ext uri="{FF2B5EF4-FFF2-40B4-BE49-F238E27FC236}">
+                <a16:creationId xmlns:a16="http://schemas.microsoft.com/office/drawing/2014/main" id="{2F8FE34D-B3AB-4873-28A7-356E9C5559FE}"/>
+              </a:ext>
+            </a:extLst>
+          </p:cNvPr>
+          <p:cNvCxnSpPr>
+            <a:cxnSpLocks/>
+            <a:stCxn id="4" idx="3"/>
+            <a:endCxn id="15" idx="1"/>
+          </p:cNvCxnSpPr>
+          <p:nvPr/>
+        </p:nvCxnSpPr>
+        <p:spPr>
+          <a:xfrm>
+            <a:off x="2680138" y="1140371"/>
+            <a:ext cx="2233447" cy="1655380"/>
+          </a:xfrm>
+          <a:prstGeom prst="straightConnector1">
+            <a:avLst/>
+          </a:prstGeom>
+          <a:ln>
+            <a:tailEnd type="triangle"/>
+          </a:ln>
+        </p:spPr>
+        <p:style>
+          <a:lnRef idx="3">
+            <a:schemeClr val="accent1"/>
+          </a:lnRef>
+          <a:fillRef idx="0">
+            <a:schemeClr val="accent1"/>
+          </a:fillRef>
+          <a:effectRef idx="2">
+            <a:schemeClr val="accent1"/>
+          </a:effectRef>
+          <a:fontRef idx="minor">
+            <a:schemeClr val="tx1"/>
+          </a:fontRef>
+        </p:style>
+      </p:cxnSp>
+      <p:cxnSp>
+        <p:nvCxnSpPr>
+          <p:cNvPr id="28" name="직선 화살표 연결선 27">
+            <a:extLst>
+              <a:ext uri="{FF2B5EF4-FFF2-40B4-BE49-F238E27FC236}">
+                <a16:creationId xmlns:a16="http://schemas.microsoft.com/office/drawing/2014/main" id="{350BC8FE-28FC-8CB6-F006-07BA9EAC92E2}"/>
+              </a:ext>
+            </a:extLst>
+          </p:cNvPr>
+          <p:cNvCxnSpPr>
+            <a:cxnSpLocks/>
+          </p:cNvCxnSpPr>
+          <p:nvPr/>
+        </p:nvCxnSpPr>
+        <p:spPr>
+          <a:xfrm>
+            <a:off x="3786350" y="1296712"/>
+            <a:ext cx="0" cy="475591"/>
+          </a:xfrm>
+          <a:prstGeom prst="straightConnector1">
+            <a:avLst/>
+          </a:prstGeom>
+          <a:ln>
+            <a:tailEnd type="triangle"/>
+          </a:ln>
+        </p:spPr>
+        <p:style>
+          <a:lnRef idx="3">
+            <a:schemeClr val="accent1"/>
+          </a:lnRef>
+          <a:fillRef idx="0">
+            <a:schemeClr val="accent1"/>
+          </a:fillRef>
+          <a:effectRef idx="2">
+            <a:schemeClr val="accent1"/>
+          </a:effectRef>
+          <a:fontRef idx="minor">
+            <a:schemeClr val="tx1"/>
+          </a:fontRef>
+        </p:style>
+      </p:cxnSp>
+      <p:sp>
+        <p:nvSpPr>
+          <p:cNvPr id="31" name="직사각형 30">
+            <a:extLst>
+              <a:ext uri="{FF2B5EF4-FFF2-40B4-BE49-F238E27FC236}">
+                <a16:creationId xmlns:a16="http://schemas.microsoft.com/office/drawing/2014/main" id="{08764B26-CBE8-4C99-C670-9D757B5919D2}"/>
+              </a:ext>
+            </a:extLst>
+          </p:cNvPr>
+          <p:cNvSpPr/>
+          <p:nvPr/>
+        </p:nvSpPr>
+        <p:spPr>
+          <a:xfrm>
+            <a:off x="3836274" y="1423006"/>
+            <a:ext cx="720121" cy="223002"/>
+          </a:xfrm>
+          <a:prstGeom prst="rect">
+            <a:avLst/>
+          </a:prstGeom>
+        </p:spPr>
+        <p:style>
+          <a:lnRef idx="2">
+            <a:schemeClr val="accent1"/>
+          </a:lnRef>
+          <a:fillRef idx="1">
+            <a:schemeClr val="lt1"/>
+          </a:fillRef>
+          <a:effectRef idx="0">
+            <a:schemeClr val="accent1"/>
+          </a:effectRef>
+          <a:fontRef idx="minor">
+            <a:schemeClr val="dk1"/>
+          </a:fontRef>
+        </p:style>
+        <p:txBody>
+          <a:bodyPr rtlCol="0" anchor="ctr"/>
+          <a:lstStyle/>
+          <a:p>
+            <a:pPr algn="ctr"/>
+            <a:r>
+              <a:rPr kumimoji="1" lang="ko-KR" altLang="en-US" sz="1200" dirty="0"/>
+              <a:t>변경</a:t>
+            </a:r>
+            <a:endParaRPr kumimoji="1" lang="en-US" altLang="ko-KR" sz="1200" dirty="0"/>
+          </a:p>
+        </p:txBody>
+      </p:sp>
+      <p:sp>
+        <p:nvSpPr>
+          <p:cNvPr id="32" name="직사각형 31">
+            <a:extLst>
+              <a:ext uri="{FF2B5EF4-FFF2-40B4-BE49-F238E27FC236}">
+                <a16:creationId xmlns:a16="http://schemas.microsoft.com/office/drawing/2014/main" id="{5F651D31-243F-A0C6-C88B-79DCC62535E5}"/>
+              </a:ext>
+            </a:extLst>
+          </p:cNvPr>
+          <p:cNvSpPr/>
+          <p:nvPr/>
+        </p:nvSpPr>
+        <p:spPr>
+          <a:xfrm>
+            <a:off x="424466" y="1862428"/>
+            <a:ext cx="2356723" cy="1167259"/>
+          </a:xfrm>
+          <a:prstGeom prst="rect">
+            <a:avLst/>
+          </a:prstGeom>
+          <a:ln>
+            <a:solidFill>
+              <a:srgbClr val="C43EA7"/>
+            </a:solidFill>
+          </a:ln>
+        </p:spPr>
+        <p:style>
+          <a:lnRef idx="2">
+            <a:schemeClr val="accent1"/>
+          </a:lnRef>
+          <a:fillRef idx="1">
+            <a:schemeClr val="lt1"/>
+          </a:fillRef>
+          <a:effectRef idx="0">
+            <a:schemeClr val="accent1"/>
+          </a:effectRef>
+          <a:fontRef idx="minor">
+            <a:schemeClr val="dk1"/>
+          </a:fontRef>
+        </p:style>
+        <p:txBody>
+          <a:bodyPr rtlCol="0" anchor="ctr"/>
+          <a:lstStyle/>
+          <a:p>
+            <a:pPr algn="ctr"/>
+            <a:r>
+              <a:rPr kumimoji="1" lang="en-US" altLang="ko-Kore-KR" sz="1200" dirty="0"/>
+              <a:t>B</a:t>
+            </a:r>
+            <a:r>
+              <a:rPr kumimoji="1" lang="ko-KR" altLang="en-US" sz="1200" dirty="0"/>
+              <a:t> 고객사에 납품하려면</a:t>
+            </a:r>
+            <a:endParaRPr kumimoji="1" lang="en-US" altLang="ko-KR" sz="1200" dirty="0"/>
+          </a:p>
+          <a:p>
+            <a:pPr algn="ctr"/>
+            <a:r>
+              <a:rPr kumimoji="1" lang="ko-KR" altLang="en-US" sz="1200" dirty="0"/>
+              <a:t>첨부파일 기능이 없는 </a:t>
+            </a:r>
+            <a:r>
+              <a:rPr kumimoji="1" lang="en-US" altLang="ko-KR" sz="1200" dirty="0"/>
+              <a:t>BoardService2</a:t>
+            </a:r>
+            <a:r>
+              <a:rPr kumimoji="1" lang="ko-KR" altLang="en-US" sz="1200" dirty="0" err="1"/>
+              <a:t>를</a:t>
+            </a:r>
+            <a:r>
+              <a:rPr kumimoji="1" lang="ko-KR" altLang="en-US" sz="1200" dirty="0"/>
+              <a:t> 사용하도록 변경해야 한다</a:t>
+            </a:r>
+            <a:r>
+              <a:rPr kumimoji="1" lang="en-US" altLang="ko-KR" sz="1200" dirty="0"/>
+              <a:t>.</a:t>
+            </a:r>
+          </a:p>
+          <a:p>
+            <a:pPr algn="ctr"/>
+            <a:r>
+              <a:rPr kumimoji="1" lang="en-US" altLang="ko-KR" sz="1200" dirty="0">
+                <a:sym typeface="Wingdings" pitchFamily="2" charset="2"/>
+              </a:rPr>
+              <a:t></a:t>
+            </a:r>
+            <a:r>
+              <a:rPr kumimoji="1" lang="ko-KR" altLang="en-US" sz="1200" dirty="0">
+                <a:sym typeface="Wingdings" pitchFamily="2" charset="2"/>
+              </a:rPr>
+              <a:t> </a:t>
+            </a:r>
+            <a:r>
+              <a:rPr kumimoji="1" lang="en-US" altLang="ko-KR" sz="1200" dirty="0">
+                <a:sym typeface="Wingdings" pitchFamily="2" charset="2"/>
+              </a:rPr>
+              <a:t>C </a:t>
+            </a:r>
+            <a:r>
+              <a:rPr kumimoji="1" lang="ko-KR" altLang="en-US" sz="1200" dirty="0">
+                <a:sym typeface="Wingdings" pitchFamily="2" charset="2"/>
+              </a:rPr>
+              <a:t>고객사에 납품하려면</a:t>
+            </a:r>
+            <a:r>
+              <a:rPr kumimoji="1" lang="en-US" altLang="ko-KR" sz="1200" dirty="0">
+                <a:sym typeface="Wingdings" pitchFamily="2" charset="2"/>
+              </a:rPr>
+              <a:t>,</a:t>
+            </a:r>
+            <a:r>
+              <a:rPr kumimoji="1" lang="ko-KR" altLang="en-US" sz="1200" dirty="0">
+                <a:sym typeface="Wingdings" pitchFamily="2" charset="2"/>
+              </a:rPr>
+              <a:t> 또 변경해야 한다</a:t>
+            </a:r>
+            <a:r>
+              <a:rPr kumimoji="1" lang="en-US" altLang="ko-KR" sz="1200" dirty="0">
+                <a:sym typeface="Wingdings" pitchFamily="2" charset="2"/>
+              </a:rPr>
+              <a:t>.</a:t>
+            </a:r>
+            <a:endParaRPr kumimoji="1" lang="ko-Kore-KR" altLang="en-US" sz="1200" dirty="0"/>
+          </a:p>
+        </p:txBody>
+      </p:sp>
+      <p:cxnSp>
+        <p:nvCxnSpPr>
+          <p:cNvPr id="33" name="직선 화살표 연결선 32">
+            <a:extLst>
+              <a:ext uri="{FF2B5EF4-FFF2-40B4-BE49-F238E27FC236}">
+                <a16:creationId xmlns:a16="http://schemas.microsoft.com/office/drawing/2014/main" id="{D854E5A0-45F9-1696-9A65-4FC4D89EB0BB}"/>
+              </a:ext>
+            </a:extLst>
+          </p:cNvPr>
+          <p:cNvCxnSpPr>
+            <a:cxnSpLocks/>
+            <a:stCxn id="32" idx="0"/>
+            <a:endCxn id="4" idx="2"/>
+          </p:cNvCxnSpPr>
+          <p:nvPr/>
+        </p:nvCxnSpPr>
+        <p:spPr>
+          <a:xfrm flipH="1" flipV="1">
+            <a:off x="1602827" y="1534508"/>
+            <a:ext cx="1" cy="327920"/>
+          </a:xfrm>
+          <a:prstGeom prst="straightConnector1">
+            <a:avLst/>
+          </a:prstGeom>
+          <a:ln>
+            <a:solidFill>
+              <a:srgbClr val="C43EA7"/>
+            </a:solidFill>
+            <a:tailEnd type="triangle"/>
+          </a:ln>
+        </p:spPr>
+        <p:style>
+          <a:lnRef idx="3">
+            <a:schemeClr val="accent1"/>
+          </a:lnRef>
+          <a:fillRef idx="0">
+            <a:schemeClr val="accent1"/>
+          </a:fillRef>
+          <a:effectRef idx="2">
+            <a:schemeClr val="accent1"/>
+          </a:effectRef>
+          <a:fontRef idx="minor">
+            <a:schemeClr val="tx1"/>
+          </a:fontRef>
+        </p:style>
+      </p:cxnSp>
+      <p:sp>
+        <p:nvSpPr>
+          <p:cNvPr id="37" name="직사각형 36">
+            <a:extLst>
+              <a:ext uri="{FF2B5EF4-FFF2-40B4-BE49-F238E27FC236}">
+                <a16:creationId xmlns:a16="http://schemas.microsoft.com/office/drawing/2014/main" id="{9FCB741E-F559-70DD-930F-9BAF4A424F6A}"/>
+              </a:ext>
+            </a:extLst>
+          </p:cNvPr>
+          <p:cNvSpPr/>
+          <p:nvPr/>
+        </p:nvSpPr>
+        <p:spPr>
+          <a:xfrm>
+            <a:off x="4913585" y="4056990"/>
+            <a:ext cx="2154622" cy="788275"/>
+          </a:xfrm>
+          <a:prstGeom prst="rect">
+            <a:avLst/>
+          </a:prstGeom>
+        </p:spPr>
+        <p:style>
+          <a:lnRef idx="2">
+            <a:schemeClr val="accent1">
+              <a:shade val="50000"/>
+            </a:schemeClr>
+          </a:lnRef>
+          <a:fillRef idx="1">
+            <a:schemeClr val="accent1"/>
+          </a:fillRef>
+          <a:effectRef idx="0">
+            <a:schemeClr val="accent1"/>
+          </a:effectRef>
+          <a:fontRef idx="minor">
+            <a:schemeClr val="lt1"/>
+          </a:fontRef>
+        </p:style>
+        <p:txBody>
+          <a:bodyPr rtlCol="0" anchor="ctr"/>
+          <a:lstStyle/>
+          <a:p>
+            <a:pPr marL="0" marR="0" lvl="0" indent="0" algn="ctr" defTabSz="914400" rtl="0" eaLnBrk="1" fontAlgn="auto" latinLnBrk="0" hangingPunct="1">
+              <a:lnSpc>
+                <a:spcPct val="100000"/>
+              </a:lnSpc>
+              <a:spcBef>
+                <a:spcPts val="0"/>
+              </a:spcBef>
+              <a:spcAft>
+                <a:spcPts val="0"/>
+              </a:spcAft>
+              <a:buClrTx/>
+              <a:buSzTx/>
+              <a:buFontTx/>
+              <a:buNone/>
+              <a:tabLst/>
+              <a:defRPr/>
+            </a:pPr>
+            <a:r>
+              <a:rPr kumimoji="1" lang="en-US" altLang="ko-KR" sz="1100" b="0" i="0" u="none" strike="noStrike" kern="1200" cap="none" spc="0" normalizeH="0" baseline="0" noProof="0" dirty="0">
+                <a:ln>
+                  <a:noFill/>
+                </a:ln>
+                <a:solidFill>
+                  <a:prstClr val="white"/>
+                </a:solidFill>
+                <a:effectLst/>
+                <a:uLnTx/>
+                <a:uFillTx/>
+                <a:latin typeface="Calibri" panose="020F0502020204030204"/>
+                <a:ea typeface="맑은 고딕" panose="020B0503020000020004" pitchFamily="34" charset="-127"/>
+                <a:cs typeface="+mn-cs"/>
+              </a:rPr>
+              <a:t>&lt;&lt;Controller&gt;&gt;</a:t>
+            </a:r>
+            <a:endParaRPr kumimoji="1" lang="en-US" altLang="ko-Kore-KR" sz="1600" b="0" i="0" u="none" strike="noStrike" kern="1200" cap="none" spc="0" normalizeH="0" baseline="0" noProof="0" dirty="0">
+              <a:ln>
+                <a:noFill/>
+              </a:ln>
+              <a:solidFill>
+                <a:prstClr val="white"/>
+              </a:solidFill>
+              <a:effectLst/>
+              <a:uLnTx/>
+              <a:uFillTx/>
+              <a:latin typeface="Calibri" panose="020F0502020204030204"/>
+              <a:ea typeface="+mn-ea"/>
+              <a:cs typeface="+mn-cs"/>
+            </a:endParaRPr>
+          </a:p>
+          <a:p>
+            <a:pPr algn="ctr"/>
+            <a:r>
+              <a:rPr kumimoji="1" lang="en-US" altLang="ko-Kore-KR" sz="1600" dirty="0"/>
+              <a:t>BoardService</a:t>
+            </a:r>
+            <a:r>
+              <a:rPr kumimoji="1" lang="en-US" altLang="ko-KR" sz="1600" dirty="0"/>
+              <a:t>3</a:t>
+            </a:r>
+            <a:endParaRPr kumimoji="1" lang="ko-Kore-KR" altLang="en-US" sz="1600" dirty="0"/>
+          </a:p>
+        </p:txBody>
+      </p:sp>
+      <p:sp>
+        <p:nvSpPr>
+          <p:cNvPr id="38" name="직사각형 37">
+            <a:extLst>
+              <a:ext uri="{FF2B5EF4-FFF2-40B4-BE49-F238E27FC236}">
+                <a16:creationId xmlns:a16="http://schemas.microsoft.com/office/drawing/2014/main" id="{A98525A1-AC86-96BC-4786-7E4A4FD74692}"/>
+              </a:ext>
+            </a:extLst>
+          </p:cNvPr>
+          <p:cNvSpPr/>
+          <p:nvPr/>
+        </p:nvSpPr>
+        <p:spPr>
+          <a:xfrm>
+            <a:off x="8145518" y="4056989"/>
+            <a:ext cx="1371597" cy="788275"/>
+          </a:xfrm>
+          <a:prstGeom prst="rect">
+            <a:avLst/>
+          </a:prstGeom>
+        </p:spPr>
+        <p:style>
+          <a:lnRef idx="3">
+            <a:schemeClr val="lt1"/>
+          </a:lnRef>
+          <a:fillRef idx="1">
+            <a:schemeClr val="accent5"/>
+          </a:fillRef>
+          <a:effectRef idx="1">
+            <a:schemeClr val="accent5"/>
+          </a:effectRef>
+          <a:fontRef idx="minor">
+            <a:schemeClr val="lt1"/>
+          </a:fontRef>
+        </p:style>
+        <p:txBody>
+          <a:bodyPr rtlCol="0" anchor="ctr"/>
+          <a:lstStyle/>
+          <a:p>
+            <a:pPr algn="ctr"/>
+            <a:r>
+              <a:rPr kumimoji="1" lang="en-US" altLang="ko-KR" sz="1600" dirty="0"/>
+              <a:t>C</a:t>
+            </a:r>
+            <a:r>
+              <a:rPr kumimoji="1" lang="ko-KR" altLang="en-US" sz="1600" dirty="0"/>
+              <a:t> 고객사</a:t>
+            </a:r>
+            <a:endParaRPr kumimoji="1" lang="ko-Kore-KR" altLang="en-US" sz="1600" dirty="0"/>
+          </a:p>
+        </p:txBody>
+      </p:sp>
+      <p:cxnSp>
+        <p:nvCxnSpPr>
+          <p:cNvPr id="39" name="직선 화살표 연결선 38">
+            <a:extLst>
+              <a:ext uri="{FF2B5EF4-FFF2-40B4-BE49-F238E27FC236}">
+                <a16:creationId xmlns:a16="http://schemas.microsoft.com/office/drawing/2014/main" id="{9656D52E-5D4A-CDDB-D5B5-66C27DE155A0}"/>
+              </a:ext>
+            </a:extLst>
+          </p:cNvPr>
+          <p:cNvCxnSpPr>
+            <a:cxnSpLocks/>
+            <a:stCxn id="38" idx="1"/>
+            <a:endCxn id="37" idx="3"/>
+          </p:cNvCxnSpPr>
+          <p:nvPr/>
+        </p:nvCxnSpPr>
+        <p:spPr>
+          <a:xfrm flipH="1">
+            <a:off x="7068207" y="4451127"/>
+            <a:ext cx="1077311" cy="1"/>
+          </a:xfrm>
+          <a:prstGeom prst="straightConnector1">
+            <a:avLst/>
+          </a:prstGeom>
+          <a:ln>
+            <a:solidFill>
+              <a:schemeClr val="accent5"/>
+            </a:solidFill>
+            <a:tailEnd type="triangle"/>
+          </a:ln>
+        </p:spPr>
+        <p:style>
+          <a:lnRef idx="3">
+            <a:schemeClr val="accent1"/>
+          </a:lnRef>
+          <a:fillRef idx="0">
+            <a:schemeClr val="accent1"/>
+          </a:fillRef>
+          <a:effectRef idx="2">
+            <a:schemeClr val="accent1"/>
+          </a:effectRef>
+          <a:fontRef idx="minor">
+            <a:schemeClr val="tx1"/>
+          </a:fontRef>
+        </p:style>
+      </p:cxnSp>
+      <p:cxnSp>
+        <p:nvCxnSpPr>
+          <p:cNvPr id="40" name="직선 화살표 연결선 39">
+            <a:extLst>
+              <a:ext uri="{FF2B5EF4-FFF2-40B4-BE49-F238E27FC236}">
+                <a16:creationId xmlns:a16="http://schemas.microsoft.com/office/drawing/2014/main" id="{636B8473-7358-0A07-9C82-1C91DAC8B886}"/>
+              </a:ext>
+            </a:extLst>
+          </p:cNvPr>
+          <p:cNvCxnSpPr>
+            <a:cxnSpLocks/>
+            <a:stCxn id="4" idx="3"/>
+            <a:endCxn id="37" idx="1"/>
+          </p:cNvCxnSpPr>
+          <p:nvPr/>
+        </p:nvCxnSpPr>
+        <p:spPr>
+          <a:xfrm>
+            <a:off x="2680138" y="1140371"/>
+            <a:ext cx="2233447" cy="3310757"/>
+          </a:xfrm>
+          <a:prstGeom prst="straightConnector1">
+            <a:avLst/>
+          </a:prstGeom>
+          <a:ln>
+            <a:tailEnd type="triangle"/>
+          </a:ln>
+        </p:spPr>
+        <p:style>
+          <a:lnRef idx="3">
+            <a:schemeClr val="accent1"/>
+          </a:lnRef>
+          <a:fillRef idx="0">
+            <a:schemeClr val="accent1"/>
+          </a:fillRef>
+          <a:effectRef idx="2">
+            <a:schemeClr val="accent1"/>
+          </a:effectRef>
+          <a:fontRef idx="minor">
+            <a:schemeClr val="tx1"/>
+          </a:fontRef>
+        </p:style>
+      </p:cxnSp>
+      <p:sp>
+        <p:nvSpPr>
+          <p:cNvPr id="43" name="직사각형 42">
+            <a:extLst>
+              <a:ext uri="{FF2B5EF4-FFF2-40B4-BE49-F238E27FC236}">
+                <a16:creationId xmlns:a16="http://schemas.microsoft.com/office/drawing/2014/main" id="{36E2DD26-3AAF-6F24-55E4-55B1F2E148D6}"/>
+              </a:ext>
+            </a:extLst>
+          </p:cNvPr>
+          <p:cNvSpPr/>
+          <p:nvPr/>
+        </p:nvSpPr>
+        <p:spPr>
+          <a:xfrm>
+            <a:off x="4812533" y="1788162"/>
+            <a:ext cx="2356723" cy="285529"/>
+          </a:xfrm>
+          <a:prstGeom prst="rect">
+            <a:avLst/>
+          </a:prstGeom>
+          <a:ln>
+            <a:solidFill>
+              <a:srgbClr val="C43EA7"/>
+            </a:solidFill>
+          </a:ln>
+        </p:spPr>
+        <p:style>
+          <a:lnRef idx="2">
+            <a:schemeClr val="accent1"/>
+          </a:lnRef>
+          <a:fillRef idx="1">
+            <a:schemeClr val="lt1"/>
+          </a:fillRef>
+          <a:effectRef idx="0">
+            <a:schemeClr val="accent1"/>
+          </a:effectRef>
+          <a:fontRef idx="minor">
+            <a:schemeClr val="dk1"/>
+          </a:fontRef>
+        </p:style>
+        <p:txBody>
+          <a:bodyPr rtlCol="0" anchor="ctr"/>
+          <a:lstStyle/>
+          <a:p>
+            <a:pPr algn="ctr"/>
+            <a:r>
+              <a:rPr kumimoji="1" lang="ko-Kore-KR" altLang="en-US" sz="1200" dirty="0"/>
+              <a:t>첨부파일</a:t>
+            </a:r>
+            <a:r>
+              <a:rPr kumimoji="1" lang="ko-KR" altLang="en-US" sz="1200" dirty="0"/>
+              <a:t> 저장 기능</a:t>
+            </a:r>
+            <a:r>
+              <a:rPr kumimoji="1" lang="en-US" altLang="ko-KR" sz="1200" dirty="0"/>
+              <a:t> X</a:t>
+            </a:r>
+            <a:endParaRPr kumimoji="1" lang="ko-Kore-KR" altLang="en-US" sz="1200" dirty="0"/>
+          </a:p>
+        </p:txBody>
+      </p:sp>
+      <p:cxnSp>
+        <p:nvCxnSpPr>
+          <p:cNvPr id="44" name="직선 화살표 연결선 43">
+            <a:extLst>
+              <a:ext uri="{FF2B5EF4-FFF2-40B4-BE49-F238E27FC236}">
+                <a16:creationId xmlns:a16="http://schemas.microsoft.com/office/drawing/2014/main" id="{F8E56D28-3B20-53EB-C43F-9B685E35738B}"/>
+              </a:ext>
+            </a:extLst>
+          </p:cNvPr>
+          <p:cNvCxnSpPr>
+            <a:cxnSpLocks/>
+            <a:stCxn id="43" idx="2"/>
+            <a:endCxn id="15" idx="0"/>
+          </p:cNvCxnSpPr>
+          <p:nvPr/>
+        </p:nvCxnSpPr>
+        <p:spPr>
+          <a:xfrm>
+            <a:off x="5990895" y="2073691"/>
+            <a:ext cx="1" cy="327922"/>
+          </a:xfrm>
+          <a:prstGeom prst="straightConnector1">
+            <a:avLst/>
+          </a:prstGeom>
+          <a:ln>
+            <a:solidFill>
+              <a:srgbClr val="C43EA7"/>
+            </a:solidFill>
+            <a:tailEnd type="triangle"/>
+          </a:ln>
+        </p:spPr>
+        <p:style>
+          <a:lnRef idx="3">
+            <a:schemeClr val="accent1"/>
+          </a:lnRef>
+          <a:fillRef idx="0">
+            <a:schemeClr val="accent1"/>
+          </a:fillRef>
+          <a:effectRef idx="2">
+            <a:schemeClr val="accent1"/>
+          </a:effectRef>
+          <a:fontRef idx="minor">
+            <a:schemeClr val="tx1"/>
+          </a:fontRef>
+        </p:style>
+      </p:cxnSp>
+      <p:sp>
+        <p:nvSpPr>
+          <p:cNvPr id="46" name="직사각형 45">
+            <a:extLst>
+              <a:ext uri="{FF2B5EF4-FFF2-40B4-BE49-F238E27FC236}">
+                <a16:creationId xmlns:a16="http://schemas.microsoft.com/office/drawing/2014/main" id="{14DCC43C-9C6D-0AC5-0F34-50BE2A0C24EE}"/>
+              </a:ext>
+            </a:extLst>
+          </p:cNvPr>
+          <p:cNvSpPr/>
+          <p:nvPr/>
+        </p:nvSpPr>
+        <p:spPr>
+          <a:xfrm>
+            <a:off x="4812533" y="3443540"/>
+            <a:ext cx="2356723" cy="285529"/>
+          </a:xfrm>
+          <a:prstGeom prst="rect">
+            <a:avLst/>
+          </a:prstGeom>
+          <a:ln>
+            <a:solidFill>
+              <a:srgbClr val="C43EA7"/>
+            </a:solidFill>
+          </a:ln>
+        </p:spPr>
+        <p:style>
+          <a:lnRef idx="2">
+            <a:schemeClr val="accent1"/>
+          </a:lnRef>
+          <a:fillRef idx="1">
+            <a:schemeClr val="lt1"/>
+          </a:fillRef>
+          <a:effectRef idx="0">
+            <a:schemeClr val="accent1"/>
+          </a:effectRef>
+          <a:fontRef idx="minor">
+            <a:schemeClr val="dk1"/>
+          </a:fontRef>
+        </p:style>
+        <p:txBody>
+          <a:bodyPr rtlCol="0" anchor="ctr"/>
+          <a:lstStyle/>
+          <a:p>
+            <a:pPr algn="ctr"/>
+            <a:r>
+              <a:rPr kumimoji="1" lang="en-US" altLang="ko-Kore-KR" sz="1200" dirty="0"/>
+              <a:t>C</a:t>
+            </a:r>
+            <a:r>
+              <a:rPr kumimoji="1" lang="ko-KR" altLang="en-US" sz="1200" dirty="0"/>
+              <a:t> 고객사의 기능을 추가</a:t>
+            </a:r>
+            <a:endParaRPr kumimoji="1" lang="ko-Kore-KR" altLang="en-US" sz="1200" dirty="0"/>
+          </a:p>
+        </p:txBody>
+      </p:sp>
+      <p:cxnSp>
+        <p:nvCxnSpPr>
+          <p:cNvPr id="47" name="직선 화살표 연결선 46">
+            <a:extLst>
+              <a:ext uri="{FF2B5EF4-FFF2-40B4-BE49-F238E27FC236}">
+                <a16:creationId xmlns:a16="http://schemas.microsoft.com/office/drawing/2014/main" id="{780852FD-50F6-0437-4700-78ECA7254029}"/>
+              </a:ext>
+            </a:extLst>
+          </p:cNvPr>
+          <p:cNvCxnSpPr>
+            <a:cxnSpLocks/>
+            <a:stCxn id="46" idx="2"/>
+            <a:endCxn id="37" idx="0"/>
+          </p:cNvCxnSpPr>
+          <p:nvPr/>
+        </p:nvCxnSpPr>
+        <p:spPr>
+          <a:xfrm>
+            <a:off x="5990895" y="3729069"/>
+            <a:ext cx="1" cy="327921"/>
+          </a:xfrm>
+          <a:prstGeom prst="straightConnector1">
+            <a:avLst/>
+          </a:prstGeom>
+          <a:ln>
+            <a:solidFill>
+              <a:srgbClr val="C43EA7"/>
+            </a:solidFill>
+            <a:tailEnd type="triangle"/>
+          </a:ln>
+        </p:spPr>
+        <p:style>
+          <a:lnRef idx="3">
+            <a:schemeClr val="accent1"/>
+          </a:lnRef>
+          <a:fillRef idx="0">
+            <a:schemeClr val="accent1"/>
+          </a:fillRef>
+          <a:effectRef idx="2">
+            <a:schemeClr val="accent1"/>
+          </a:effectRef>
+          <a:fontRef idx="minor">
+            <a:schemeClr val="tx1"/>
+          </a:fontRef>
+        </p:style>
+      </p:cxnSp>
+    </p:spTree>
+    <p:extLst>
+      <p:ext uri="{BB962C8B-B14F-4D97-AF65-F5344CB8AC3E}">
+        <p14:creationId xmlns:p14="http://schemas.microsoft.com/office/powerpoint/2010/main" val="2069013521"/>
+      </p:ext>
+    </p:extLst>
+  </p:cSld>
+  <p:clrMapOvr>
+    <a:masterClrMapping/>
+  </p:clrMapOvr>
+</p:sld>
+</file>
+
 <file path=ppt/slides/slide2.xml><?xml version="1.0" encoding="utf-8"?>
 <p:sld xmlns:a="http://schemas.openxmlformats.org/drawingml/2006/main" xmlns:r="http://schemas.openxmlformats.org/officeDocument/2006/relationships" xmlns:p="http://schemas.openxmlformats.org/presentationml/2006/main">
   <p:cSld>
@@ -17851,6 +19242,735 @@
     <p:extLst>
       <p:ext uri="{BB962C8B-B14F-4D97-AF65-F5344CB8AC3E}">
         <p14:creationId xmlns:p14="http://schemas.microsoft.com/office/powerpoint/2010/main" val="1567953157"/>
+      </p:ext>
+    </p:extLst>
+  </p:cSld>
+  <p:clrMapOvr>
+    <a:masterClrMapping/>
+  </p:clrMapOvr>
+</p:sld>
+</file>
+
+<file path=ppt/slides/slide20.xml><?xml version="1.0" encoding="utf-8"?>
+<p:sld xmlns:a="http://schemas.openxmlformats.org/drawingml/2006/main" xmlns:r="http://schemas.openxmlformats.org/officeDocument/2006/relationships" xmlns:p="http://schemas.openxmlformats.org/presentationml/2006/main">
+  <p:cSld>
+    <p:spTree>
+      <p:nvGrpSpPr>
+        <p:cNvPr id="1" name=""/>
+        <p:cNvGrpSpPr/>
+        <p:nvPr/>
+      </p:nvGrpSpPr>
+      <p:grpSpPr>
+        <a:xfrm>
+          <a:off x="0" y="0"/>
+          <a:ext cx="0" cy="0"/>
+          <a:chOff x="0" y="0"/>
+          <a:chExt cx="0" cy="0"/>
+        </a:xfrm>
+      </p:grpSpPr>
+      <p:sp>
+        <p:nvSpPr>
+          <p:cNvPr id="4" name="직사각형 3">
+            <a:extLst>
+              <a:ext uri="{FF2B5EF4-FFF2-40B4-BE49-F238E27FC236}">
+                <a16:creationId xmlns:a16="http://schemas.microsoft.com/office/drawing/2014/main" id="{CF924609-65A2-E677-BCE6-BA861ACFF65C}"/>
+              </a:ext>
+            </a:extLst>
+          </p:cNvPr>
+          <p:cNvSpPr/>
+          <p:nvPr/>
+        </p:nvSpPr>
+        <p:spPr>
+          <a:xfrm>
+            <a:off x="525516" y="746233"/>
+            <a:ext cx="2154622" cy="788275"/>
+          </a:xfrm>
+          <a:prstGeom prst="rect">
+            <a:avLst/>
+          </a:prstGeom>
+        </p:spPr>
+        <p:style>
+          <a:lnRef idx="2">
+            <a:schemeClr val="accent1">
+              <a:shade val="50000"/>
+            </a:schemeClr>
+          </a:lnRef>
+          <a:fillRef idx="1">
+            <a:schemeClr val="accent1"/>
+          </a:fillRef>
+          <a:effectRef idx="0">
+            <a:schemeClr val="accent1"/>
+          </a:effectRef>
+          <a:fontRef idx="minor">
+            <a:schemeClr val="lt1"/>
+          </a:fontRef>
+        </p:style>
+        <p:txBody>
+          <a:bodyPr rtlCol="0" anchor="ctr"/>
+          <a:lstStyle/>
+          <a:p>
+            <a:pPr algn="ctr"/>
+            <a:r>
+              <a:rPr kumimoji="1" lang="en-US" altLang="ko-Kore-KR" sz="1600" dirty="0" err="1"/>
+              <a:t>BoardAddController</a:t>
+            </a:r>
+            <a:endParaRPr kumimoji="1" lang="ko-Kore-KR" altLang="en-US" sz="1600" dirty="0"/>
+          </a:p>
+        </p:txBody>
+      </p:sp>
+      <p:sp>
+        <p:nvSpPr>
+          <p:cNvPr id="5" name="직사각형 4">
+            <a:extLst>
+              <a:ext uri="{FF2B5EF4-FFF2-40B4-BE49-F238E27FC236}">
+                <a16:creationId xmlns:a16="http://schemas.microsoft.com/office/drawing/2014/main" id="{80C351AC-461B-5F32-49D9-D297400D1033}"/>
+              </a:ext>
+            </a:extLst>
+          </p:cNvPr>
+          <p:cNvSpPr/>
+          <p:nvPr/>
+        </p:nvSpPr>
+        <p:spPr>
+          <a:xfrm>
+            <a:off x="4913585" y="746234"/>
+            <a:ext cx="2154622" cy="788275"/>
+          </a:xfrm>
+          <a:prstGeom prst="rect">
+            <a:avLst/>
+          </a:prstGeom>
+        </p:spPr>
+        <p:style>
+          <a:lnRef idx="2">
+            <a:schemeClr val="accent1">
+              <a:shade val="50000"/>
+            </a:schemeClr>
+          </a:lnRef>
+          <a:fillRef idx="1">
+            <a:schemeClr val="accent1"/>
+          </a:fillRef>
+          <a:effectRef idx="0">
+            <a:schemeClr val="accent1"/>
+          </a:effectRef>
+          <a:fontRef idx="minor">
+            <a:schemeClr val="lt1"/>
+          </a:fontRef>
+        </p:style>
+        <p:txBody>
+          <a:bodyPr rtlCol="0" anchor="ctr"/>
+          <a:lstStyle/>
+          <a:p>
+            <a:pPr marL="0" marR="0" lvl="0" indent="0" algn="ctr" defTabSz="914400" rtl="0" eaLnBrk="1" fontAlgn="auto" latinLnBrk="0" hangingPunct="1">
+              <a:lnSpc>
+                <a:spcPct val="100000"/>
+              </a:lnSpc>
+              <a:spcBef>
+                <a:spcPts val="0"/>
+              </a:spcBef>
+              <a:spcAft>
+                <a:spcPts val="0"/>
+              </a:spcAft>
+              <a:buClrTx/>
+              <a:buSzTx/>
+              <a:buFontTx/>
+              <a:buNone/>
+              <a:tabLst/>
+              <a:defRPr/>
+            </a:pPr>
+            <a:r>
+              <a:rPr kumimoji="1" lang="en-US" altLang="ko-KR" sz="1100" b="0" i="0" u="none" strike="noStrike" kern="1200" cap="none" spc="0" normalizeH="0" baseline="0" noProof="0" dirty="0">
+                <a:ln>
+                  <a:noFill/>
+                </a:ln>
+                <a:solidFill>
+                  <a:prstClr val="white"/>
+                </a:solidFill>
+                <a:effectLst/>
+                <a:uLnTx/>
+                <a:uFillTx/>
+                <a:latin typeface="Calibri" panose="020F0502020204030204"/>
+                <a:ea typeface="맑은 고딕" panose="020B0503020000020004" pitchFamily="34" charset="-127"/>
+                <a:cs typeface="+mn-cs"/>
+              </a:rPr>
+              <a:t>&lt;&lt;</a:t>
+            </a:r>
+            <a:r>
+              <a:rPr kumimoji="1" lang="en-US" altLang="ko-KR" sz="1100" dirty="0">
+                <a:solidFill>
+                  <a:prstClr val="white"/>
+                </a:solidFill>
+                <a:latin typeface="Calibri" panose="020F0502020204030204"/>
+                <a:ea typeface="맑은 고딕" panose="020B0503020000020004" pitchFamily="34" charset="-127"/>
+              </a:rPr>
+              <a:t>interface</a:t>
+            </a:r>
+            <a:r>
+              <a:rPr kumimoji="1" lang="en-US" altLang="ko-KR" sz="1100" b="0" i="0" u="none" strike="noStrike" kern="1200" cap="none" spc="0" normalizeH="0" baseline="0" noProof="0" dirty="0">
+                <a:ln>
+                  <a:noFill/>
+                </a:ln>
+                <a:solidFill>
+                  <a:prstClr val="white"/>
+                </a:solidFill>
+                <a:effectLst/>
+                <a:uLnTx/>
+                <a:uFillTx/>
+                <a:latin typeface="Calibri" panose="020F0502020204030204"/>
+                <a:ea typeface="맑은 고딕" panose="020B0503020000020004" pitchFamily="34" charset="-127"/>
+                <a:cs typeface="+mn-cs"/>
+              </a:rPr>
+              <a:t>&gt;&gt;</a:t>
+            </a:r>
+            <a:endParaRPr kumimoji="1" lang="en-US" altLang="ko-Kore-KR" sz="1600" b="0" i="0" u="none" strike="noStrike" kern="1200" cap="none" spc="0" normalizeH="0" baseline="0" noProof="0" dirty="0">
+              <a:ln>
+                <a:noFill/>
+              </a:ln>
+              <a:solidFill>
+                <a:prstClr val="white"/>
+              </a:solidFill>
+              <a:effectLst/>
+              <a:uLnTx/>
+              <a:uFillTx/>
+              <a:latin typeface="Calibri" panose="020F0502020204030204"/>
+              <a:ea typeface="+mn-ea"/>
+              <a:cs typeface="+mn-cs"/>
+            </a:endParaRPr>
+          </a:p>
+          <a:p>
+            <a:pPr algn="ctr"/>
+            <a:r>
+              <a:rPr kumimoji="1" lang="en-US" altLang="ko-Kore-KR" sz="1600" dirty="0" err="1"/>
+              <a:t>BoardService</a:t>
+            </a:r>
+            <a:endParaRPr kumimoji="1" lang="ko-Kore-KR" altLang="en-US" sz="1600" dirty="0"/>
+          </a:p>
+        </p:txBody>
+      </p:sp>
+      <p:cxnSp>
+        <p:nvCxnSpPr>
+          <p:cNvPr id="6" name="직선 화살표 연결선 5">
+            <a:extLst>
+              <a:ext uri="{FF2B5EF4-FFF2-40B4-BE49-F238E27FC236}">
+                <a16:creationId xmlns:a16="http://schemas.microsoft.com/office/drawing/2014/main" id="{20434F2F-3C99-BBAE-610E-2F7847A09C8E}"/>
+              </a:ext>
+            </a:extLst>
+          </p:cNvPr>
+          <p:cNvCxnSpPr>
+            <a:cxnSpLocks/>
+            <a:stCxn id="4" idx="3"/>
+            <a:endCxn id="5" idx="1"/>
+          </p:cNvCxnSpPr>
+          <p:nvPr/>
+        </p:nvCxnSpPr>
+        <p:spPr>
+          <a:xfrm>
+            <a:off x="2680138" y="1140371"/>
+            <a:ext cx="2233447" cy="1"/>
+          </a:xfrm>
+          <a:prstGeom prst="straightConnector1">
+            <a:avLst/>
+          </a:prstGeom>
+          <a:ln>
+            <a:tailEnd type="triangle"/>
+          </a:ln>
+        </p:spPr>
+        <p:style>
+          <a:lnRef idx="3">
+            <a:schemeClr val="accent1"/>
+          </a:lnRef>
+          <a:fillRef idx="0">
+            <a:schemeClr val="accent1"/>
+          </a:fillRef>
+          <a:effectRef idx="2">
+            <a:schemeClr val="accent1"/>
+          </a:effectRef>
+          <a:fontRef idx="minor">
+            <a:schemeClr val="tx1"/>
+          </a:fontRef>
+        </p:style>
+      </p:cxnSp>
+      <p:sp>
+        <p:nvSpPr>
+          <p:cNvPr id="15" name="직사각형 14">
+            <a:extLst>
+              <a:ext uri="{FF2B5EF4-FFF2-40B4-BE49-F238E27FC236}">
+                <a16:creationId xmlns:a16="http://schemas.microsoft.com/office/drawing/2014/main" id="{2DAD788A-5D97-56FB-45B1-EB8B9CD374E3}"/>
+              </a:ext>
+            </a:extLst>
+          </p:cNvPr>
+          <p:cNvSpPr/>
+          <p:nvPr/>
+        </p:nvSpPr>
+        <p:spPr>
+          <a:xfrm>
+            <a:off x="8129750" y="1844564"/>
+            <a:ext cx="2154622" cy="788275"/>
+          </a:xfrm>
+          <a:prstGeom prst="rect">
+            <a:avLst/>
+          </a:prstGeom>
+        </p:spPr>
+        <p:style>
+          <a:lnRef idx="2">
+            <a:schemeClr val="accent1">
+              <a:shade val="50000"/>
+            </a:schemeClr>
+          </a:lnRef>
+          <a:fillRef idx="1">
+            <a:schemeClr val="accent1"/>
+          </a:fillRef>
+          <a:effectRef idx="0">
+            <a:schemeClr val="accent1"/>
+          </a:effectRef>
+          <a:fontRef idx="minor">
+            <a:schemeClr val="lt1"/>
+          </a:fontRef>
+        </p:style>
+        <p:txBody>
+          <a:bodyPr rtlCol="0" anchor="ctr"/>
+          <a:lstStyle/>
+          <a:p>
+            <a:pPr marL="0" marR="0" lvl="0" indent="0" algn="ctr" defTabSz="914400" rtl="0" eaLnBrk="1" fontAlgn="auto" latinLnBrk="0" hangingPunct="1">
+              <a:lnSpc>
+                <a:spcPct val="100000"/>
+              </a:lnSpc>
+              <a:spcBef>
+                <a:spcPts val="0"/>
+              </a:spcBef>
+              <a:spcAft>
+                <a:spcPts val="0"/>
+              </a:spcAft>
+              <a:buClrTx/>
+              <a:buSzTx/>
+              <a:buFontTx/>
+              <a:buNone/>
+              <a:tabLst/>
+              <a:defRPr/>
+            </a:pPr>
+            <a:r>
+              <a:rPr kumimoji="1" lang="en-US" altLang="ko-KR" sz="1100" b="0" i="0" u="none" strike="noStrike" kern="1200" cap="none" spc="0" normalizeH="0" baseline="0" noProof="0" dirty="0">
+                <a:ln>
+                  <a:noFill/>
+                </a:ln>
+                <a:solidFill>
+                  <a:prstClr val="white"/>
+                </a:solidFill>
+                <a:effectLst/>
+                <a:uLnTx/>
+                <a:uFillTx/>
+                <a:latin typeface="Calibri" panose="020F0502020204030204"/>
+                <a:ea typeface="맑은 고딕" panose="020B0503020000020004" pitchFamily="34" charset="-127"/>
+                <a:cs typeface="+mn-cs"/>
+              </a:rPr>
+              <a:t>&lt;&lt;Concrete&gt;&gt;</a:t>
+            </a:r>
+            <a:endParaRPr kumimoji="1" lang="en-US" altLang="ko-Kore-KR" sz="1600" b="0" i="0" u="none" strike="noStrike" kern="1200" cap="none" spc="0" normalizeH="0" baseline="0" noProof="0" dirty="0">
+              <a:ln>
+                <a:noFill/>
+              </a:ln>
+              <a:solidFill>
+                <a:prstClr val="white"/>
+              </a:solidFill>
+              <a:effectLst/>
+              <a:uLnTx/>
+              <a:uFillTx/>
+              <a:latin typeface="Calibri" panose="020F0502020204030204"/>
+              <a:ea typeface="+mn-ea"/>
+              <a:cs typeface="+mn-cs"/>
+            </a:endParaRPr>
+          </a:p>
+          <a:p>
+            <a:pPr algn="ctr"/>
+            <a:r>
+              <a:rPr kumimoji="1" lang="en-US" altLang="ko-Kore-KR" sz="1600" dirty="0" err="1"/>
+              <a:t>ABoardService</a:t>
+            </a:r>
+            <a:endParaRPr kumimoji="1" lang="ko-Kore-KR" altLang="en-US" sz="1600" dirty="0"/>
+          </a:p>
+        </p:txBody>
+      </p:sp>
+      <p:sp>
+        <p:nvSpPr>
+          <p:cNvPr id="32" name="직사각형 31">
+            <a:extLst>
+              <a:ext uri="{FF2B5EF4-FFF2-40B4-BE49-F238E27FC236}">
+                <a16:creationId xmlns:a16="http://schemas.microsoft.com/office/drawing/2014/main" id="{5F651D31-243F-A0C6-C88B-79DCC62535E5}"/>
+              </a:ext>
+            </a:extLst>
+          </p:cNvPr>
+          <p:cNvSpPr/>
+          <p:nvPr/>
+        </p:nvSpPr>
+        <p:spPr>
+          <a:xfrm>
+            <a:off x="424465" y="2209264"/>
+            <a:ext cx="2356723" cy="1167259"/>
+          </a:xfrm>
+          <a:prstGeom prst="rect">
+            <a:avLst/>
+          </a:prstGeom>
+          <a:ln>
+            <a:solidFill>
+              <a:srgbClr val="C43EA7"/>
+            </a:solidFill>
+          </a:ln>
+        </p:spPr>
+        <p:style>
+          <a:lnRef idx="2">
+            <a:schemeClr val="accent1"/>
+          </a:lnRef>
+          <a:fillRef idx="1">
+            <a:schemeClr val="lt1"/>
+          </a:fillRef>
+          <a:effectRef idx="0">
+            <a:schemeClr val="accent1"/>
+          </a:effectRef>
+          <a:fontRef idx="minor">
+            <a:schemeClr val="dk1"/>
+          </a:fontRef>
+        </p:style>
+        <p:txBody>
+          <a:bodyPr rtlCol="0" anchor="ctr"/>
+          <a:lstStyle/>
+          <a:p>
+            <a:pPr algn="ctr"/>
+            <a:r>
+              <a:rPr kumimoji="1" lang="en-US" altLang="ko-Kore-KR" sz="1200" dirty="0"/>
+              <a:t>Controller</a:t>
+            </a:r>
+            <a:r>
+              <a:rPr kumimoji="1" lang="ko-KR" altLang="en-US" sz="1200" dirty="0"/>
+              <a:t>는 </a:t>
+            </a:r>
+            <a:r>
+              <a:rPr kumimoji="1" lang="en-US" altLang="ko-KR" sz="1200" dirty="0"/>
+              <a:t>Service </a:t>
+            </a:r>
+            <a:r>
+              <a:rPr kumimoji="1" lang="ko-KR" altLang="en-US" sz="1200" dirty="0"/>
+              <a:t>객체를 언급할 때 클래스 이름이 아닌 인터페이스로 언급한다</a:t>
+            </a:r>
+            <a:r>
+              <a:rPr kumimoji="1" lang="en-US" altLang="ko-KR" sz="1200" dirty="0"/>
+              <a:t>.</a:t>
+            </a:r>
+          </a:p>
+          <a:p>
+            <a:pPr algn="ctr"/>
+            <a:r>
+              <a:rPr kumimoji="1" lang="en-US" altLang="ko-KR" sz="1200" dirty="0">
+                <a:sym typeface="Wingdings" pitchFamily="2" charset="2"/>
+              </a:rPr>
+              <a:t></a:t>
+            </a:r>
+            <a:r>
+              <a:rPr kumimoji="1" lang="ko-KR" altLang="en-US" sz="1200" dirty="0">
+                <a:sym typeface="Wingdings" pitchFamily="2" charset="2"/>
+              </a:rPr>
+              <a:t> 다른 클래스로 교체하기 쉽다</a:t>
+            </a:r>
+            <a:r>
+              <a:rPr kumimoji="1" lang="en-US" altLang="ko-KR" sz="1200" dirty="0">
+                <a:sym typeface="Wingdings" pitchFamily="2" charset="2"/>
+              </a:rPr>
+              <a:t>.</a:t>
+            </a:r>
+            <a:endParaRPr kumimoji="1" lang="ko-Kore-KR" altLang="en-US" sz="1200" dirty="0"/>
+          </a:p>
+        </p:txBody>
+      </p:sp>
+      <p:cxnSp>
+        <p:nvCxnSpPr>
+          <p:cNvPr id="33" name="직선 화살표 연결선 32">
+            <a:extLst>
+              <a:ext uri="{FF2B5EF4-FFF2-40B4-BE49-F238E27FC236}">
+                <a16:creationId xmlns:a16="http://schemas.microsoft.com/office/drawing/2014/main" id="{D854E5A0-45F9-1696-9A65-4FC4D89EB0BB}"/>
+              </a:ext>
+            </a:extLst>
+          </p:cNvPr>
+          <p:cNvCxnSpPr>
+            <a:cxnSpLocks/>
+            <a:stCxn id="32" idx="0"/>
+            <a:endCxn id="4" idx="2"/>
+          </p:cNvCxnSpPr>
+          <p:nvPr/>
+        </p:nvCxnSpPr>
+        <p:spPr>
+          <a:xfrm flipV="1">
+            <a:off x="1602827" y="1534508"/>
+            <a:ext cx="0" cy="674756"/>
+          </a:xfrm>
+          <a:prstGeom prst="straightConnector1">
+            <a:avLst/>
+          </a:prstGeom>
+          <a:ln>
+            <a:solidFill>
+              <a:srgbClr val="C43EA7"/>
+            </a:solidFill>
+            <a:tailEnd type="triangle"/>
+          </a:ln>
+        </p:spPr>
+        <p:style>
+          <a:lnRef idx="3">
+            <a:schemeClr val="accent1"/>
+          </a:lnRef>
+          <a:fillRef idx="0">
+            <a:schemeClr val="accent1"/>
+          </a:fillRef>
+          <a:effectRef idx="2">
+            <a:schemeClr val="accent1"/>
+          </a:effectRef>
+          <a:fontRef idx="minor">
+            <a:schemeClr val="tx1"/>
+          </a:fontRef>
+        </p:style>
+      </p:cxnSp>
+      <p:sp>
+        <p:nvSpPr>
+          <p:cNvPr id="37" name="직사각형 36">
+            <a:extLst>
+              <a:ext uri="{FF2B5EF4-FFF2-40B4-BE49-F238E27FC236}">
+                <a16:creationId xmlns:a16="http://schemas.microsoft.com/office/drawing/2014/main" id="{9FCB741E-F559-70DD-930F-9BAF4A424F6A}"/>
+              </a:ext>
+            </a:extLst>
+          </p:cNvPr>
+          <p:cNvSpPr/>
+          <p:nvPr/>
+        </p:nvSpPr>
+        <p:spPr>
+          <a:xfrm>
+            <a:off x="8129750" y="3163610"/>
+            <a:ext cx="2154622" cy="788275"/>
+          </a:xfrm>
+          <a:prstGeom prst="rect">
+            <a:avLst/>
+          </a:prstGeom>
+        </p:spPr>
+        <p:style>
+          <a:lnRef idx="2">
+            <a:schemeClr val="accent1">
+              <a:shade val="50000"/>
+            </a:schemeClr>
+          </a:lnRef>
+          <a:fillRef idx="1">
+            <a:schemeClr val="accent1"/>
+          </a:fillRef>
+          <a:effectRef idx="0">
+            <a:schemeClr val="accent1"/>
+          </a:effectRef>
+          <a:fontRef idx="minor">
+            <a:schemeClr val="lt1"/>
+          </a:fontRef>
+        </p:style>
+        <p:txBody>
+          <a:bodyPr rtlCol="0" anchor="ctr"/>
+          <a:lstStyle/>
+          <a:p>
+            <a:pPr marL="0" marR="0" lvl="0" indent="0" algn="ctr" defTabSz="914400" rtl="0" eaLnBrk="1" fontAlgn="auto" latinLnBrk="0" hangingPunct="1">
+              <a:lnSpc>
+                <a:spcPct val="100000"/>
+              </a:lnSpc>
+              <a:spcBef>
+                <a:spcPts val="0"/>
+              </a:spcBef>
+              <a:spcAft>
+                <a:spcPts val="0"/>
+              </a:spcAft>
+              <a:buClrTx/>
+              <a:buSzTx/>
+              <a:buFontTx/>
+              <a:buNone/>
+              <a:tabLst/>
+              <a:defRPr/>
+            </a:pPr>
+            <a:r>
+              <a:rPr kumimoji="1" lang="en-US" altLang="ko-KR" sz="1100" b="0" i="0" u="none" strike="noStrike" kern="1200" cap="none" spc="0" normalizeH="0" baseline="0" noProof="0" dirty="0">
+                <a:ln>
+                  <a:noFill/>
+                </a:ln>
+                <a:solidFill>
+                  <a:prstClr val="white"/>
+                </a:solidFill>
+                <a:effectLst/>
+                <a:uLnTx/>
+                <a:uFillTx/>
+                <a:latin typeface="Calibri" panose="020F0502020204030204"/>
+                <a:ea typeface="맑은 고딕" panose="020B0503020000020004" pitchFamily="34" charset="-127"/>
+                <a:cs typeface="+mn-cs"/>
+              </a:rPr>
+              <a:t>&lt;&lt;Controller&gt;&gt;</a:t>
+            </a:r>
+            <a:endParaRPr kumimoji="1" lang="en-US" altLang="ko-Kore-KR" sz="1600" b="0" i="0" u="none" strike="noStrike" kern="1200" cap="none" spc="0" normalizeH="0" baseline="0" noProof="0" dirty="0">
+              <a:ln>
+                <a:noFill/>
+              </a:ln>
+              <a:solidFill>
+                <a:prstClr val="white"/>
+              </a:solidFill>
+              <a:effectLst/>
+              <a:uLnTx/>
+              <a:uFillTx/>
+              <a:latin typeface="Calibri" panose="020F0502020204030204"/>
+              <a:ea typeface="+mn-ea"/>
+              <a:cs typeface="+mn-cs"/>
+            </a:endParaRPr>
+          </a:p>
+          <a:p>
+            <a:pPr algn="ctr"/>
+            <a:r>
+              <a:rPr kumimoji="1" lang="en-US" altLang="ko-Kore-KR" sz="1600" dirty="0" err="1"/>
+              <a:t>BBoardService</a:t>
+            </a:r>
+            <a:endParaRPr kumimoji="1" lang="ko-Kore-KR" altLang="en-US" sz="1600" dirty="0"/>
+          </a:p>
+        </p:txBody>
+      </p:sp>
+      <p:cxnSp>
+        <p:nvCxnSpPr>
+          <p:cNvPr id="3" name="꺾인 연결선[E] 2">
+            <a:extLst>
+              <a:ext uri="{FF2B5EF4-FFF2-40B4-BE49-F238E27FC236}">
+                <a16:creationId xmlns:a16="http://schemas.microsoft.com/office/drawing/2014/main" id="{39BF5F68-E768-8BAA-AD9B-3E9FCC8EF669}"/>
+              </a:ext>
+            </a:extLst>
+          </p:cNvPr>
+          <p:cNvCxnSpPr>
+            <a:stCxn id="5" idx="2"/>
+            <a:endCxn id="15" idx="1"/>
+          </p:cNvCxnSpPr>
+          <p:nvPr/>
+        </p:nvCxnSpPr>
+        <p:spPr>
+          <a:xfrm rot="16200000" flipH="1">
+            <a:off x="6708227" y="817178"/>
+            <a:ext cx="704193" cy="2138854"/>
+          </a:xfrm>
+          <a:prstGeom prst="bentConnector2">
+            <a:avLst/>
+          </a:prstGeom>
+          <a:ln w="28575" cap="flat" cmpd="sng" algn="ctr">
+            <a:solidFill>
+              <a:schemeClr val="accent1"/>
+            </a:solidFill>
+            <a:prstDash val="dash"/>
+            <a:round/>
+            <a:headEnd type="none" w="med" len="med"/>
+            <a:tailEnd type="none" w="med" len="med"/>
+          </a:ln>
+        </p:spPr>
+        <p:style>
+          <a:lnRef idx="0">
+            <a:scrgbClr r="0" g="0" b="0"/>
+          </a:lnRef>
+          <a:fillRef idx="0">
+            <a:scrgbClr r="0" g="0" b="0"/>
+          </a:fillRef>
+          <a:effectRef idx="0">
+            <a:scrgbClr r="0" g="0" b="0"/>
+          </a:effectRef>
+          <a:fontRef idx="minor">
+            <a:schemeClr val="tx1"/>
+          </a:fontRef>
+        </p:style>
+      </p:cxnSp>
+      <p:cxnSp>
+        <p:nvCxnSpPr>
+          <p:cNvPr id="8" name="꺾인 연결선[E] 7">
+            <a:extLst>
+              <a:ext uri="{FF2B5EF4-FFF2-40B4-BE49-F238E27FC236}">
+                <a16:creationId xmlns:a16="http://schemas.microsoft.com/office/drawing/2014/main" id="{1084E4DC-8EDB-0A97-D0ED-B4B362AF7895}"/>
+              </a:ext>
+            </a:extLst>
+          </p:cNvPr>
+          <p:cNvCxnSpPr>
+            <a:cxnSpLocks/>
+            <a:stCxn id="5" idx="2"/>
+            <a:endCxn id="37" idx="1"/>
+          </p:cNvCxnSpPr>
+          <p:nvPr/>
+        </p:nvCxnSpPr>
+        <p:spPr>
+          <a:xfrm rot="16200000" flipH="1">
+            <a:off x="6048704" y="1476701"/>
+            <a:ext cx="2023239" cy="2138854"/>
+          </a:xfrm>
+          <a:prstGeom prst="bentConnector2">
+            <a:avLst/>
+          </a:prstGeom>
+          <a:ln w="28575" cap="flat" cmpd="sng" algn="ctr">
+            <a:solidFill>
+              <a:schemeClr val="accent1"/>
+            </a:solidFill>
+            <a:prstDash val="dash"/>
+            <a:round/>
+            <a:headEnd type="none" w="med" len="med"/>
+            <a:tailEnd type="none" w="med" len="med"/>
+          </a:ln>
+        </p:spPr>
+        <p:style>
+          <a:lnRef idx="0">
+            <a:scrgbClr r="0" g="0" b="0"/>
+          </a:lnRef>
+          <a:fillRef idx="0">
+            <a:scrgbClr r="0" g="0" b="0"/>
+          </a:fillRef>
+          <a:effectRef idx="0">
+            <a:scrgbClr r="0" g="0" b="0"/>
+          </a:effectRef>
+          <a:fontRef idx="minor">
+            <a:schemeClr val="tx1"/>
+          </a:fontRef>
+        </p:style>
+      </p:cxnSp>
+      <p:sp>
+        <p:nvSpPr>
+          <p:cNvPr id="19" name="삼각형 18">
+            <a:extLst>
+              <a:ext uri="{FF2B5EF4-FFF2-40B4-BE49-F238E27FC236}">
+                <a16:creationId xmlns:a16="http://schemas.microsoft.com/office/drawing/2014/main" id="{EE686F06-A4EE-A4ED-A3A8-1ACA96B6E9F2}"/>
+              </a:ext>
+            </a:extLst>
+          </p:cNvPr>
+          <p:cNvSpPr/>
+          <p:nvPr/>
+        </p:nvSpPr>
+        <p:spPr>
+          <a:xfrm>
+            <a:off x="5862216" y="1553812"/>
+            <a:ext cx="257360" cy="221862"/>
+          </a:xfrm>
+          <a:prstGeom prst="triangle">
+            <a:avLst/>
+          </a:prstGeom>
+        </p:spPr>
+        <p:style>
+          <a:lnRef idx="2">
+            <a:schemeClr val="accent1">
+              <a:shade val="50000"/>
+            </a:schemeClr>
+          </a:lnRef>
+          <a:fillRef idx="1">
+            <a:schemeClr val="accent1"/>
+          </a:fillRef>
+          <a:effectRef idx="0">
+            <a:schemeClr val="accent1"/>
+          </a:effectRef>
+          <a:fontRef idx="minor">
+            <a:schemeClr val="lt1"/>
+          </a:fontRef>
+        </p:style>
+        <p:txBody>
+          <a:bodyPr rtlCol="0" anchor="ctr"/>
+          <a:lstStyle/>
+          <a:p>
+            <a:pPr algn="ctr"/>
+            <a:endParaRPr kumimoji="1" lang="ko-Kore-KR" altLang="en-US"/>
+          </a:p>
+        </p:txBody>
+      </p:sp>
+    </p:spTree>
+    <p:extLst>
+      <p:ext uri="{BB962C8B-B14F-4D97-AF65-F5344CB8AC3E}">
+        <p14:creationId xmlns:p14="http://schemas.microsoft.com/office/powerpoint/2010/main" val="1035413690"/>
       </p:ext>
     </p:extLst>
   </p:cSld>
